--- a/last_presentation.pptx
+++ b/last_presentation.pptx
@@ -10,7 +10,13 @@
     <p:sldId id="257" r:id="rId4"/>
     <p:sldId id="259" r:id="rId5"/>
     <p:sldId id="260" r:id="rId6"/>
-    <p:sldId id="261" r:id="rId7"/>
+    <p:sldId id="262" r:id="rId7"/>
+    <p:sldId id="263" r:id="rId8"/>
+    <p:sldId id="264" r:id="rId9"/>
+    <p:sldId id="265" r:id="rId10"/>
+    <p:sldId id="266" r:id="rId11"/>
+    <p:sldId id="267" r:id="rId12"/>
+    <p:sldId id="261" r:id="rId13"/>
   </p:sldIdLst>
   <p:sldSz cx="12192000" cy="6858000"/>
   <p:notesSz cx="6858000" cy="9144000"/>
@@ -109,6 +115,11 @@
       </a:defRPr>
     </a:lvl9pPr>
   </p:defaultTextStyle>
+  <p:extLst>
+    <p:ext uri="{EFAFB233-063F-42B5-8137-9DF3F51BA10A}">
+      <p15:sldGuideLst xmlns:p15="http://schemas.microsoft.com/office/powerpoint/2012/main"/>
+    </p:ext>
+  </p:extLst>
 </p:presentation>
 </file>
 
@@ -261,7 +272,7 @@
           <a:p>
             <a:fld id="{7336D30C-81CC-470A-9B7F-16827AC360E4}" type="datetimeFigureOut">
               <a:rPr lang="en-US" smtClean="0"/>
-              <a:t>12/7/2019</a:t>
+              <a:t>12/8/2019</a:t>
             </a:fld>
             <a:endParaRPr lang="en-US"/>
           </a:p>
@@ -461,7 +472,7 @@
           <a:p>
             <a:fld id="{7336D30C-81CC-470A-9B7F-16827AC360E4}" type="datetimeFigureOut">
               <a:rPr lang="en-US" smtClean="0"/>
-              <a:t>12/7/2019</a:t>
+              <a:t>12/8/2019</a:t>
             </a:fld>
             <a:endParaRPr lang="en-US"/>
           </a:p>
@@ -671,7 +682,7 @@
           <a:p>
             <a:fld id="{7336D30C-81CC-470A-9B7F-16827AC360E4}" type="datetimeFigureOut">
               <a:rPr lang="en-US" smtClean="0"/>
-              <a:t>12/7/2019</a:t>
+              <a:t>12/8/2019</a:t>
             </a:fld>
             <a:endParaRPr lang="en-US"/>
           </a:p>
@@ -871,7 +882,7 @@
           <a:p>
             <a:fld id="{7336D30C-81CC-470A-9B7F-16827AC360E4}" type="datetimeFigureOut">
               <a:rPr lang="en-US" smtClean="0"/>
-              <a:t>12/7/2019</a:t>
+              <a:t>12/8/2019</a:t>
             </a:fld>
             <a:endParaRPr lang="en-US"/>
           </a:p>
@@ -1147,7 +1158,7 @@
           <a:p>
             <a:fld id="{7336D30C-81CC-470A-9B7F-16827AC360E4}" type="datetimeFigureOut">
               <a:rPr lang="en-US" smtClean="0"/>
-              <a:t>12/7/2019</a:t>
+              <a:t>12/8/2019</a:t>
             </a:fld>
             <a:endParaRPr lang="en-US"/>
           </a:p>
@@ -1415,7 +1426,7 @@
           <a:p>
             <a:fld id="{7336D30C-81CC-470A-9B7F-16827AC360E4}" type="datetimeFigureOut">
               <a:rPr lang="en-US" smtClean="0"/>
-              <a:t>12/7/2019</a:t>
+              <a:t>12/8/2019</a:t>
             </a:fld>
             <a:endParaRPr lang="en-US"/>
           </a:p>
@@ -1830,7 +1841,7 @@
           <a:p>
             <a:fld id="{7336D30C-81CC-470A-9B7F-16827AC360E4}" type="datetimeFigureOut">
               <a:rPr lang="en-US" smtClean="0"/>
-              <a:t>12/7/2019</a:t>
+              <a:t>12/8/2019</a:t>
             </a:fld>
             <a:endParaRPr lang="en-US"/>
           </a:p>
@@ -1972,7 +1983,7 @@
           <a:p>
             <a:fld id="{7336D30C-81CC-470A-9B7F-16827AC360E4}" type="datetimeFigureOut">
               <a:rPr lang="en-US" smtClean="0"/>
-              <a:t>12/7/2019</a:t>
+              <a:t>12/8/2019</a:t>
             </a:fld>
             <a:endParaRPr lang="en-US"/>
           </a:p>
@@ -2085,7 +2096,7 @@
           <a:p>
             <a:fld id="{7336D30C-81CC-470A-9B7F-16827AC360E4}" type="datetimeFigureOut">
               <a:rPr lang="en-US" smtClean="0"/>
-              <a:t>12/7/2019</a:t>
+              <a:t>12/8/2019</a:t>
             </a:fld>
             <a:endParaRPr lang="en-US"/>
           </a:p>
@@ -2398,7 +2409,7 @@
           <a:p>
             <a:fld id="{7336D30C-81CC-470A-9B7F-16827AC360E4}" type="datetimeFigureOut">
               <a:rPr lang="en-US" smtClean="0"/>
-              <a:t>12/7/2019</a:t>
+              <a:t>12/8/2019</a:t>
             </a:fld>
             <a:endParaRPr lang="en-US"/>
           </a:p>
@@ -2687,7 +2698,7 @@
           <a:p>
             <a:fld id="{7336D30C-81CC-470A-9B7F-16827AC360E4}" type="datetimeFigureOut">
               <a:rPr lang="en-US" smtClean="0"/>
-              <a:t>12/7/2019</a:t>
+              <a:t>12/8/2019</a:t>
             </a:fld>
             <a:endParaRPr lang="en-US"/>
           </a:p>
@@ -2930,7 +2941,7 @@
           <a:p>
             <a:fld id="{7336D30C-81CC-470A-9B7F-16827AC360E4}" type="datetimeFigureOut">
               <a:rPr lang="en-US" smtClean="0"/>
-              <a:t>12/7/2019</a:t>
+              <a:t>12/8/2019</a:t>
             </a:fld>
             <a:endParaRPr lang="en-US"/>
           </a:p>
@@ -3608,6 +3619,494 @@
 </p:sld>
 </file>
 
+<file path=ppt/slides/slide10.xml><?xml version="1.0" encoding="utf-8"?>
+<p:sld xmlns:a="http://schemas.openxmlformats.org/drawingml/2006/main" xmlns:r="http://schemas.openxmlformats.org/officeDocument/2006/relationships" xmlns:p="http://schemas.openxmlformats.org/presentationml/2006/main">
+  <p:cSld>
+    <p:spTree>
+      <p:nvGrpSpPr>
+        <p:cNvPr id="1" name=""/>
+        <p:cNvGrpSpPr/>
+        <p:nvPr/>
+      </p:nvGrpSpPr>
+      <p:grpSpPr>
+        <a:xfrm>
+          <a:off x="0" y="0"/>
+          <a:ext cx="0" cy="0"/>
+          <a:chOff x="0" y="0"/>
+          <a:chExt cx="0" cy="0"/>
+        </a:xfrm>
+      </p:grpSpPr>
+      <p:pic>
+        <p:nvPicPr>
+          <p:cNvPr id="5" name="Immagine 4">
+            <a:extLst>
+              <a:ext uri="{FF2B5EF4-FFF2-40B4-BE49-F238E27FC236}">
+                <a16:creationId xmlns:a16="http://schemas.microsoft.com/office/drawing/2014/main" id="{B0EB21B6-43BB-4F54-9B14-6DDB303556FF}"/>
+              </a:ext>
+            </a:extLst>
+          </p:cNvPr>
+          <p:cNvPicPr>
+            <a:picLocks noChangeAspect="1"/>
+          </p:cNvPicPr>
+          <p:nvPr/>
+        </p:nvPicPr>
+        <p:blipFill>
+          <a:blip r:embed="rId2">
+            <a:extLst>
+              <a:ext uri="{28A0092B-C50C-407E-A947-70E740481C1C}">
+                <a14:useLocalDpi xmlns:a14="http://schemas.microsoft.com/office/drawing/2010/main" val="0"/>
+              </a:ext>
+            </a:extLst>
+          </a:blip>
+          <a:stretch>
+            <a:fillRect/>
+          </a:stretch>
+        </p:blipFill>
+        <p:spPr>
+          <a:xfrm>
+            <a:off x="528050" y="264791"/>
+            <a:ext cx="1590627" cy="1324948"/>
+          </a:xfrm>
+          <a:prstGeom prst="rect">
+            <a:avLst/>
+          </a:prstGeom>
+        </p:spPr>
+      </p:pic>
+      <p:sp>
+        <p:nvSpPr>
+          <p:cNvPr id="3" name="CasellaDiTesto 2">
+            <a:extLst>
+              <a:ext uri="{FF2B5EF4-FFF2-40B4-BE49-F238E27FC236}">
+                <a16:creationId xmlns:a16="http://schemas.microsoft.com/office/drawing/2014/main" id="{3B1DDAF8-ACFC-4239-B5AD-1406F146ECA8}"/>
+              </a:ext>
+            </a:extLst>
+          </p:cNvPr>
+          <p:cNvSpPr txBox="1"/>
+          <p:nvPr/>
+        </p:nvSpPr>
+        <p:spPr>
+          <a:xfrm>
+            <a:off x="3831962" y="1128074"/>
+            <a:ext cx="4528075" cy="461665"/>
+          </a:xfrm>
+          <a:prstGeom prst="rect">
+            <a:avLst/>
+          </a:prstGeom>
+          <a:noFill/>
+        </p:spPr>
+        <p:txBody>
+          <a:bodyPr wrap="square" rtlCol="0">
+            <a:spAutoFit/>
+          </a:bodyPr>
+          <a:lstStyle/>
+          <a:p>
+            <a:pPr algn="ctr"/>
+            <a:r>
+              <a:rPr lang="en-US" sz="2400" b="1" dirty="0">
+                <a:latin typeface="Cambria" panose="02040503050406030204" pitchFamily="18" charset="0"/>
+                <a:ea typeface="Cambria" panose="02040503050406030204" pitchFamily="18" charset="0"/>
+              </a:rPr>
+              <a:t>MODEL COMPARISON</a:t>
+            </a:r>
+          </a:p>
+        </p:txBody>
+      </p:sp>
+    </p:spTree>
+    <p:extLst>
+      <p:ext uri="{BB962C8B-B14F-4D97-AF65-F5344CB8AC3E}">
+        <p14:creationId xmlns:p14="http://schemas.microsoft.com/office/powerpoint/2010/main" val="2753424814"/>
+      </p:ext>
+    </p:extLst>
+  </p:cSld>
+  <p:clrMapOvr>
+    <a:masterClrMapping/>
+  </p:clrMapOvr>
+</p:sld>
+</file>
+
+<file path=ppt/slides/slide11.xml><?xml version="1.0" encoding="utf-8"?>
+<p:sld xmlns:a="http://schemas.openxmlformats.org/drawingml/2006/main" xmlns:r="http://schemas.openxmlformats.org/officeDocument/2006/relationships" xmlns:p="http://schemas.openxmlformats.org/presentationml/2006/main">
+  <p:cSld>
+    <p:spTree>
+      <p:nvGrpSpPr>
+        <p:cNvPr id="1" name=""/>
+        <p:cNvGrpSpPr/>
+        <p:nvPr/>
+      </p:nvGrpSpPr>
+      <p:grpSpPr>
+        <a:xfrm>
+          <a:off x="0" y="0"/>
+          <a:ext cx="0" cy="0"/>
+          <a:chOff x="0" y="0"/>
+          <a:chExt cx="0" cy="0"/>
+        </a:xfrm>
+      </p:grpSpPr>
+      <p:pic>
+        <p:nvPicPr>
+          <p:cNvPr id="5" name="Immagine 4">
+            <a:extLst>
+              <a:ext uri="{FF2B5EF4-FFF2-40B4-BE49-F238E27FC236}">
+                <a16:creationId xmlns:a16="http://schemas.microsoft.com/office/drawing/2014/main" id="{B0EB21B6-43BB-4F54-9B14-6DDB303556FF}"/>
+              </a:ext>
+            </a:extLst>
+          </p:cNvPr>
+          <p:cNvPicPr>
+            <a:picLocks noChangeAspect="1"/>
+          </p:cNvPicPr>
+          <p:nvPr/>
+        </p:nvPicPr>
+        <p:blipFill>
+          <a:blip r:embed="rId2">
+            <a:extLst>
+              <a:ext uri="{28A0092B-C50C-407E-A947-70E740481C1C}">
+                <a14:useLocalDpi xmlns:a14="http://schemas.microsoft.com/office/drawing/2010/main" val="0"/>
+              </a:ext>
+            </a:extLst>
+          </a:blip>
+          <a:stretch>
+            <a:fillRect/>
+          </a:stretch>
+        </p:blipFill>
+        <p:spPr>
+          <a:xfrm>
+            <a:off x="528050" y="264791"/>
+            <a:ext cx="1590627" cy="1324948"/>
+          </a:xfrm>
+          <a:prstGeom prst="rect">
+            <a:avLst/>
+          </a:prstGeom>
+        </p:spPr>
+      </p:pic>
+      <p:sp>
+        <p:nvSpPr>
+          <p:cNvPr id="3" name="CasellaDiTesto 2">
+            <a:extLst>
+              <a:ext uri="{FF2B5EF4-FFF2-40B4-BE49-F238E27FC236}">
+                <a16:creationId xmlns:a16="http://schemas.microsoft.com/office/drawing/2014/main" id="{3B1DDAF8-ACFC-4239-B5AD-1406F146ECA8}"/>
+              </a:ext>
+            </a:extLst>
+          </p:cNvPr>
+          <p:cNvSpPr txBox="1"/>
+          <p:nvPr/>
+        </p:nvSpPr>
+        <p:spPr>
+          <a:xfrm>
+            <a:off x="3831962" y="1128074"/>
+            <a:ext cx="4528075" cy="461665"/>
+          </a:xfrm>
+          <a:prstGeom prst="rect">
+            <a:avLst/>
+          </a:prstGeom>
+          <a:noFill/>
+        </p:spPr>
+        <p:txBody>
+          <a:bodyPr wrap="square" rtlCol="0">
+            <a:spAutoFit/>
+          </a:bodyPr>
+          <a:lstStyle/>
+          <a:p>
+            <a:pPr algn="ctr"/>
+            <a:r>
+              <a:rPr lang="en-US" sz="2400" b="1" dirty="0">
+                <a:latin typeface="Cambria" panose="02040503050406030204" pitchFamily="18" charset="0"/>
+                <a:ea typeface="Cambria" panose="02040503050406030204" pitchFamily="18" charset="0"/>
+              </a:rPr>
+              <a:t>AGE PREDICTION</a:t>
+            </a:r>
+          </a:p>
+        </p:txBody>
+      </p:sp>
+    </p:spTree>
+    <p:extLst>
+      <p:ext uri="{BB962C8B-B14F-4D97-AF65-F5344CB8AC3E}">
+        <p14:creationId xmlns:p14="http://schemas.microsoft.com/office/powerpoint/2010/main" val="1443627318"/>
+      </p:ext>
+    </p:extLst>
+  </p:cSld>
+  <p:clrMapOvr>
+    <a:masterClrMapping/>
+  </p:clrMapOvr>
+</p:sld>
+</file>
+
+<file path=ppt/slides/slide12.xml><?xml version="1.0" encoding="utf-8"?>
+<p:sld xmlns:a="http://schemas.openxmlformats.org/drawingml/2006/main" xmlns:r="http://schemas.openxmlformats.org/officeDocument/2006/relationships" xmlns:p="http://schemas.openxmlformats.org/presentationml/2006/main">
+  <p:cSld>
+    <p:spTree>
+      <p:nvGrpSpPr>
+        <p:cNvPr id="1" name=""/>
+        <p:cNvGrpSpPr/>
+        <p:nvPr/>
+      </p:nvGrpSpPr>
+      <p:grpSpPr>
+        <a:xfrm>
+          <a:off x="0" y="0"/>
+          <a:ext cx="0" cy="0"/>
+          <a:chOff x="0" y="0"/>
+          <a:chExt cx="0" cy="0"/>
+        </a:xfrm>
+      </p:grpSpPr>
+      <p:pic>
+        <p:nvPicPr>
+          <p:cNvPr id="5" name="Immagine 4">
+            <a:extLst>
+              <a:ext uri="{FF2B5EF4-FFF2-40B4-BE49-F238E27FC236}">
+                <a16:creationId xmlns:a16="http://schemas.microsoft.com/office/drawing/2014/main" id="{B0EB21B6-43BB-4F54-9B14-6DDB303556FF}"/>
+              </a:ext>
+            </a:extLst>
+          </p:cNvPr>
+          <p:cNvPicPr>
+            <a:picLocks noChangeAspect="1"/>
+          </p:cNvPicPr>
+          <p:nvPr/>
+        </p:nvPicPr>
+        <p:blipFill>
+          <a:blip r:embed="rId2">
+            <a:extLst>
+              <a:ext uri="{28A0092B-C50C-407E-A947-70E740481C1C}">
+                <a14:useLocalDpi xmlns:a14="http://schemas.microsoft.com/office/drawing/2010/main" val="0"/>
+              </a:ext>
+            </a:extLst>
+          </a:blip>
+          <a:stretch>
+            <a:fillRect/>
+          </a:stretch>
+        </p:blipFill>
+        <p:spPr>
+          <a:xfrm>
+            <a:off x="528050" y="264791"/>
+            <a:ext cx="1590627" cy="1324948"/>
+          </a:xfrm>
+          <a:prstGeom prst="rect">
+            <a:avLst/>
+          </a:prstGeom>
+        </p:spPr>
+      </p:pic>
+      <p:sp>
+        <p:nvSpPr>
+          <p:cNvPr id="7" name="CasellaDiTesto 6">
+            <a:extLst>
+              <a:ext uri="{FF2B5EF4-FFF2-40B4-BE49-F238E27FC236}">
+                <a16:creationId xmlns:a16="http://schemas.microsoft.com/office/drawing/2014/main" id="{81616C71-BC0E-40F9-932F-C30EF8739BBB}"/>
+              </a:ext>
+            </a:extLst>
+          </p:cNvPr>
+          <p:cNvSpPr txBox="1"/>
+          <p:nvPr/>
+        </p:nvSpPr>
+        <p:spPr>
+          <a:xfrm>
+            <a:off x="2484922" y="1589739"/>
+            <a:ext cx="7222156" cy="523220"/>
+          </a:xfrm>
+          <a:prstGeom prst="rect">
+            <a:avLst/>
+          </a:prstGeom>
+          <a:noFill/>
+        </p:spPr>
+        <p:txBody>
+          <a:bodyPr wrap="square" rtlCol="0">
+            <a:spAutoFit/>
+          </a:bodyPr>
+          <a:lstStyle/>
+          <a:p>
+            <a:pPr algn="ctr"/>
+            <a:r>
+              <a:rPr lang="en-US" sz="2800" dirty="0">
+                <a:latin typeface="Cambria" panose="02040503050406030204" pitchFamily="18" charset="0"/>
+                <a:ea typeface="Cambria" panose="02040503050406030204" pitchFamily="18" charset="0"/>
+              </a:rPr>
+              <a:t>CS-E5710 – Bayesian Data Analysis</a:t>
+            </a:r>
+          </a:p>
+        </p:txBody>
+      </p:sp>
+      <p:sp>
+        <p:nvSpPr>
+          <p:cNvPr id="8" name="CasellaDiTesto 7">
+            <a:extLst>
+              <a:ext uri="{FF2B5EF4-FFF2-40B4-BE49-F238E27FC236}">
+                <a16:creationId xmlns:a16="http://schemas.microsoft.com/office/drawing/2014/main" id="{02CE67CF-C493-47B1-8C13-6B2BC187B9C3}"/>
+              </a:ext>
+            </a:extLst>
+          </p:cNvPr>
+          <p:cNvSpPr txBox="1"/>
+          <p:nvPr/>
+        </p:nvSpPr>
+        <p:spPr>
+          <a:xfrm>
+            <a:off x="2484922" y="2112959"/>
+            <a:ext cx="7222156" cy="584775"/>
+          </a:xfrm>
+          <a:prstGeom prst="rect">
+            <a:avLst/>
+          </a:prstGeom>
+          <a:noFill/>
+        </p:spPr>
+        <p:txBody>
+          <a:bodyPr wrap="square" rtlCol="0">
+            <a:spAutoFit/>
+          </a:bodyPr>
+          <a:lstStyle/>
+          <a:p>
+            <a:pPr algn="ctr"/>
+            <a:r>
+              <a:rPr lang="en-US" sz="3200" b="1" dirty="0">
+                <a:solidFill>
+                  <a:schemeClr val="tx1">
+                    <a:lumMod val="65000"/>
+                    <a:lumOff val="35000"/>
+                  </a:schemeClr>
+                </a:solidFill>
+                <a:latin typeface="Cambria" panose="02040503050406030204" pitchFamily="18" charset="0"/>
+                <a:ea typeface="Cambria" panose="02040503050406030204" pitchFamily="18" charset="0"/>
+              </a:rPr>
+              <a:t>Project Work</a:t>
+            </a:r>
+          </a:p>
+        </p:txBody>
+      </p:sp>
+      <p:sp>
+        <p:nvSpPr>
+          <p:cNvPr id="9" name="CasellaDiTesto 8">
+            <a:extLst>
+              <a:ext uri="{FF2B5EF4-FFF2-40B4-BE49-F238E27FC236}">
+                <a16:creationId xmlns:a16="http://schemas.microsoft.com/office/drawing/2014/main" id="{A3E38D83-5B97-454D-B2A3-810B369F157E}"/>
+              </a:ext>
+            </a:extLst>
+          </p:cNvPr>
+          <p:cNvSpPr txBox="1"/>
+          <p:nvPr/>
+        </p:nvSpPr>
+        <p:spPr>
+          <a:xfrm>
+            <a:off x="6440686" y="4732212"/>
+            <a:ext cx="3266392" cy="461665"/>
+          </a:xfrm>
+          <a:prstGeom prst="rect">
+            <a:avLst/>
+          </a:prstGeom>
+          <a:noFill/>
+        </p:spPr>
+        <p:txBody>
+          <a:bodyPr wrap="square" rtlCol="0">
+            <a:spAutoFit/>
+          </a:bodyPr>
+          <a:lstStyle/>
+          <a:p>
+            <a:pPr algn="ctr"/>
+            <a:r>
+              <a:rPr lang="en-US" sz="2400" dirty="0">
+                <a:latin typeface="Cambria" panose="02040503050406030204" pitchFamily="18" charset="0"/>
+                <a:ea typeface="Cambria" panose="02040503050406030204" pitchFamily="18" charset="0"/>
+              </a:rPr>
+              <a:t>Nicola Saljoughi</a:t>
+            </a:r>
+          </a:p>
+        </p:txBody>
+      </p:sp>
+      <p:sp>
+        <p:nvSpPr>
+          <p:cNvPr id="10" name="CasellaDiTesto 9">
+            <a:extLst>
+              <a:ext uri="{FF2B5EF4-FFF2-40B4-BE49-F238E27FC236}">
+                <a16:creationId xmlns:a16="http://schemas.microsoft.com/office/drawing/2014/main" id="{B426B855-8380-4483-82A7-1A5ED8B0F879}"/>
+              </a:ext>
+            </a:extLst>
+          </p:cNvPr>
+          <p:cNvSpPr txBox="1"/>
+          <p:nvPr/>
+        </p:nvSpPr>
+        <p:spPr>
+          <a:xfrm>
+            <a:off x="2829608" y="4732212"/>
+            <a:ext cx="3266392" cy="461665"/>
+          </a:xfrm>
+          <a:prstGeom prst="rect">
+            <a:avLst/>
+          </a:prstGeom>
+          <a:noFill/>
+        </p:spPr>
+        <p:txBody>
+          <a:bodyPr wrap="square" rtlCol="0">
+            <a:spAutoFit/>
+          </a:bodyPr>
+          <a:lstStyle/>
+          <a:p>
+            <a:pPr algn="ctr"/>
+            <a:r>
+              <a:rPr lang="en-US" sz="2400" dirty="0">
+                <a:latin typeface="Cambria" panose="02040503050406030204" pitchFamily="18" charset="0"/>
+                <a:ea typeface="Cambria" panose="02040503050406030204" pitchFamily="18" charset="0"/>
+              </a:rPr>
+              <a:t>Jacopo </a:t>
+            </a:r>
+            <a:r>
+              <a:rPr lang="en-US" sz="2400" dirty="0" err="1">
+                <a:latin typeface="Cambria" panose="02040503050406030204" pitchFamily="18" charset="0"/>
+                <a:ea typeface="Cambria" panose="02040503050406030204" pitchFamily="18" charset="0"/>
+              </a:rPr>
+              <a:t>Losi</a:t>
+            </a:r>
+            <a:endParaRPr lang="en-US" sz="2400" dirty="0">
+              <a:latin typeface="Cambria" panose="02040503050406030204" pitchFamily="18" charset="0"/>
+              <a:ea typeface="Cambria" panose="02040503050406030204" pitchFamily="18" charset="0"/>
+            </a:endParaRPr>
+          </a:p>
+        </p:txBody>
+      </p:sp>
+      <p:sp>
+        <p:nvSpPr>
+          <p:cNvPr id="11" name="CasellaDiTesto 10">
+            <a:extLst>
+              <a:ext uri="{FF2B5EF4-FFF2-40B4-BE49-F238E27FC236}">
+                <a16:creationId xmlns:a16="http://schemas.microsoft.com/office/drawing/2014/main" id="{FE7CC3E5-C0A6-41AA-8A5F-C99033E92B75}"/>
+              </a:ext>
+            </a:extLst>
+          </p:cNvPr>
+          <p:cNvSpPr txBox="1"/>
+          <p:nvPr/>
+        </p:nvSpPr>
+        <p:spPr>
+          <a:xfrm>
+            <a:off x="2484922" y="2873322"/>
+            <a:ext cx="7222156" cy="1077218"/>
+          </a:xfrm>
+          <a:prstGeom prst="rect">
+            <a:avLst/>
+          </a:prstGeom>
+          <a:noFill/>
+        </p:spPr>
+        <p:txBody>
+          <a:bodyPr wrap="square" rtlCol="0">
+            <a:spAutoFit/>
+          </a:bodyPr>
+          <a:lstStyle/>
+          <a:p>
+            <a:pPr algn="ctr"/>
+            <a:r>
+              <a:rPr lang="en-US" sz="3200" dirty="0">
+                <a:latin typeface="Cambria" panose="02040503050406030204" pitchFamily="18" charset="0"/>
+                <a:ea typeface="Cambria" panose="02040503050406030204" pitchFamily="18" charset="0"/>
+              </a:rPr>
+              <a:t>Bayesian analysis of a public health surveillance study in Shandong, China</a:t>
+            </a:r>
+          </a:p>
+        </p:txBody>
+      </p:sp>
+    </p:spTree>
+    <p:extLst>
+      <p:ext uri="{BB962C8B-B14F-4D97-AF65-F5344CB8AC3E}">
+        <p14:creationId xmlns:p14="http://schemas.microsoft.com/office/powerpoint/2010/main" val="3796227760"/>
+      </p:ext>
+    </p:extLst>
+  </p:cSld>
+  <p:clrMapOvr>
+    <a:masterClrMapping/>
+  </p:clrMapOvr>
+</p:sld>
+</file>
+
 <file path=ppt/slides/slide2.xml><?xml version="1.0" encoding="utf-8"?>
 <p:sld xmlns:a="http://schemas.openxmlformats.org/drawingml/2006/main" xmlns:r="http://schemas.openxmlformats.org/officeDocument/2006/relationships" xmlns:p="http://schemas.openxmlformats.org/presentationml/2006/main">
   <p:cSld>
@@ -4306,6 +4805,45 @@
           </a:prstGeom>
         </p:spPr>
       </p:pic>
+      <p:sp>
+        <p:nvSpPr>
+          <p:cNvPr id="3" name="CasellaDiTesto 2">
+            <a:extLst>
+              <a:ext uri="{FF2B5EF4-FFF2-40B4-BE49-F238E27FC236}">
+                <a16:creationId xmlns:a16="http://schemas.microsoft.com/office/drawing/2014/main" id="{3B1DDAF8-ACFC-4239-B5AD-1406F146ECA8}"/>
+              </a:ext>
+            </a:extLst>
+          </p:cNvPr>
+          <p:cNvSpPr txBox="1"/>
+          <p:nvPr/>
+        </p:nvSpPr>
+        <p:spPr>
+          <a:xfrm>
+            <a:off x="3831962" y="1128074"/>
+            <a:ext cx="4528075" cy="461665"/>
+          </a:xfrm>
+          <a:prstGeom prst="rect">
+            <a:avLst/>
+          </a:prstGeom>
+          <a:noFill/>
+        </p:spPr>
+        <p:txBody>
+          <a:bodyPr wrap="square" rtlCol="0">
+            <a:spAutoFit/>
+          </a:bodyPr>
+          <a:lstStyle/>
+          <a:p>
+            <a:pPr algn="ctr"/>
+            <a:r>
+              <a:rPr lang="en-US" sz="2400" b="1" dirty="0">
+                <a:latin typeface="Cambria" panose="02040503050406030204" pitchFamily="18" charset="0"/>
+                <a:ea typeface="Cambria" panose="02040503050406030204" pitchFamily="18" charset="0"/>
+              </a:rPr>
+              <a:t>BAYESIAN   vs.   FREQUENTIST</a:t>
+            </a:r>
+          </a:p>
+        </p:txBody>
+      </p:sp>
     </p:spTree>
     <p:extLst>
       <p:ext uri="{BB962C8B-B14F-4D97-AF65-F5344CB8AC3E}">
@@ -4374,10 +4912,10 @@
       </p:pic>
       <p:sp>
         <p:nvSpPr>
-          <p:cNvPr id="7" name="CasellaDiTesto 6">
-            <a:extLst>
-              <a:ext uri="{FF2B5EF4-FFF2-40B4-BE49-F238E27FC236}">
-                <a16:creationId xmlns:a16="http://schemas.microsoft.com/office/drawing/2014/main" id="{81616C71-BC0E-40F9-932F-C30EF8739BBB}"/>
+          <p:cNvPr id="3" name="CasellaDiTesto 2">
+            <a:extLst>
+              <a:ext uri="{FF2B5EF4-FFF2-40B4-BE49-F238E27FC236}">
+                <a16:creationId xmlns:a16="http://schemas.microsoft.com/office/drawing/2014/main" id="{3B1DDAF8-ACFC-4239-B5AD-1406F146ECA8}"/>
               </a:ext>
             </a:extLst>
           </p:cNvPr>
@@ -4386,8 +4924,8 @@
         </p:nvSpPr>
         <p:spPr>
           <a:xfrm>
-            <a:off x="2484922" y="1589739"/>
-            <a:ext cx="7222156" cy="523220"/>
+            <a:off x="3831962" y="1128074"/>
+            <a:ext cx="4528075" cy="461665"/>
           </a:xfrm>
           <a:prstGeom prst="rect">
             <a:avLst/>
@@ -4402,21 +4940,87 @@
           <a:p>
             <a:pPr algn="ctr"/>
             <a:r>
-              <a:rPr lang="en-US" sz="2800" dirty="0">
+              <a:rPr lang="en-US" sz="2400" b="1" dirty="0">
                 <a:latin typeface="Cambria" panose="02040503050406030204" pitchFamily="18" charset="0"/>
                 <a:ea typeface="Cambria" panose="02040503050406030204" pitchFamily="18" charset="0"/>
               </a:rPr>
-              <a:t>CS-E5710 – Bayesian Data Analysis</a:t>
-            </a:r>
-          </a:p>
-        </p:txBody>
-      </p:sp>
-      <p:sp>
-        <p:nvSpPr>
-          <p:cNvPr id="8" name="CasellaDiTesto 7">
-            <a:extLst>
-              <a:ext uri="{FF2B5EF4-FFF2-40B4-BE49-F238E27FC236}">
-                <a16:creationId xmlns:a16="http://schemas.microsoft.com/office/drawing/2014/main" id="{02CE67CF-C493-47B1-8C13-6B2BC187B9C3}"/>
+              <a:t>PARAMETER SELECTION</a:t>
+            </a:r>
+          </a:p>
+        </p:txBody>
+      </p:sp>
+    </p:spTree>
+    <p:extLst>
+      <p:ext uri="{BB962C8B-B14F-4D97-AF65-F5344CB8AC3E}">
+        <p14:creationId xmlns:p14="http://schemas.microsoft.com/office/powerpoint/2010/main" val="342514364"/>
+      </p:ext>
+    </p:extLst>
+  </p:cSld>
+  <p:clrMapOvr>
+    <a:masterClrMapping/>
+  </p:clrMapOvr>
+</p:sld>
+</file>
+
+<file path=ppt/slides/slide7.xml><?xml version="1.0" encoding="utf-8"?>
+<p:sld xmlns:a="http://schemas.openxmlformats.org/drawingml/2006/main" xmlns:r="http://schemas.openxmlformats.org/officeDocument/2006/relationships" xmlns:p="http://schemas.openxmlformats.org/presentationml/2006/main">
+  <p:cSld>
+    <p:spTree>
+      <p:nvGrpSpPr>
+        <p:cNvPr id="1" name=""/>
+        <p:cNvGrpSpPr/>
+        <p:nvPr/>
+      </p:nvGrpSpPr>
+      <p:grpSpPr>
+        <a:xfrm>
+          <a:off x="0" y="0"/>
+          <a:ext cx="0" cy="0"/>
+          <a:chOff x="0" y="0"/>
+          <a:chExt cx="0" cy="0"/>
+        </a:xfrm>
+      </p:grpSpPr>
+      <p:pic>
+        <p:nvPicPr>
+          <p:cNvPr id="5" name="Immagine 4">
+            <a:extLst>
+              <a:ext uri="{FF2B5EF4-FFF2-40B4-BE49-F238E27FC236}">
+                <a16:creationId xmlns:a16="http://schemas.microsoft.com/office/drawing/2014/main" id="{B0EB21B6-43BB-4F54-9B14-6DDB303556FF}"/>
+              </a:ext>
+            </a:extLst>
+          </p:cNvPr>
+          <p:cNvPicPr>
+            <a:picLocks noChangeAspect="1"/>
+          </p:cNvPicPr>
+          <p:nvPr/>
+        </p:nvPicPr>
+        <p:blipFill>
+          <a:blip r:embed="rId2">
+            <a:extLst>
+              <a:ext uri="{28A0092B-C50C-407E-A947-70E740481C1C}">
+                <a14:useLocalDpi xmlns:a14="http://schemas.microsoft.com/office/drawing/2010/main" val="0"/>
+              </a:ext>
+            </a:extLst>
+          </a:blip>
+          <a:stretch>
+            <a:fillRect/>
+          </a:stretch>
+        </p:blipFill>
+        <p:spPr>
+          <a:xfrm>
+            <a:off x="528050" y="264791"/>
+            <a:ext cx="1590627" cy="1324948"/>
+          </a:xfrm>
+          <a:prstGeom prst="rect">
+            <a:avLst/>
+          </a:prstGeom>
+        </p:spPr>
+      </p:pic>
+      <p:sp>
+        <p:nvSpPr>
+          <p:cNvPr id="3" name="CasellaDiTesto 2">
+            <a:extLst>
+              <a:ext uri="{FF2B5EF4-FFF2-40B4-BE49-F238E27FC236}">
+                <a16:creationId xmlns:a16="http://schemas.microsoft.com/office/drawing/2014/main" id="{3B1DDAF8-ACFC-4239-B5AD-1406F146ECA8}"/>
               </a:ext>
             </a:extLst>
           </p:cNvPr>
@@ -4425,8 +5029,8 @@
         </p:nvSpPr>
         <p:spPr>
           <a:xfrm>
-            <a:off x="2484922" y="2112959"/>
-            <a:ext cx="7222156" cy="584775"/>
+            <a:off x="3831962" y="1128074"/>
+            <a:ext cx="4528075" cy="830997"/>
           </a:xfrm>
           <a:prstGeom prst="rect">
             <a:avLst/>
@@ -4441,27 +5045,87 @@
           <a:p>
             <a:pPr algn="ctr"/>
             <a:r>
-              <a:rPr lang="en-US" sz="3200" b="1" dirty="0">
-                <a:solidFill>
-                  <a:schemeClr val="tx1">
-                    <a:lumMod val="65000"/>
-                    <a:lumOff val="35000"/>
-                  </a:schemeClr>
-                </a:solidFill>
+              <a:rPr lang="en-US" sz="2400" b="1" dirty="0">
                 <a:latin typeface="Cambria" panose="02040503050406030204" pitchFamily="18" charset="0"/>
                 <a:ea typeface="Cambria" panose="02040503050406030204" pitchFamily="18" charset="0"/>
               </a:rPr>
-              <a:t>Project Work</a:t>
-            </a:r>
-          </a:p>
-        </p:txBody>
-      </p:sp>
-      <p:sp>
-        <p:nvSpPr>
-          <p:cNvPr id="9" name="CasellaDiTesto 8">
-            <a:extLst>
-              <a:ext uri="{FF2B5EF4-FFF2-40B4-BE49-F238E27FC236}">
-                <a16:creationId xmlns:a16="http://schemas.microsoft.com/office/drawing/2014/main" id="{A3E38D83-5B97-454D-B2A3-810B369F157E}"/>
+              <a:t>FULL and REDUCED LOGISTIC REGRESSION MODELS</a:t>
+            </a:r>
+          </a:p>
+        </p:txBody>
+      </p:sp>
+    </p:spTree>
+    <p:extLst>
+      <p:ext uri="{BB962C8B-B14F-4D97-AF65-F5344CB8AC3E}">
+        <p14:creationId xmlns:p14="http://schemas.microsoft.com/office/powerpoint/2010/main" val="126330173"/>
+      </p:ext>
+    </p:extLst>
+  </p:cSld>
+  <p:clrMapOvr>
+    <a:masterClrMapping/>
+  </p:clrMapOvr>
+</p:sld>
+</file>
+
+<file path=ppt/slides/slide8.xml><?xml version="1.0" encoding="utf-8"?>
+<p:sld xmlns:a="http://schemas.openxmlformats.org/drawingml/2006/main" xmlns:r="http://schemas.openxmlformats.org/officeDocument/2006/relationships" xmlns:p="http://schemas.openxmlformats.org/presentationml/2006/main">
+  <p:cSld>
+    <p:spTree>
+      <p:nvGrpSpPr>
+        <p:cNvPr id="1" name=""/>
+        <p:cNvGrpSpPr/>
+        <p:nvPr/>
+      </p:nvGrpSpPr>
+      <p:grpSpPr>
+        <a:xfrm>
+          <a:off x="0" y="0"/>
+          <a:ext cx="0" cy="0"/>
+          <a:chOff x="0" y="0"/>
+          <a:chExt cx="0" cy="0"/>
+        </a:xfrm>
+      </p:grpSpPr>
+      <p:pic>
+        <p:nvPicPr>
+          <p:cNvPr id="5" name="Immagine 4">
+            <a:extLst>
+              <a:ext uri="{FF2B5EF4-FFF2-40B4-BE49-F238E27FC236}">
+                <a16:creationId xmlns:a16="http://schemas.microsoft.com/office/drawing/2014/main" id="{B0EB21B6-43BB-4F54-9B14-6DDB303556FF}"/>
+              </a:ext>
+            </a:extLst>
+          </p:cNvPr>
+          <p:cNvPicPr>
+            <a:picLocks noChangeAspect="1"/>
+          </p:cNvPicPr>
+          <p:nvPr/>
+        </p:nvPicPr>
+        <p:blipFill>
+          <a:blip r:embed="rId2">
+            <a:extLst>
+              <a:ext uri="{28A0092B-C50C-407E-A947-70E740481C1C}">
+                <a14:useLocalDpi xmlns:a14="http://schemas.microsoft.com/office/drawing/2010/main" val="0"/>
+              </a:ext>
+            </a:extLst>
+          </a:blip>
+          <a:stretch>
+            <a:fillRect/>
+          </a:stretch>
+        </p:blipFill>
+        <p:spPr>
+          <a:xfrm>
+            <a:off x="528050" y="264791"/>
+            <a:ext cx="1590627" cy="1324948"/>
+          </a:xfrm>
+          <a:prstGeom prst="rect">
+            <a:avLst/>
+          </a:prstGeom>
+        </p:spPr>
+      </p:pic>
+      <p:sp>
+        <p:nvSpPr>
+          <p:cNvPr id="3" name="CasellaDiTesto 2">
+            <a:extLst>
+              <a:ext uri="{FF2B5EF4-FFF2-40B4-BE49-F238E27FC236}">
+                <a16:creationId xmlns:a16="http://schemas.microsoft.com/office/drawing/2014/main" id="{3B1DDAF8-ACFC-4239-B5AD-1406F146ECA8}"/>
               </a:ext>
             </a:extLst>
           </p:cNvPr>
@@ -4470,8 +5134,8 @@
         </p:nvSpPr>
         <p:spPr>
           <a:xfrm>
-            <a:off x="6440686" y="4732212"/>
-            <a:ext cx="3266392" cy="461665"/>
+            <a:off x="3831962" y="1128074"/>
+            <a:ext cx="4528075" cy="830997"/>
           </a:xfrm>
           <a:prstGeom prst="rect">
             <a:avLst/>
@@ -4486,21 +5150,87 @@
           <a:p>
             <a:pPr algn="ctr"/>
             <a:r>
-              <a:rPr lang="en-US" sz="2400" dirty="0">
+              <a:rPr lang="en-US" sz="2400" b="1" dirty="0">
                 <a:latin typeface="Cambria" panose="02040503050406030204" pitchFamily="18" charset="0"/>
                 <a:ea typeface="Cambria" panose="02040503050406030204" pitchFamily="18" charset="0"/>
               </a:rPr>
-              <a:t>Nicola Saljoughi</a:t>
-            </a:r>
-          </a:p>
-        </p:txBody>
-      </p:sp>
-      <p:sp>
-        <p:nvSpPr>
-          <p:cNvPr id="10" name="CasellaDiTesto 9">
-            <a:extLst>
-              <a:ext uri="{FF2B5EF4-FFF2-40B4-BE49-F238E27FC236}">
-                <a16:creationId xmlns:a16="http://schemas.microsoft.com/office/drawing/2014/main" id="{B426B855-8380-4483-82A7-1A5ED8B0F879}"/>
+              <a:t>CONVERGENCE and EFFICIENCY ANALYSIS</a:t>
+            </a:r>
+          </a:p>
+        </p:txBody>
+      </p:sp>
+    </p:spTree>
+    <p:extLst>
+      <p:ext uri="{BB962C8B-B14F-4D97-AF65-F5344CB8AC3E}">
+        <p14:creationId xmlns:p14="http://schemas.microsoft.com/office/powerpoint/2010/main" val="1078916507"/>
+      </p:ext>
+    </p:extLst>
+  </p:cSld>
+  <p:clrMapOvr>
+    <a:masterClrMapping/>
+  </p:clrMapOvr>
+</p:sld>
+</file>
+
+<file path=ppt/slides/slide9.xml><?xml version="1.0" encoding="utf-8"?>
+<p:sld xmlns:a="http://schemas.openxmlformats.org/drawingml/2006/main" xmlns:r="http://schemas.openxmlformats.org/officeDocument/2006/relationships" xmlns:p="http://schemas.openxmlformats.org/presentationml/2006/main">
+  <p:cSld>
+    <p:spTree>
+      <p:nvGrpSpPr>
+        <p:cNvPr id="1" name=""/>
+        <p:cNvGrpSpPr/>
+        <p:nvPr/>
+      </p:nvGrpSpPr>
+      <p:grpSpPr>
+        <a:xfrm>
+          <a:off x="0" y="0"/>
+          <a:ext cx="0" cy="0"/>
+          <a:chOff x="0" y="0"/>
+          <a:chExt cx="0" cy="0"/>
+        </a:xfrm>
+      </p:grpSpPr>
+      <p:pic>
+        <p:nvPicPr>
+          <p:cNvPr id="5" name="Immagine 4">
+            <a:extLst>
+              <a:ext uri="{FF2B5EF4-FFF2-40B4-BE49-F238E27FC236}">
+                <a16:creationId xmlns:a16="http://schemas.microsoft.com/office/drawing/2014/main" id="{B0EB21B6-43BB-4F54-9B14-6DDB303556FF}"/>
+              </a:ext>
+            </a:extLst>
+          </p:cNvPr>
+          <p:cNvPicPr>
+            <a:picLocks noChangeAspect="1"/>
+          </p:cNvPicPr>
+          <p:nvPr/>
+        </p:nvPicPr>
+        <p:blipFill>
+          <a:blip r:embed="rId2">
+            <a:extLst>
+              <a:ext uri="{28A0092B-C50C-407E-A947-70E740481C1C}">
+                <a14:useLocalDpi xmlns:a14="http://schemas.microsoft.com/office/drawing/2010/main" val="0"/>
+              </a:ext>
+            </a:extLst>
+          </a:blip>
+          <a:stretch>
+            <a:fillRect/>
+          </a:stretch>
+        </p:blipFill>
+        <p:spPr>
+          <a:xfrm>
+            <a:off x="528050" y="264791"/>
+            <a:ext cx="1590627" cy="1324948"/>
+          </a:xfrm>
+          <a:prstGeom prst="rect">
+            <a:avLst/>
+          </a:prstGeom>
+        </p:spPr>
+      </p:pic>
+      <p:sp>
+        <p:nvSpPr>
+          <p:cNvPr id="3" name="CasellaDiTesto 2">
+            <a:extLst>
+              <a:ext uri="{FF2B5EF4-FFF2-40B4-BE49-F238E27FC236}">
+                <a16:creationId xmlns:a16="http://schemas.microsoft.com/office/drawing/2014/main" id="{3B1DDAF8-ACFC-4239-B5AD-1406F146ECA8}"/>
               </a:ext>
             </a:extLst>
           </p:cNvPr>
@@ -4509,8 +5239,8 @@
         </p:nvSpPr>
         <p:spPr>
           <a:xfrm>
-            <a:off x="2829608" y="4732212"/>
-            <a:ext cx="3266392" cy="461665"/>
+            <a:off x="3831962" y="1128074"/>
+            <a:ext cx="4528075" cy="461665"/>
           </a:xfrm>
           <a:prstGeom prst="rect">
             <a:avLst/>
@@ -4525,61 +5255,11 @@
           <a:p>
             <a:pPr algn="ctr"/>
             <a:r>
-              <a:rPr lang="en-US" sz="2400" dirty="0">
+              <a:rPr lang="en-US" sz="2400" b="1" dirty="0">
                 <a:latin typeface="Cambria" panose="02040503050406030204" pitchFamily="18" charset="0"/>
                 <a:ea typeface="Cambria" panose="02040503050406030204" pitchFamily="18" charset="0"/>
               </a:rPr>
-              <a:t>Jacopo </a:t>
-            </a:r>
-            <a:r>
-              <a:rPr lang="en-US" sz="2400" dirty="0" err="1">
-                <a:latin typeface="Cambria" panose="02040503050406030204" pitchFamily="18" charset="0"/>
-                <a:ea typeface="Cambria" panose="02040503050406030204" pitchFamily="18" charset="0"/>
-              </a:rPr>
-              <a:t>Losi</a:t>
-            </a:r>
-            <a:endParaRPr lang="en-US" sz="2400" dirty="0">
-              <a:latin typeface="Cambria" panose="02040503050406030204" pitchFamily="18" charset="0"/>
-              <a:ea typeface="Cambria" panose="02040503050406030204" pitchFamily="18" charset="0"/>
-            </a:endParaRPr>
-          </a:p>
-        </p:txBody>
-      </p:sp>
-      <p:sp>
-        <p:nvSpPr>
-          <p:cNvPr id="11" name="CasellaDiTesto 10">
-            <a:extLst>
-              <a:ext uri="{FF2B5EF4-FFF2-40B4-BE49-F238E27FC236}">
-                <a16:creationId xmlns:a16="http://schemas.microsoft.com/office/drawing/2014/main" id="{FE7CC3E5-C0A6-41AA-8A5F-C99033E92B75}"/>
-              </a:ext>
-            </a:extLst>
-          </p:cNvPr>
-          <p:cNvSpPr txBox="1"/>
-          <p:nvPr/>
-        </p:nvSpPr>
-        <p:spPr>
-          <a:xfrm>
-            <a:off x="2484922" y="2873322"/>
-            <a:ext cx="7222156" cy="1077218"/>
-          </a:xfrm>
-          <a:prstGeom prst="rect">
-            <a:avLst/>
-          </a:prstGeom>
-          <a:noFill/>
-        </p:spPr>
-        <p:txBody>
-          <a:bodyPr wrap="square" rtlCol="0">
-            <a:spAutoFit/>
-          </a:bodyPr>
-          <a:lstStyle/>
-          <a:p>
-            <a:pPr algn="ctr"/>
-            <a:r>
-              <a:rPr lang="en-US" sz="3200" dirty="0">
-                <a:latin typeface="Cambria" panose="02040503050406030204" pitchFamily="18" charset="0"/>
-                <a:ea typeface="Cambria" panose="02040503050406030204" pitchFamily="18" charset="0"/>
-              </a:rPr>
-              <a:t>Bayesian analysis of a public health surveillance study in Shandong, China</a:t>
+              <a:t>PREDICTIVE CHECKING</a:t>
             </a:r>
           </a:p>
         </p:txBody>
@@ -4587,7 +5267,7 @@
     </p:spTree>
     <p:extLst>
       <p:ext uri="{BB962C8B-B14F-4D97-AF65-F5344CB8AC3E}">
-        <p14:creationId xmlns:p14="http://schemas.microsoft.com/office/powerpoint/2010/main" val="3796227760"/>
+        <p14:creationId xmlns:p14="http://schemas.microsoft.com/office/powerpoint/2010/main" val="2124831787"/>
       </p:ext>
     </p:extLst>
   </p:cSld>

--- a/last_presentation.pptx
+++ b/last_presentation.pptx
@@ -4635,7 +4635,7 @@
         <p:spPr>
           <a:xfrm>
             <a:off x="2397120" y="2090172"/>
-            <a:ext cx="7397759" cy="2677656"/>
+            <a:ext cx="7397759" cy="3046988"/>
           </a:xfrm>
           <a:prstGeom prst="rect">
             <a:avLst/>
@@ -4708,7 +4708,7 @@
                 <a:latin typeface="Cambria" panose="02040503050406030204" pitchFamily="18" charset="0"/>
                 <a:ea typeface="Cambria" panose="02040503050406030204" pitchFamily="18" charset="0"/>
               </a:rPr>
-              <a:t>Predictive checking</a:t>
+              <a:t>Model comparison</a:t>
             </a:r>
           </a:p>
           <a:p>
@@ -4721,7 +4721,20 @@
                 <a:latin typeface="Cambria" panose="02040503050406030204" pitchFamily="18" charset="0"/>
                 <a:ea typeface="Cambria" panose="02040503050406030204" pitchFamily="18" charset="0"/>
               </a:rPr>
-              <a:t>Model comparison</a:t>
+              <a:t>Sensitivity analysis</a:t>
+            </a:r>
+          </a:p>
+          <a:p>
+            <a:pPr marL="457200" indent="-457200" algn="just">
+              <a:buFont typeface="+mj-lt"/>
+              <a:buAutoNum type="arabicPeriod"/>
+            </a:pPr>
+            <a:r>
+              <a:rPr lang="en-US" sz="2400" dirty="0">
+                <a:latin typeface="Cambria" panose="02040503050406030204" pitchFamily="18" charset="0"/>
+                <a:ea typeface="Cambria" panose="02040503050406030204" pitchFamily="18" charset="0"/>
+              </a:rPr>
+              <a:t>Predictive checking</a:t>
             </a:r>
           </a:p>
           <a:p>

--- a/last_presentation.pptx
+++ b/last_presentation.pptx
@@ -10,13 +10,15 @@
     <p:sldId id="257" r:id="rId4"/>
     <p:sldId id="259" r:id="rId5"/>
     <p:sldId id="260" r:id="rId6"/>
-    <p:sldId id="262" r:id="rId7"/>
-    <p:sldId id="263" r:id="rId8"/>
-    <p:sldId id="264" r:id="rId9"/>
-    <p:sldId id="265" r:id="rId10"/>
-    <p:sldId id="266" r:id="rId11"/>
-    <p:sldId id="267" r:id="rId12"/>
-    <p:sldId id="261" r:id="rId13"/>
+    <p:sldId id="269" r:id="rId7"/>
+    <p:sldId id="262" r:id="rId8"/>
+    <p:sldId id="263" r:id="rId9"/>
+    <p:sldId id="264" r:id="rId10"/>
+    <p:sldId id="268" r:id="rId11"/>
+    <p:sldId id="266" r:id="rId12"/>
+    <p:sldId id="265" r:id="rId13"/>
+    <p:sldId id="267" r:id="rId14"/>
+    <p:sldId id="261" r:id="rId15"/>
   </p:sldIdLst>
   <p:sldSz cx="12192000" cy="6858000"/>
   <p:notesSz cx="6858000" cy="9144000"/>
@@ -123,6 +125,205 @@
 </p:presentation>
 </file>
 
+<file path=ppt/revisionInfo.xml><?xml version="1.0" encoding="utf-8"?>
+<p1510:revInfo xmlns:a="http://schemas.openxmlformats.org/drawingml/2006/main" xmlns:r="http://schemas.openxmlformats.org/officeDocument/2006/relationships" xmlns:p1510="http://schemas.microsoft.com/office/powerpoint/2015/10/main">
+  <p1510:revLst>
+    <p1510:client id="{15F3DA1A-5491-411D-9E87-5BEC2B26EC3A}" v="21" dt="2019-12-08T20:54:12.002"/>
+  </p1510:revLst>
+</p1510:revInfo>
+</file>
+
+<file path=ppt/changesInfos/changesInfo1.xml><?xml version="1.0" encoding="utf-8"?>
+<pc:chgInfo xmlns:a="http://schemas.openxmlformats.org/drawingml/2006/main" xmlns:r="http://schemas.openxmlformats.org/officeDocument/2006/relationships" xmlns:ac="http://schemas.microsoft.com/office/drawing/2013/main/command" xmlns:pc="http://schemas.microsoft.com/office/powerpoint/2013/main/command">
+  <pc:docChgLst>
+    <pc:chgData name="jacopo losi" userId="6975c7b5cccccadf" providerId="LiveId" clId="{15F3DA1A-5491-411D-9E87-5BEC2B26EC3A}"/>
+    <pc:docChg chg="custSel addSld modSld sldOrd">
+      <pc:chgData name="jacopo losi" userId="6975c7b5cccccadf" providerId="LiveId" clId="{15F3DA1A-5491-411D-9E87-5BEC2B26EC3A}" dt="2019-12-08T20:56:55.655" v="87" actId="1076"/>
+      <pc:docMkLst>
+        <pc:docMk/>
+      </pc:docMkLst>
+      <pc:sldChg chg="addSp modSp ord">
+        <pc:chgData name="jacopo losi" userId="6975c7b5cccccadf" providerId="LiveId" clId="{15F3DA1A-5491-411D-9E87-5BEC2B26EC3A}" dt="2019-12-08T20:54:06.012" v="76"/>
+        <pc:sldMkLst>
+          <pc:docMk/>
+          <pc:sldMk cId="342514364" sldId="262"/>
+        </pc:sldMkLst>
+        <pc:picChg chg="add mod">
+          <ac:chgData name="jacopo losi" userId="6975c7b5cccccadf" providerId="LiveId" clId="{15F3DA1A-5491-411D-9E87-5BEC2B26EC3A}" dt="2019-12-08T20:48:13.776" v="6" actId="1076"/>
+          <ac:picMkLst>
+            <pc:docMk/>
+            <pc:sldMk cId="342514364" sldId="262"/>
+            <ac:picMk id="4" creationId="{3B86EE41-290F-4D3F-9F89-E3C320BCAFF4}"/>
+          </ac:picMkLst>
+        </pc:picChg>
+      </pc:sldChg>
+      <pc:sldChg chg="addSp modSp">
+        <pc:chgData name="jacopo losi" userId="6975c7b5cccccadf" providerId="LiveId" clId="{15F3DA1A-5491-411D-9E87-5BEC2B26EC3A}" dt="2019-12-08T20:53:50.777" v="73" actId="1076"/>
+        <pc:sldMkLst>
+          <pc:docMk/>
+          <pc:sldMk cId="1078916507" sldId="264"/>
+        </pc:sldMkLst>
+        <pc:picChg chg="add mod">
+          <ac:chgData name="jacopo losi" userId="6975c7b5cccccadf" providerId="LiveId" clId="{15F3DA1A-5491-411D-9E87-5BEC2B26EC3A}" dt="2019-12-08T20:53:39.639" v="68" actId="1076"/>
+          <ac:picMkLst>
+            <pc:docMk/>
+            <pc:sldMk cId="1078916507" sldId="264"/>
+            <ac:picMk id="4" creationId="{7DE2A0B3-6FEA-4138-8D7B-FF36A49B7FD3}"/>
+          </ac:picMkLst>
+        </pc:picChg>
+        <pc:picChg chg="add mod">
+          <ac:chgData name="jacopo losi" userId="6975c7b5cccccadf" providerId="LiveId" clId="{15F3DA1A-5491-411D-9E87-5BEC2B26EC3A}" dt="2019-12-08T20:53:50.777" v="73" actId="1076"/>
+          <ac:picMkLst>
+            <pc:docMk/>
+            <pc:sldMk cId="1078916507" sldId="264"/>
+            <ac:picMk id="7" creationId="{2E77A3BB-31F6-494A-9A12-C477975B4371}"/>
+          </ac:picMkLst>
+        </pc:picChg>
+      </pc:sldChg>
+      <pc:sldChg chg="addSp modSp ord">
+        <pc:chgData name="jacopo losi" userId="6975c7b5cccccadf" providerId="LiveId" clId="{15F3DA1A-5491-411D-9E87-5BEC2B26EC3A}" dt="2019-12-08T20:56:55.655" v="87" actId="1076"/>
+        <pc:sldMkLst>
+          <pc:docMk/>
+          <pc:sldMk cId="2124831787" sldId="265"/>
+        </pc:sldMkLst>
+        <pc:picChg chg="add mod">
+          <ac:chgData name="jacopo losi" userId="6975c7b5cccccadf" providerId="LiveId" clId="{15F3DA1A-5491-411D-9E87-5BEC2B26EC3A}" dt="2019-12-08T20:56:55.655" v="87" actId="1076"/>
+          <ac:picMkLst>
+            <pc:docMk/>
+            <pc:sldMk cId="2124831787" sldId="265"/>
+            <ac:picMk id="4" creationId="{FF7B1480-B764-49D9-BDBC-45D1D90404F6}"/>
+          </ac:picMkLst>
+        </pc:picChg>
+      </pc:sldChg>
+      <pc:sldChg chg="addSp delSp modSp ord">
+        <pc:chgData name="jacopo losi" userId="6975c7b5cccccadf" providerId="LiveId" clId="{15F3DA1A-5491-411D-9E87-5BEC2B26EC3A}" dt="2019-12-08T20:52:37.618" v="50"/>
+        <pc:sldMkLst>
+          <pc:docMk/>
+          <pc:sldMk cId="2753424814" sldId="266"/>
+        </pc:sldMkLst>
+        <pc:picChg chg="add mod">
+          <ac:chgData name="jacopo losi" userId="6975c7b5cccccadf" providerId="LiveId" clId="{15F3DA1A-5491-411D-9E87-5BEC2B26EC3A}" dt="2019-12-08T20:52:33.384" v="49" actId="1076"/>
+          <ac:picMkLst>
+            <pc:docMk/>
+            <pc:sldMk cId="2753424814" sldId="266"/>
+            <ac:picMk id="4" creationId="{E81D248A-F2F3-4112-8F6F-16DE35270BCB}"/>
+          </ac:picMkLst>
+        </pc:picChg>
+        <pc:picChg chg="add del mod">
+          <ac:chgData name="jacopo losi" userId="6975c7b5cccccadf" providerId="LiveId" clId="{15F3DA1A-5491-411D-9E87-5BEC2B26EC3A}" dt="2019-12-08T20:52:18.088" v="43"/>
+          <ac:picMkLst>
+            <pc:docMk/>
+            <pc:sldMk cId="2753424814" sldId="266"/>
+            <ac:picMk id="7" creationId="{7965C50C-7A20-47E1-BD8A-87DCAB19459B}"/>
+          </ac:picMkLst>
+        </pc:picChg>
+        <pc:picChg chg="add mod">
+          <ac:chgData name="jacopo losi" userId="6975c7b5cccccadf" providerId="LiveId" clId="{15F3DA1A-5491-411D-9E87-5BEC2B26EC3A}" dt="2019-12-08T20:49:44.796" v="26"/>
+          <ac:picMkLst>
+            <pc:docMk/>
+            <pc:sldMk cId="2753424814" sldId="266"/>
+            <ac:picMk id="8" creationId="{1CAB52CC-16CA-4D52-8F26-BC0A23171961}"/>
+          </ac:picMkLst>
+        </pc:picChg>
+        <pc:picChg chg="add mod">
+          <ac:chgData name="jacopo losi" userId="6975c7b5cccccadf" providerId="LiveId" clId="{15F3DA1A-5491-411D-9E87-5BEC2B26EC3A}" dt="2019-12-08T20:52:29.338" v="48" actId="1076"/>
+          <ac:picMkLst>
+            <pc:docMk/>
+            <pc:sldMk cId="2753424814" sldId="266"/>
+            <ac:picMk id="9" creationId="{60A2F53C-04AB-4A35-9822-A22B9561A65D}"/>
+          </ac:picMkLst>
+        </pc:picChg>
+      </pc:sldChg>
+      <pc:sldChg chg="addSp modSp">
+        <pc:chgData name="jacopo losi" userId="6975c7b5cccccadf" providerId="LiveId" clId="{15F3DA1A-5491-411D-9E87-5BEC2B26EC3A}" dt="2019-12-08T20:56:51.771" v="86" actId="1076"/>
+        <pc:sldMkLst>
+          <pc:docMk/>
+          <pc:sldMk cId="1443627318" sldId="267"/>
+        </pc:sldMkLst>
+        <pc:picChg chg="add mod">
+          <ac:chgData name="jacopo losi" userId="6975c7b5cccccadf" providerId="LiveId" clId="{15F3DA1A-5491-411D-9E87-5BEC2B26EC3A}" dt="2019-12-08T20:56:51.771" v="86" actId="1076"/>
+          <ac:picMkLst>
+            <pc:docMk/>
+            <pc:sldMk cId="1443627318" sldId="267"/>
+            <ac:picMk id="4" creationId="{089B4EAF-C36F-41BE-84DE-836996508B89}"/>
+          </ac:picMkLst>
+        </pc:picChg>
+      </pc:sldChg>
+      <pc:sldChg chg="addSp delSp modSp add">
+        <pc:chgData name="jacopo losi" userId="6975c7b5cccccadf" providerId="LiveId" clId="{15F3DA1A-5491-411D-9E87-5BEC2B26EC3A}" dt="2019-12-08T20:52:45.174" v="52" actId="1076"/>
+        <pc:sldMkLst>
+          <pc:docMk/>
+          <pc:sldMk cId="69213707" sldId="268"/>
+        </pc:sldMkLst>
+        <pc:picChg chg="del">
+          <ac:chgData name="jacopo losi" userId="6975c7b5cccccadf" providerId="LiveId" clId="{15F3DA1A-5491-411D-9E87-5BEC2B26EC3A}" dt="2019-12-08T20:49:50.584" v="28" actId="478"/>
+          <ac:picMkLst>
+            <pc:docMk/>
+            <pc:sldMk cId="69213707" sldId="268"/>
+            <ac:picMk id="4" creationId="{E81D248A-F2F3-4112-8F6F-16DE35270BCB}"/>
+          </ac:picMkLst>
+        </pc:picChg>
+        <pc:picChg chg="add del mod">
+          <ac:chgData name="jacopo losi" userId="6975c7b5cccccadf" providerId="LiveId" clId="{15F3DA1A-5491-411D-9E87-5BEC2B26EC3A}" dt="2019-12-08T20:52:21.884" v="45"/>
+          <ac:picMkLst>
+            <pc:docMk/>
+            <pc:sldMk cId="69213707" sldId="268"/>
+            <ac:picMk id="6" creationId="{A9535703-4AB2-4D0A-B3E4-F0812364F661}"/>
+          </ac:picMkLst>
+        </pc:picChg>
+        <pc:picChg chg="del">
+          <ac:chgData name="jacopo losi" userId="6975c7b5cccccadf" providerId="LiveId" clId="{15F3DA1A-5491-411D-9E87-5BEC2B26EC3A}" dt="2019-12-08T20:49:51.252" v="29" actId="478"/>
+          <ac:picMkLst>
+            <pc:docMk/>
+            <pc:sldMk cId="69213707" sldId="268"/>
+            <ac:picMk id="7" creationId="{7965C50C-7A20-47E1-BD8A-87DCAB19459B}"/>
+          </ac:picMkLst>
+        </pc:picChg>
+        <pc:picChg chg="add mod">
+          <ac:chgData name="jacopo losi" userId="6975c7b5cccccadf" providerId="LiveId" clId="{15F3DA1A-5491-411D-9E87-5BEC2B26EC3A}" dt="2019-12-08T20:52:43.025" v="51" actId="1076"/>
+          <ac:picMkLst>
+            <pc:docMk/>
+            <pc:sldMk cId="69213707" sldId="268"/>
+            <ac:picMk id="9" creationId="{D6D81283-6B56-44C1-A68A-E46443B3B333}"/>
+          </ac:picMkLst>
+        </pc:picChg>
+        <pc:picChg chg="add mod">
+          <ac:chgData name="jacopo losi" userId="6975c7b5cccccadf" providerId="LiveId" clId="{15F3DA1A-5491-411D-9E87-5BEC2B26EC3A}" dt="2019-12-08T20:52:45.174" v="52" actId="1076"/>
+          <ac:picMkLst>
+            <pc:docMk/>
+            <pc:sldMk cId="69213707" sldId="268"/>
+            <ac:picMk id="10" creationId="{CAC6B8E5-51D0-4FE7-8792-A671DF7F6249}"/>
+          </ac:picMkLst>
+        </pc:picChg>
+      </pc:sldChg>
+      <pc:sldChg chg="addSp delSp modSp add">
+        <pc:chgData name="jacopo losi" userId="6975c7b5cccccadf" providerId="LiveId" clId="{15F3DA1A-5491-411D-9E87-5BEC2B26EC3A}" dt="2019-12-08T20:54:17.208" v="82" actId="1076"/>
+        <pc:sldMkLst>
+          <pc:docMk/>
+          <pc:sldMk cId="1526197859" sldId="269"/>
+        </pc:sldMkLst>
+        <pc:picChg chg="del">
+          <ac:chgData name="jacopo losi" userId="6975c7b5cccccadf" providerId="LiveId" clId="{15F3DA1A-5491-411D-9E87-5BEC2B26EC3A}" dt="2019-12-08T20:54:03.607" v="75" actId="478"/>
+          <ac:picMkLst>
+            <pc:docMk/>
+            <pc:sldMk cId="1526197859" sldId="269"/>
+            <ac:picMk id="4" creationId="{3B86EE41-290F-4D3F-9F89-E3C320BCAFF4}"/>
+          </ac:picMkLst>
+        </pc:picChg>
+        <pc:picChg chg="add mod">
+          <ac:chgData name="jacopo losi" userId="6975c7b5cccccadf" providerId="LiveId" clId="{15F3DA1A-5491-411D-9E87-5BEC2B26EC3A}" dt="2019-12-08T20:54:17.208" v="82" actId="1076"/>
+          <ac:picMkLst>
+            <pc:docMk/>
+            <pc:sldMk cId="1526197859" sldId="269"/>
+            <ac:picMk id="6" creationId="{978C0224-CB37-42A0-8149-565E7E1F0CF7}"/>
+          </ac:picMkLst>
+        </pc:picChg>
+      </pc:sldChg>
+    </pc:docChg>
+  </pc:docChgLst>
+</pc:chgInfo>
+</file>
+
 <file path=ppt/slideLayouts/slideLayout1.xml><?xml version="1.0" encoding="utf-8"?>
 <p:sldLayout xmlns:a="http://schemas.openxmlformats.org/drawingml/2006/main" xmlns:r="http://schemas.openxmlformats.org/officeDocument/2006/relationships" xmlns:p="http://schemas.openxmlformats.org/presentationml/2006/main" type="title" preserve="1">
   <p:cSld name="Diapositiva titolo">
@@ -326,7 +527,7 @@
           <a:p>
             <a:fld id="{31F6E9D3-5DDA-4CDC-B81D-876B6712FEA6}" type="slidenum">
               <a:rPr lang="en-US" smtClean="0"/>
-              <a:t>‹N›</a:t>
+              <a:t>‹#›</a:t>
             </a:fld>
             <a:endParaRPr lang="en-US"/>
           </a:p>
@@ -526,7 +727,7 @@
           <a:p>
             <a:fld id="{31F6E9D3-5DDA-4CDC-B81D-876B6712FEA6}" type="slidenum">
               <a:rPr lang="en-US" smtClean="0"/>
-              <a:t>‹N›</a:t>
+              <a:t>‹#›</a:t>
             </a:fld>
             <a:endParaRPr lang="en-US"/>
           </a:p>
@@ -736,7 +937,7 @@
           <a:p>
             <a:fld id="{31F6E9D3-5DDA-4CDC-B81D-876B6712FEA6}" type="slidenum">
               <a:rPr lang="en-US" smtClean="0"/>
-              <a:t>‹N›</a:t>
+              <a:t>‹#›</a:t>
             </a:fld>
             <a:endParaRPr lang="en-US"/>
           </a:p>
@@ -936,7 +1137,7 @@
           <a:p>
             <a:fld id="{31F6E9D3-5DDA-4CDC-B81D-876B6712FEA6}" type="slidenum">
               <a:rPr lang="en-US" smtClean="0"/>
-              <a:t>‹N›</a:t>
+              <a:t>‹#›</a:t>
             </a:fld>
             <a:endParaRPr lang="en-US"/>
           </a:p>
@@ -1212,7 +1413,7 @@
           <a:p>
             <a:fld id="{31F6E9D3-5DDA-4CDC-B81D-876B6712FEA6}" type="slidenum">
               <a:rPr lang="en-US" smtClean="0"/>
-              <a:t>‹N›</a:t>
+              <a:t>‹#›</a:t>
             </a:fld>
             <a:endParaRPr lang="en-US"/>
           </a:p>
@@ -1480,7 +1681,7 @@
           <a:p>
             <a:fld id="{31F6E9D3-5DDA-4CDC-B81D-876B6712FEA6}" type="slidenum">
               <a:rPr lang="en-US" smtClean="0"/>
-              <a:t>‹N›</a:t>
+              <a:t>‹#›</a:t>
             </a:fld>
             <a:endParaRPr lang="en-US"/>
           </a:p>
@@ -1895,7 +2096,7 @@
           <a:p>
             <a:fld id="{31F6E9D3-5DDA-4CDC-B81D-876B6712FEA6}" type="slidenum">
               <a:rPr lang="en-US" smtClean="0"/>
-              <a:t>‹N›</a:t>
+              <a:t>‹#›</a:t>
             </a:fld>
             <a:endParaRPr lang="en-US"/>
           </a:p>
@@ -2037,7 +2238,7 @@
           <a:p>
             <a:fld id="{31F6E9D3-5DDA-4CDC-B81D-876B6712FEA6}" type="slidenum">
               <a:rPr lang="en-US" smtClean="0"/>
-              <a:t>‹N›</a:t>
+              <a:t>‹#›</a:t>
             </a:fld>
             <a:endParaRPr lang="en-US"/>
           </a:p>
@@ -2150,7 +2351,7 @@
           <a:p>
             <a:fld id="{31F6E9D3-5DDA-4CDC-B81D-876B6712FEA6}" type="slidenum">
               <a:rPr lang="en-US" smtClean="0"/>
-              <a:t>‹N›</a:t>
+              <a:t>‹#›</a:t>
             </a:fld>
             <a:endParaRPr lang="en-US"/>
           </a:p>
@@ -2463,7 +2664,7 @@
           <a:p>
             <a:fld id="{31F6E9D3-5DDA-4CDC-B81D-876B6712FEA6}" type="slidenum">
               <a:rPr lang="en-US" smtClean="0"/>
-              <a:t>‹N›</a:t>
+              <a:t>‹#›</a:t>
             </a:fld>
             <a:endParaRPr lang="en-US"/>
           </a:p>
@@ -2752,7 +2953,7 @@
           <a:p>
             <a:fld id="{31F6E9D3-5DDA-4CDC-B81D-876B6712FEA6}" type="slidenum">
               <a:rPr lang="en-US" smtClean="0"/>
-              <a:t>‹N›</a:t>
+              <a:t>‹#›</a:t>
             </a:fld>
             <a:endParaRPr lang="en-US"/>
           </a:p>
@@ -3031,7 +3232,7 @@
           <a:p>
             <a:fld id="{31F6E9D3-5DDA-4CDC-B81D-876B6712FEA6}" type="slidenum">
               <a:rPr lang="en-US" smtClean="0"/>
-              <a:t>‹N›</a:t>
+              <a:t>‹#›</a:t>
             </a:fld>
             <a:endParaRPr lang="en-US"/>
           </a:p>
@@ -3711,10 +3912,82 @@
           </a:p>
         </p:txBody>
       </p:sp>
+      <p:pic>
+        <p:nvPicPr>
+          <p:cNvPr id="9" name="Picture 8" descr="A close up of a map&#10;&#10;Description automatically generated">
+            <a:extLst>
+              <a:ext uri="{FF2B5EF4-FFF2-40B4-BE49-F238E27FC236}">
+                <a16:creationId xmlns:a16="http://schemas.microsoft.com/office/drawing/2014/main" id="{D6D81283-6B56-44C1-A68A-E46443B3B333}"/>
+              </a:ext>
+            </a:extLst>
+          </p:cNvPr>
+          <p:cNvPicPr>
+            <a:picLocks noChangeAspect="1"/>
+          </p:cNvPicPr>
+          <p:nvPr/>
+        </p:nvPicPr>
+        <p:blipFill>
+          <a:blip r:embed="rId3">
+            <a:extLst>
+              <a:ext uri="{28A0092B-C50C-407E-A947-70E740481C1C}">
+                <a14:useLocalDpi xmlns:a14="http://schemas.microsoft.com/office/drawing/2010/main" val="0"/>
+              </a:ext>
+            </a:extLst>
+          </a:blip>
+          <a:stretch>
+            <a:fillRect/>
+          </a:stretch>
+        </p:blipFill>
+        <p:spPr>
+          <a:xfrm>
+            <a:off x="705080" y="2407506"/>
+            <a:ext cx="5262936" cy="3247983"/>
+          </a:xfrm>
+          <a:prstGeom prst="rect">
+            <a:avLst/>
+          </a:prstGeom>
+        </p:spPr>
+      </p:pic>
+      <p:pic>
+        <p:nvPicPr>
+          <p:cNvPr id="10" name="Picture 9" descr="A close up of a logo&#10;&#10;Description automatically generated">
+            <a:extLst>
+              <a:ext uri="{FF2B5EF4-FFF2-40B4-BE49-F238E27FC236}">
+                <a16:creationId xmlns:a16="http://schemas.microsoft.com/office/drawing/2014/main" id="{CAC6B8E5-51D0-4FE7-8792-A671DF7F6249}"/>
+              </a:ext>
+            </a:extLst>
+          </p:cNvPr>
+          <p:cNvPicPr>
+            <a:picLocks noChangeAspect="1"/>
+          </p:cNvPicPr>
+          <p:nvPr/>
+        </p:nvPicPr>
+        <p:blipFill>
+          <a:blip r:embed="rId4">
+            <a:extLst>
+              <a:ext uri="{28A0092B-C50C-407E-A947-70E740481C1C}">
+                <a14:useLocalDpi xmlns:a14="http://schemas.microsoft.com/office/drawing/2010/main" val="0"/>
+              </a:ext>
+            </a:extLst>
+          </a:blip>
+          <a:stretch>
+            <a:fillRect/>
+          </a:stretch>
+        </p:blipFill>
+        <p:spPr>
+          <a:xfrm>
+            <a:off x="6597108" y="2637777"/>
+            <a:ext cx="4889812" cy="3017712"/>
+          </a:xfrm>
+          <a:prstGeom prst="rect">
+            <a:avLst/>
+          </a:prstGeom>
+        </p:spPr>
+      </p:pic>
     </p:spTree>
     <p:extLst>
       <p:ext uri="{BB962C8B-B14F-4D97-AF65-F5344CB8AC3E}">
-        <p14:creationId xmlns:p14="http://schemas.microsoft.com/office/powerpoint/2010/main" val="2753424814"/>
+        <p14:creationId xmlns:p14="http://schemas.microsoft.com/office/powerpoint/2010/main" val="69213707"/>
       </p:ext>
     </p:extLst>
   </p:cSld>
@@ -3811,11 +4084,365 @@
                 <a:latin typeface="Cambria" panose="02040503050406030204" pitchFamily="18" charset="0"/>
                 <a:ea typeface="Cambria" panose="02040503050406030204" pitchFamily="18" charset="0"/>
               </a:rPr>
+              <a:t>MODEL COMPARISON</a:t>
+            </a:r>
+          </a:p>
+        </p:txBody>
+      </p:sp>
+      <p:pic>
+        <p:nvPicPr>
+          <p:cNvPr id="4" name="Picture 3" descr="A close up of a logo&#10;&#10;Description automatically generated">
+            <a:extLst>
+              <a:ext uri="{FF2B5EF4-FFF2-40B4-BE49-F238E27FC236}">
+                <a16:creationId xmlns:a16="http://schemas.microsoft.com/office/drawing/2014/main" id="{E81D248A-F2F3-4112-8F6F-16DE35270BCB}"/>
+              </a:ext>
+            </a:extLst>
+          </p:cNvPr>
+          <p:cNvPicPr>
+            <a:picLocks noChangeAspect="1"/>
+          </p:cNvPicPr>
+          <p:nvPr/>
+        </p:nvPicPr>
+        <p:blipFill>
+          <a:blip r:embed="rId3">
+            <a:extLst>
+              <a:ext uri="{28A0092B-C50C-407E-A947-70E740481C1C}">
+                <a14:useLocalDpi xmlns:a14="http://schemas.microsoft.com/office/drawing/2010/main" val="0"/>
+              </a:ext>
+            </a:extLst>
+          </a:blip>
+          <a:stretch>
+            <a:fillRect/>
+          </a:stretch>
+        </p:blipFill>
+        <p:spPr>
+          <a:xfrm>
+            <a:off x="6422713" y="2624304"/>
+            <a:ext cx="4889810" cy="3017711"/>
+          </a:xfrm>
+          <a:prstGeom prst="rect">
+            <a:avLst/>
+          </a:prstGeom>
+        </p:spPr>
+      </p:pic>
+      <p:pic>
+        <p:nvPicPr>
+          <p:cNvPr id="9" name="Picture 8" descr="A close up of a map&#10;&#10;Description automatically generated">
+            <a:extLst>
+              <a:ext uri="{FF2B5EF4-FFF2-40B4-BE49-F238E27FC236}">
+                <a16:creationId xmlns:a16="http://schemas.microsoft.com/office/drawing/2014/main" id="{60A2F53C-04AB-4A35-9822-A22B9561A65D}"/>
+              </a:ext>
+            </a:extLst>
+          </p:cNvPr>
+          <p:cNvPicPr>
+            <a:picLocks noChangeAspect="1"/>
+          </p:cNvPicPr>
+          <p:nvPr/>
+        </p:nvPicPr>
+        <p:blipFill>
+          <a:blip r:embed="rId4">
+            <a:extLst>
+              <a:ext uri="{28A0092B-C50C-407E-A947-70E740481C1C}">
+                <a14:useLocalDpi xmlns:a14="http://schemas.microsoft.com/office/drawing/2010/main" val="0"/>
+              </a:ext>
+            </a:extLst>
+          </a:blip>
+          <a:stretch>
+            <a:fillRect/>
+          </a:stretch>
+        </p:blipFill>
+        <p:spPr>
+          <a:xfrm>
+            <a:off x="778842" y="2562197"/>
+            <a:ext cx="4990447" cy="3079818"/>
+          </a:xfrm>
+          <a:prstGeom prst="rect">
+            <a:avLst/>
+          </a:prstGeom>
+        </p:spPr>
+      </p:pic>
+    </p:spTree>
+    <p:extLst>
+      <p:ext uri="{BB962C8B-B14F-4D97-AF65-F5344CB8AC3E}">
+        <p14:creationId xmlns:p14="http://schemas.microsoft.com/office/powerpoint/2010/main" val="2753424814"/>
+      </p:ext>
+    </p:extLst>
+  </p:cSld>
+  <p:clrMapOvr>
+    <a:masterClrMapping/>
+  </p:clrMapOvr>
+</p:sld>
+</file>
+
+<file path=ppt/slides/slide12.xml><?xml version="1.0" encoding="utf-8"?>
+<p:sld xmlns:a="http://schemas.openxmlformats.org/drawingml/2006/main" xmlns:r="http://schemas.openxmlformats.org/officeDocument/2006/relationships" xmlns:p="http://schemas.openxmlformats.org/presentationml/2006/main">
+  <p:cSld>
+    <p:spTree>
+      <p:nvGrpSpPr>
+        <p:cNvPr id="1" name=""/>
+        <p:cNvGrpSpPr/>
+        <p:nvPr/>
+      </p:nvGrpSpPr>
+      <p:grpSpPr>
+        <a:xfrm>
+          <a:off x="0" y="0"/>
+          <a:ext cx="0" cy="0"/>
+          <a:chOff x="0" y="0"/>
+          <a:chExt cx="0" cy="0"/>
+        </a:xfrm>
+      </p:grpSpPr>
+      <p:pic>
+        <p:nvPicPr>
+          <p:cNvPr id="5" name="Immagine 4">
+            <a:extLst>
+              <a:ext uri="{FF2B5EF4-FFF2-40B4-BE49-F238E27FC236}">
+                <a16:creationId xmlns:a16="http://schemas.microsoft.com/office/drawing/2014/main" id="{B0EB21B6-43BB-4F54-9B14-6DDB303556FF}"/>
+              </a:ext>
+            </a:extLst>
+          </p:cNvPr>
+          <p:cNvPicPr>
+            <a:picLocks noChangeAspect="1"/>
+          </p:cNvPicPr>
+          <p:nvPr/>
+        </p:nvPicPr>
+        <p:blipFill>
+          <a:blip r:embed="rId2">
+            <a:extLst>
+              <a:ext uri="{28A0092B-C50C-407E-A947-70E740481C1C}">
+                <a14:useLocalDpi xmlns:a14="http://schemas.microsoft.com/office/drawing/2010/main" val="0"/>
+              </a:ext>
+            </a:extLst>
+          </a:blip>
+          <a:stretch>
+            <a:fillRect/>
+          </a:stretch>
+        </p:blipFill>
+        <p:spPr>
+          <a:xfrm>
+            <a:off x="528050" y="264791"/>
+            <a:ext cx="1590627" cy="1324948"/>
+          </a:xfrm>
+          <a:prstGeom prst="rect">
+            <a:avLst/>
+          </a:prstGeom>
+        </p:spPr>
+      </p:pic>
+      <p:sp>
+        <p:nvSpPr>
+          <p:cNvPr id="3" name="CasellaDiTesto 2">
+            <a:extLst>
+              <a:ext uri="{FF2B5EF4-FFF2-40B4-BE49-F238E27FC236}">
+                <a16:creationId xmlns:a16="http://schemas.microsoft.com/office/drawing/2014/main" id="{3B1DDAF8-ACFC-4239-B5AD-1406F146ECA8}"/>
+              </a:ext>
+            </a:extLst>
+          </p:cNvPr>
+          <p:cNvSpPr txBox="1"/>
+          <p:nvPr/>
+        </p:nvSpPr>
+        <p:spPr>
+          <a:xfrm>
+            <a:off x="3831962" y="1128074"/>
+            <a:ext cx="4528075" cy="461665"/>
+          </a:xfrm>
+          <a:prstGeom prst="rect">
+            <a:avLst/>
+          </a:prstGeom>
+          <a:noFill/>
+        </p:spPr>
+        <p:txBody>
+          <a:bodyPr wrap="square" rtlCol="0">
+            <a:spAutoFit/>
+          </a:bodyPr>
+          <a:lstStyle/>
+          <a:p>
+            <a:pPr algn="ctr"/>
+            <a:r>
+              <a:rPr lang="en-US" sz="2400" b="1" dirty="0">
+                <a:latin typeface="Cambria" panose="02040503050406030204" pitchFamily="18" charset="0"/>
+                <a:ea typeface="Cambria" panose="02040503050406030204" pitchFamily="18" charset="0"/>
+              </a:rPr>
+              <a:t>PREDICTIVE CHECKING</a:t>
+            </a:r>
+          </a:p>
+        </p:txBody>
+      </p:sp>
+      <p:pic>
+        <p:nvPicPr>
+          <p:cNvPr id="4" name="Picture 3" descr="A close up of a computer&#10;&#10;Description automatically generated">
+            <a:extLst>
+              <a:ext uri="{FF2B5EF4-FFF2-40B4-BE49-F238E27FC236}">
+                <a16:creationId xmlns:a16="http://schemas.microsoft.com/office/drawing/2014/main" id="{FF7B1480-B764-49D9-BDBC-45D1D90404F6}"/>
+              </a:ext>
+            </a:extLst>
+          </p:cNvPr>
+          <p:cNvPicPr>
+            <a:picLocks noChangeAspect="1"/>
+          </p:cNvPicPr>
+          <p:nvPr/>
+        </p:nvPicPr>
+        <p:blipFill>
+          <a:blip r:embed="rId3">
+            <a:extLst>
+              <a:ext uri="{28A0092B-C50C-407E-A947-70E740481C1C}">
+                <a14:useLocalDpi xmlns:a14="http://schemas.microsoft.com/office/drawing/2010/main" val="0"/>
+              </a:ext>
+            </a:extLst>
+          </a:blip>
+          <a:stretch>
+            <a:fillRect/>
+          </a:stretch>
+        </p:blipFill>
+        <p:spPr>
+          <a:xfrm>
+            <a:off x="2631623" y="2060721"/>
+            <a:ext cx="6928752" cy="4276029"/>
+          </a:xfrm>
+          <a:prstGeom prst="rect">
+            <a:avLst/>
+          </a:prstGeom>
+        </p:spPr>
+      </p:pic>
+    </p:spTree>
+    <p:extLst>
+      <p:ext uri="{BB962C8B-B14F-4D97-AF65-F5344CB8AC3E}">
+        <p14:creationId xmlns:p14="http://schemas.microsoft.com/office/powerpoint/2010/main" val="2124831787"/>
+      </p:ext>
+    </p:extLst>
+  </p:cSld>
+  <p:clrMapOvr>
+    <a:masterClrMapping/>
+  </p:clrMapOvr>
+</p:sld>
+</file>
+
+<file path=ppt/slides/slide13.xml><?xml version="1.0" encoding="utf-8"?>
+<p:sld xmlns:a="http://schemas.openxmlformats.org/drawingml/2006/main" xmlns:r="http://schemas.openxmlformats.org/officeDocument/2006/relationships" xmlns:p="http://schemas.openxmlformats.org/presentationml/2006/main">
+  <p:cSld>
+    <p:spTree>
+      <p:nvGrpSpPr>
+        <p:cNvPr id="1" name=""/>
+        <p:cNvGrpSpPr/>
+        <p:nvPr/>
+      </p:nvGrpSpPr>
+      <p:grpSpPr>
+        <a:xfrm>
+          <a:off x="0" y="0"/>
+          <a:ext cx="0" cy="0"/>
+          <a:chOff x="0" y="0"/>
+          <a:chExt cx="0" cy="0"/>
+        </a:xfrm>
+      </p:grpSpPr>
+      <p:pic>
+        <p:nvPicPr>
+          <p:cNvPr id="5" name="Immagine 4">
+            <a:extLst>
+              <a:ext uri="{FF2B5EF4-FFF2-40B4-BE49-F238E27FC236}">
+                <a16:creationId xmlns:a16="http://schemas.microsoft.com/office/drawing/2014/main" id="{B0EB21B6-43BB-4F54-9B14-6DDB303556FF}"/>
+              </a:ext>
+            </a:extLst>
+          </p:cNvPr>
+          <p:cNvPicPr>
+            <a:picLocks noChangeAspect="1"/>
+          </p:cNvPicPr>
+          <p:nvPr/>
+        </p:nvPicPr>
+        <p:blipFill>
+          <a:blip r:embed="rId2">
+            <a:extLst>
+              <a:ext uri="{28A0092B-C50C-407E-A947-70E740481C1C}">
+                <a14:useLocalDpi xmlns:a14="http://schemas.microsoft.com/office/drawing/2010/main" val="0"/>
+              </a:ext>
+            </a:extLst>
+          </a:blip>
+          <a:stretch>
+            <a:fillRect/>
+          </a:stretch>
+        </p:blipFill>
+        <p:spPr>
+          <a:xfrm>
+            <a:off x="528050" y="264791"/>
+            <a:ext cx="1590627" cy="1324948"/>
+          </a:xfrm>
+          <a:prstGeom prst="rect">
+            <a:avLst/>
+          </a:prstGeom>
+        </p:spPr>
+      </p:pic>
+      <p:sp>
+        <p:nvSpPr>
+          <p:cNvPr id="3" name="CasellaDiTesto 2">
+            <a:extLst>
+              <a:ext uri="{FF2B5EF4-FFF2-40B4-BE49-F238E27FC236}">
+                <a16:creationId xmlns:a16="http://schemas.microsoft.com/office/drawing/2014/main" id="{3B1DDAF8-ACFC-4239-B5AD-1406F146ECA8}"/>
+              </a:ext>
+            </a:extLst>
+          </p:cNvPr>
+          <p:cNvSpPr txBox="1"/>
+          <p:nvPr/>
+        </p:nvSpPr>
+        <p:spPr>
+          <a:xfrm>
+            <a:off x="3831962" y="1128074"/>
+            <a:ext cx="4528075" cy="461665"/>
+          </a:xfrm>
+          <a:prstGeom prst="rect">
+            <a:avLst/>
+          </a:prstGeom>
+          <a:noFill/>
+        </p:spPr>
+        <p:txBody>
+          <a:bodyPr wrap="square" rtlCol="0">
+            <a:spAutoFit/>
+          </a:bodyPr>
+          <a:lstStyle/>
+          <a:p>
+            <a:pPr algn="ctr"/>
+            <a:r>
+              <a:rPr lang="en-US" sz="2400" b="1" dirty="0">
+                <a:latin typeface="Cambria" panose="02040503050406030204" pitchFamily="18" charset="0"/>
+                <a:ea typeface="Cambria" panose="02040503050406030204" pitchFamily="18" charset="0"/>
+              </a:rPr>
               <a:t>AGE PREDICTION</a:t>
             </a:r>
           </a:p>
         </p:txBody>
       </p:sp>
+      <p:pic>
+        <p:nvPicPr>
+          <p:cNvPr id="4" name="Picture 3">
+            <a:extLst>
+              <a:ext uri="{FF2B5EF4-FFF2-40B4-BE49-F238E27FC236}">
+                <a16:creationId xmlns:a16="http://schemas.microsoft.com/office/drawing/2014/main" id="{089B4EAF-C36F-41BE-84DE-836996508B89}"/>
+              </a:ext>
+            </a:extLst>
+          </p:cNvPr>
+          <p:cNvPicPr>
+            <a:picLocks noChangeAspect="1"/>
+          </p:cNvPicPr>
+          <p:nvPr/>
+        </p:nvPicPr>
+        <p:blipFill>
+          <a:blip r:embed="rId3">
+            <a:extLst>
+              <a:ext uri="{28A0092B-C50C-407E-A947-70E740481C1C}">
+                <a14:useLocalDpi xmlns:a14="http://schemas.microsoft.com/office/drawing/2010/main" val="0"/>
+              </a:ext>
+            </a:extLst>
+          </a:blip>
+          <a:stretch>
+            <a:fillRect/>
+          </a:stretch>
+        </p:blipFill>
+        <p:spPr>
+          <a:xfrm>
+            <a:off x="2223681" y="1732379"/>
+            <a:ext cx="7744636" cy="4779546"/>
+          </a:xfrm>
+          <a:prstGeom prst="rect">
+            <a:avLst/>
+          </a:prstGeom>
+        </p:spPr>
+      </p:pic>
     </p:spTree>
     <p:extLst>
       <p:ext uri="{BB962C8B-B14F-4D97-AF65-F5344CB8AC3E}">
@@ -3829,7 +4456,7 @@
 </p:sld>
 </file>
 
-<file path=ppt/slides/slide12.xml><?xml version="1.0" encoding="utf-8"?>
+<file path=ppt/slides/slide14.xml><?xml version="1.0" encoding="utf-8"?>
 <p:sld xmlns:a="http://schemas.openxmlformats.org/drawingml/2006/main" xmlns:r="http://schemas.openxmlformats.org/officeDocument/2006/relationships" xmlns:p="http://schemas.openxmlformats.org/presentationml/2006/main">
   <p:cSld>
     <p:spTree>
@@ -4962,10 +5589,46 @@
           </a:p>
         </p:txBody>
       </p:sp>
+      <p:pic>
+        <p:nvPicPr>
+          <p:cNvPr id="6" name="Picture 5" descr="A screenshot of a cell phone&#10;&#10;Description automatically generated">
+            <a:extLst>
+              <a:ext uri="{FF2B5EF4-FFF2-40B4-BE49-F238E27FC236}">
+                <a16:creationId xmlns:a16="http://schemas.microsoft.com/office/drawing/2014/main" id="{978C0224-CB37-42A0-8149-565E7E1F0CF7}"/>
+              </a:ext>
+            </a:extLst>
+          </p:cNvPr>
+          <p:cNvPicPr>
+            <a:picLocks noChangeAspect="1"/>
+          </p:cNvPicPr>
+          <p:nvPr/>
+        </p:nvPicPr>
+        <p:blipFill>
+          <a:blip r:embed="rId3">
+            <a:extLst>
+              <a:ext uri="{28A0092B-C50C-407E-A947-70E740481C1C}">
+                <a14:useLocalDpi xmlns:a14="http://schemas.microsoft.com/office/drawing/2010/main" val="0"/>
+              </a:ext>
+            </a:extLst>
+          </a:blip>
+          <a:stretch>
+            <a:fillRect/>
+          </a:stretch>
+        </p:blipFill>
+        <p:spPr>
+          <a:xfrm>
+            <a:off x="2440230" y="1796461"/>
+            <a:ext cx="7311537" cy="4512262"/>
+          </a:xfrm>
+          <a:prstGeom prst="rect">
+            <a:avLst/>
+          </a:prstGeom>
+        </p:spPr>
+      </p:pic>
     </p:spTree>
     <p:extLst>
       <p:ext uri="{BB962C8B-B14F-4D97-AF65-F5344CB8AC3E}">
-        <p14:creationId xmlns:p14="http://schemas.microsoft.com/office/powerpoint/2010/main" val="342514364"/>
+        <p14:creationId xmlns:p14="http://schemas.microsoft.com/office/powerpoint/2010/main" val="1526197859"/>
       </p:ext>
     </p:extLst>
   </p:cSld>
@@ -5043,7 +5706,7 @@
         <p:spPr>
           <a:xfrm>
             <a:off x="3831962" y="1128074"/>
-            <a:ext cx="4528075" cy="830997"/>
+            <a:ext cx="4528075" cy="461665"/>
           </a:xfrm>
           <a:prstGeom prst="rect">
             <a:avLst/>
@@ -5062,15 +5725,51 @@
                 <a:latin typeface="Cambria" panose="02040503050406030204" pitchFamily="18" charset="0"/>
                 <a:ea typeface="Cambria" panose="02040503050406030204" pitchFamily="18" charset="0"/>
               </a:rPr>
-              <a:t>FULL and REDUCED LOGISTIC REGRESSION MODELS</a:t>
-            </a:r>
-          </a:p>
-        </p:txBody>
-      </p:sp>
+              <a:t>PARAMETER SELECTION</a:t>
+            </a:r>
+          </a:p>
+        </p:txBody>
+      </p:sp>
+      <p:pic>
+        <p:nvPicPr>
+          <p:cNvPr id="4" name="Picture 3" descr="A close up of a map&#10;&#10;Description automatically generated">
+            <a:extLst>
+              <a:ext uri="{FF2B5EF4-FFF2-40B4-BE49-F238E27FC236}">
+                <a16:creationId xmlns:a16="http://schemas.microsoft.com/office/drawing/2014/main" id="{3B86EE41-290F-4D3F-9F89-E3C320BCAFF4}"/>
+              </a:ext>
+            </a:extLst>
+          </p:cNvPr>
+          <p:cNvPicPr>
+            <a:picLocks noChangeAspect="1"/>
+          </p:cNvPicPr>
+          <p:nvPr/>
+        </p:nvPicPr>
+        <p:blipFill>
+          <a:blip r:embed="rId3">
+            <a:extLst>
+              <a:ext uri="{28A0092B-C50C-407E-A947-70E740481C1C}">
+                <a14:useLocalDpi xmlns:a14="http://schemas.microsoft.com/office/drawing/2010/main" val="0"/>
+              </a:ext>
+            </a:extLst>
+          </a:blip>
+          <a:stretch>
+            <a:fillRect/>
+          </a:stretch>
+        </p:blipFill>
+        <p:spPr>
+          <a:xfrm>
+            <a:off x="2526519" y="1793402"/>
+            <a:ext cx="7138959" cy="4405757"/>
+          </a:xfrm>
+          <a:prstGeom prst="rect">
+            <a:avLst/>
+          </a:prstGeom>
+        </p:spPr>
+      </p:pic>
     </p:spTree>
     <p:extLst>
       <p:ext uri="{BB962C8B-B14F-4D97-AF65-F5344CB8AC3E}">
-        <p14:creationId xmlns:p14="http://schemas.microsoft.com/office/powerpoint/2010/main" val="126330173"/>
+        <p14:creationId xmlns:p14="http://schemas.microsoft.com/office/powerpoint/2010/main" val="342514364"/>
       </p:ext>
     </p:extLst>
   </p:cSld>
@@ -5167,7 +5866,7 @@
                 <a:latin typeface="Cambria" panose="02040503050406030204" pitchFamily="18" charset="0"/>
                 <a:ea typeface="Cambria" panose="02040503050406030204" pitchFamily="18" charset="0"/>
               </a:rPr>
-              <a:t>CONVERGENCE and EFFICIENCY ANALYSIS</a:t>
+              <a:t>FULL and REDUCED LOGISTIC REGRESSION MODELS</a:t>
             </a:r>
           </a:p>
         </p:txBody>
@@ -5175,7 +5874,7 @@
     </p:spTree>
     <p:extLst>
       <p:ext uri="{BB962C8B-B14F-4D97-AF65-F5344CB8AC3E}">
-        <p14:creationId xmlns:p14="http://schemas.microsoft.com/office/powerpoint/2010/main" val="1078916507"/>
+        <p14:creationId xmlns:p14="http://schemas.microsoft.com/office/powerpoint/2010/main" val="126330173"/>
       </p:ext>
     </p:extLst>
   </p:cSld>
@@ -5253,7 +5952,7 @@
         <p:spPr>
           <a:xfrm>
             <a:off x="3831962" y="1128074"/>
-            <a:ext cx="4528075" cy="461665"/>
+            <a:ext cx="4528075" cy="830997"/>
           </a:xfrm>
           <a:prstGeom prst="rect">
             <a:avLst/>
@@ -5272,15 +5971,87 @@
                 <a:latin typeface="Cambria" panose="02040503050406030204" pitchFamily="18" charset="0"/>
                 <a:ea typeface="Cambria" panose="02040503050406030204" pitchFamily="18" charset="0"/>
               </a:rPr>
-              <a:t>PREDICTIVE CHECKING</a:t>
-            </a:r>
-          </a:p>
-        </p:txBody>
-      </p:sp>
+              <a:t>CONVERGENCE and EFFICIENCY ANALYSIS</a:t>
+            </a:r>
+          </a:p>
+        </p:txBody>
+      </p:sp>
+      <p:pic>
+        <p:nvPicPr>
+          <p:cNvPr id="4" name="Picture 3">
+            <a:extLst>
+              <a:ext uri="{FF2B5EF4-FFF2-40B4-BE49-F238E27FC236}">
+                <a16:creationId xmlns:a16="http://schemas.microsoft.com/office/drawing/2014/main" id="{7DE2A0B3-6FEA-4138-8D7B-FF36A49B7FD3}"/>
+              </a:ext>
+            </a:extLst>
+          </p:cNvPr>
+          <p:cNvPicPr>
+            <a:picLocks noChangeAspect="1"/>
+          </p:cNvPicPr>
+          <p:nvPr/>
+        </p:nvPicPr>
+        <p:blipFill>
+          <a:blip r:embed="rId3">
+            <a:extLst>
+              <a:ext uri="{28A0092B-C50C-407E-A947-70E740481C1C}">
+                <a14:useLocalDpi xmlns:a14="http://schemas.microsoft.com/office/drawing/2010/main" val="0"/>
+              </a:ext>
+            </a:extLst>
+          </a:blip>
+          <a:stretch>
+            <a:fillRect/>
+          </a:stretch>
+        </p:blipFill>
+        <p:spPr>
+          <a:xfrm>
+            <a:off x="6087751" y="2369595"/>
+            <a:ext cx="5882232" cy="3630177"/>
+          </a:xfrm>
+          <a:prstGeom prst="rect">
+            <a:avLst/>
+          </a:prstGeom>
+        </p:spPr>
+      </p:pic>
+      <p:pic>
+        <p:nvPicPr>
+          <p:cNvPr id="7" name="Picture 6" descr="A screenshot of a cell phone&#10;&#10;Description automatically generated">
+            <a:extLst>
+              <a:ext uri="{FF2B5EF4-FFF2-40B4-BE49-F238E27FC236}">
+                <a16:creationId xmlns:a16="http://schemas.microsoft.com/office/drawing/2014/main" id="{2E77A3BB-31F6-494A-9A12-C477975B4371}"/>
+              </a:ext>
+            </a:extLst>
+          </p:cNvPr>
+          <p:cNvPicPr>
+            <a:picLocks noChangeAspect="1"/>
+          </p:cNvPicPr>
+          <p:nvPr/>
+        </p:nvPicPr>
+        <p:blipFill>
+          <a:blip r:embed="rId4">
+            <a:extLst>
+              <a:ext uri="{28A0092B-C50C-407E-A947-70E740481C1C}">
+                <a14:useLocalDpi xmlns:a14="http://schemas.microsoft.com/office/drawing/2010/main" val="0"/>
+              </a:ext>
+            </a:extLst>
+          </a:blip>
+          <a:stretch>
+            <a:fillRect/>
+          </a:stretch>
+        </p:blipFill>
+        <p:spPr>
+          <a:xfrm>
+            <a:off x="222017" y="2369595"/>
+            <a:ext cx="5444982" cy="3360331"/>
+          </a:xfrm>
+          <a:prstGeom prst="rect">
+            <a:avLst/>
+          </a:prstGeom>
+        </p:spPr>
+      </p:pic>
     </p:spTree>
     <p:extLst>
       <p:ext uri="{BB962C8B-B14F-4D97-AF65-F5344CB8AC3E}">
-        <p14:creationId xmlns:p14="http://schemas.microsoft.com/office/powerpoint/2010/main" val="2124831787"/>
+        <p14:creationId xmlns:p14="http://schemas.microsoft.com/office/powerpoint/2010/main" val="1078916507"/>
       </p:ext>
     </p:extLst>
   </p:cSld>

--- a/last_presentation.pptx
+++ b/last_presentation.pptx
@@ -13,12 +13,14 @@
     <p:sldId id="269" r:id="rId7"/>
     <p:sldId id="262" r:id="rId8"/>
     <p:sldId id="263" r:id="rId9"/>
-    <p:sldId id="264" r:id="rId10"/>
-    <p:sldId id="268" r:id="rId11"/>
-    <p:sldId id="266" r:id="rId12"/>
-    <p:sldId id="265" r:id="rId13"/>
-    <p:sldId id="267" r:id="rId14"/>
-    <p:sldId id="261" r:id="rId15"/>
+    <p:sldId id="270" r:id="rId10"/>
+    <p:sldId id="271" r:id="rId11"/>
+    <p:sldId id="268" r:id="rId12"/>
+    <p:sldId id="266" r:id="rId13"/>
+    <p:sldId id="264" r:id="rId14"/>
+    <p:sldId id="265" r:id="rId15"/>
+    <p:sldId id="267" r:id="rId16"/>
+    <p:sldId id="261" r:id="rId17"/>
   </p:sldIdLst>
   <p:sldSz cx="12192000" cy="6858000"/>
   <p:notesSz cx="6858000" cy="9144000"/>
@@ -128,7 +130,7 @@
 <file path=ppt/revisionInfo.xml><?xml version="1.0" encoding="utf-8"?>
 <p1510:revInfo xmlns:a="http://schemas.openxmlformats.org/drawingml/2006/main" xmlns:r="http://schemas.openxmlformats.org/officeDocument/2006/relationships" xmlns:p1510="http://schemas.microsoft.com/office/powerpoint/2015/10/main">
   <p1510:revLst>
-    <p1510:client id="{15F3DA1A-5491-411D-9E87-5BEC2B26EC3A}" v="21" dt="2019-12-08T20:54:12.002"/>
+    <p1510:client id="{15F3DA1A-5491-411D-9E87-5BEC2B26EC3A}" v="34" dt="2019-12-08T22:19:56.622"/>
   </p1510:revLst>
 </p1510:revInfo>
 </file>
@@ -137,19 +139,50 @@
 <pc:chgInfo xmlns:a="http://schemas.openxmlformats.org/drawingml/2006/main" xmlns:r="http://schemas.openxmlformats.org/officeDocument/2006/relationships" xmlns:ac="http://schemas.microsoft.com/office/drawing/2013/main/command" xmlns:pc="http://schemas.microsoft.com/office/powerpoint/2013/main/command">
   <pc:docChgLst>
     <pc:chgData name="jacopo losi" userId="6975c7b5cccccadf" providerId="LiveId" clId="{15F3DA1A-5491-411D-9E87-5BEC2B26EC3A}"/>
-    <pc:docChg chg="custSel addSld modSld sldOrd">
-      <pc:chgData name="jacopo losi" userId="6975c7b5cccccadf" providerId="LiveId" clId="{15F3DA1A-5491-411D-9E87-5BEC2B26EC3A}" dt="2019-12-08T20:56:55.655" v="87" actId="1076"/>
+    <pc:docChg chg="undo custSel addSld modSld sldOrd">
+      <pc:chgData name="jacopo losi" userId="6975c7b5cccccadf" providerId="LiveId" clId="{15F3DA1A-5491-411D-9E87-5BEC2B26EC3A}" dt="2019-12-08T22:32:23.671" v="252" actId="1036"/>
       <pc:docMkLst>
         <pc:docMk/>
       </pc:docMkLst>
+      <pc:sldChg chg="addSp delSp modSp">
+        <pc:chgData name="jacopo losi" userId="6975c7b5cccccadf" providerId="LiveId" clId="{15F3DA1A-5491-411D-9E87-5BEC2B26EC3A}" dt="2019-12-08T22:31:53.620" v="251" actId="1076"/>
+        <pc:sldMkLst>
+          <pc:docMk/>
+          <pc:sldMk cId="2731551174" sldId="260"/>
+        </pc:sldMkLst>
+        <pc:picChg chg="add del mod">
+          <ac:chgData name="jacopo losi" userId="6975c7b5cccccadf" providerId="LiveId" clId="{15F3DA1A-5491-411D-9E87-5BEC2B26EC3A}" dt="2019-12-08T22:19:20.363" v="231" actId="478"/>
+          <ac:picMkLst>
+            <pc:docMk/>
+            <pc:sldMk cId="2731551174" sldId="260"/>
+            <ac:picMk id="4" creationId="{2AC7F5CB-9211-4888-A446-7F5897DCFB7D}"/>
+          </ac:picMkLst>
+        </pc:picChg>
+        <pc:picChg chg="add mod">
+          <ac:chgData name="jacopo losi" userId="6975c7b5cccccadf" providerId="LiveId" clId="{15F3DA1A-5491-411D-9E87-5BEC2B26EC3A}" dt="2019-12-08T22:31:25.146" v="245" actId="1076"/>
+          <ac:picMkLst>
+            <pc:docMk/>
+            <pc:sldMk cId="2731551174" sldId="260"/>
+            <ac:picMk id="7" creationId="{E3705E43-5808-44DC-9EA6-F64F498C2094}"/>
+          </ac:picMkLst>
+        </pc:picChg>
+        <pc:picChg chg="add mod">
+          <ac:chgData name="jacopo losi" userId="6975c7b5cccccadf" providerId="LiveId" clId="{15F3DA1A-5491-411D-9E87-5BEC2B26EC3A}" dt="2019-12-08T22:31:53.620" v="251" actId="1076"/>
+          <ac:picMkLst>
+            <pc:docMk/>
+            <pc:sldMk cId="2731551174" sldId="260"/>
+            <ac:picMk id="9" creationId="{4E1CC6CC-0D10-4AEB-8913-0DDB68D97182}"/>
+          </ac:picMkLst>
+        </pc:picChg>
+      </pc:sldChg>
       <pc:sldChg chg="addSp modSp ord">
-        <pc:chgData name="jacopo losi" userId="6975c7b5cccccadf" providerId="LiveId" clId="{15F3DA1A-5491-411D-9E87-5BEC2B26EC3A}" dt="2019-12-08T20:54:06.012" v="76"/>
+        <pc:chgData name="jacopo losi" userId="6975c7b5cccccadf" providerId="LiveId" clId="{15F3DA1A-5491-411D-9E87-5BEC2B26EC3A}" dt="2019-12-08T22:05:53.457" v="118" actId="1076"/>
         <pc:sldMkLst>
           <pc:docMk/>
           <pc:sldMk cId="342514364" sldId="262"/>
         </pc:sldMkLst>
         <pc:picChg chg="add mod">
-          <ac:chgData name="jacopo losi" userId="6975c7b5cccccadf" providerId="LiveId" clId="{15F3DA1A-5491-411D-9E87-5BEC2B26EC3A}" dt="2019-12-08T20:48:13.776" v="6" actId="1076"/>
+          <ac:chgData name="jacopo losi" userId="6975c7b5cccccadf" providerId="LiveId" clId="{15F3DA1A-5491-411D-9E87-5BEC2B26EC3A}" dt="2019-12-08T22:05:53.457" v="118" actId="1076"/>
           <ac:picMkLst>
             <pc:docMk/>
             <pc:sldMk cId="342514364" sldId="262"/>
@@ -158,13 +191,36 @@
         </pc:picChg>
       </pc:sldChg>
       <pc:sldChg chg="addSp modSp">
-        <pc:chgData name="jacopo losi" userId="6975c7b5cccccadf" providerId="LiveId" clId="{15F3DA1A-5491-411D-9E87-5BEC2B26EC3A}" dt="2019-12-08T20:53:50.777" v="73" actId="1076"/>
+        <pc:chgData name="jacopo losi" userId="6975c7b5cccccadf" providerId="LiveId" clId="{15F3DA1A-5491-411D-9E87-5BEC2B26EC3A}" dt="2019-12-08T22:09:04.784" v="133" actId="1076"/>
+        <pc:sldMkLst>
+          <pc:docMk/>
+          <pc:sldMk cId="126330173" sldId="263"/>
+        </pc:sldMkLst>
+        <pc:picChg chg="add mod">
+          <ac:chgData name="jacopo losi" userId="6975c7b5cccccadf" providerId="LiveId" clId="{15F3DA1A-5491-411D-9E87-5BEC2B26EC3A}" dt="2019-12-08T22:09:04.784" v="133" actId="1076"/>
+          <ac:picMkLst>
+            <pc:docMk/>
+            <pc:sldMk cId="126330173" sldId="263"/>
+            <ac:picMk id="4" creationId="{9C9BD887-D210-47F2-ABC9-F6FC30926C9C}"/>
+          </ac:picMkLst>
+        </pc:picChg>
+      </pc:sldChg>
+      <pc:sldChg chg="addSp modSp ord">
+        <pc:chgData name="jacopo losi" userId="6975c7b5cccccadf" providerId="LiveId" clId="{15F3DA1A-5491-411D-9E87-5BEC2B26EC3A}" dt="2019-12-08T22:09:46.342" v="136" actId="20577"/>
         <pc:sldMkLst>
           <pc:docMk/>
           <pc:sldMk cId="1078916507" sldId="264"/>
         </pc:sldMkLst>
+        <pc:spChg chg="mod">
+          <ac:chgData name="jacopo losi" userId="6975c7b5cccccadf" providerId="LiveId" clId="{15F3DA1A-5491-411D-9E87-5BEC2B26EC3A}" dt="2019-12-08T22:09:46.342" v="136" actId="20577"/>
+          <ac:spMkLst>
+            <pc:docMk/>
+            <pc:sldMk cId="1078916507" sldId="264"/>
+            <ac:spMk id="3" creationId="{3B1DDAF8-ACFC-4239-B5AD-1406F146ECA8}"/>
+          </ac:spMkLst>
+        </pc:spChg>
         <pc:picChg chg="add mod">
-          <ac:chgData name="jacopo losi" userId="6975c7b5cccccadf" providerId="LiveId" clId="{15F3DA1A-5491-411D-9E87-5BEC2B26EC3A}" dt="2019-12-08T20:53:39.639" v="68" actId="1076"/>
+          <ac:chgData name="jacopo losi" userId="6975c7b5cccccadf" providerId="LiveId" clId="{15F3DA1A-5491-411D-9E87-5BEC2B26EC3A}" dt="2019-12-08T22:04:16.265" v="95" actId="1076"/>
           <ac:picMkLst>
             <pc:docMk/>
             <pc:sldMk cId="1078916507" sldId="264"/>
@@ -172,7 +228,7 @@
           </ac:picMkLst>
         </pc:picChg>
         <pc:picChg chg="add mod">
-          <ac:chgData name="jacopo losi" userId="6975c7b5cccccadf" providerId="LiveId" clId="{15F3DA1A-5491-411D-9E87-5BEC2B26EC3A}" dt="2019-12-08T20:53:50.777" v="73" actId="1076"/>
+          <ac:chgData name="jacopo losi" userId="6975c7b5cccccadf" providerId="LiveId" clId="{15F3DA1A-5491-411D-9E87-5BEC2B26EC3A}" dt="2019-12-08T22:04:10.683" v="94" actId="1076"/>
           <ac:picMkLst>
             <pc:docMk/>
             <pc:sldMk cId="1078916507" sldId="264"/>
@@ -181,13 +237,13 @@
         </pc:picChg>
       </pc:sldChg>
       <pc:sldChg chg="addSp modSp ord">
-        <pc:chgData name="jacopo losi" userId="6975c7b5cccccadf" providerId="LiveId" clId="{15F3DA1A-5491-411D-9E87-5BEC2B26EC3A}" dt="2019-12-08T20:56:55.655" v="87" actId="1076"/>
+        <pc:chgData name="jacopo losi" userId="6975c7b5cccccadf" providerId="LiveId" clId="{15F3DA1A-5491-411D-9E87-5BEC2B26EC3A}" dt="2019-12-08T22:05:23.318" v="110" actId="1076"/>
         <pc:sldMkLst>
           <pc:docMk/>
           <pc:sldMk cId="2124831787" sldId="265"/>
         </pc:sldMkLst>
         <pc:picChg chg="add mod">
-          <ac:chgData name="jacopo losi" userId="6975c7b5cccccadf" providerId="LiveId" clId="{15F3DA1A-5491-411D-9E87-5BEC2B26EC3A}" dt="2019-12-08T20:56:55.655" v="87" actId="1076"/>
+          <ac:chgData name="jacopo losi" userId="6975c7b5cccccadf" providerId="LiveId" clId="{15F3DA1A-5491-411D-9E87-5BEC2B26EC3A}" dt="2019-12-08T22:05:23.318" v="110" actId="1076"/>
           <ac:picMkLst>
             <pc:docMk/>
             <pc:sldMk cId="2124831787" sldId="265"/>
@@ -196,13 +252,21 @@
         </pc:picChg>
       </pc:sldChg>
       <pc:sldChg chg="addSp delSp modSp ord">
-        <pc:chgData name="jacopo losi" userId="6975c7b5cccccadf" providerId="LiveId" clId="{15F3DA1A-5491-411D-9E87-5BEC2B26EC3A}" dt="2019-12-08T20:52:37.618" v="50"/>
+        <pc:chgData name="jacopo losi" userId="6975c7b5cccccadf" providerId="LiveId" clId="{15F3DA1A-5491-411D-9E87-5BEC2B26EC3A}" dt="2019-12-08T22:15:20.872" v="199" actId="20577"/>
         <pc:sldMkLst>
           <pc:docMk/>
           <pc:sldMk cId="2753424814" sldId="266"/>
         </pc:sldMkLst>
+        <pc:spChg chg="mod">
+          <ac:chgData name="jacopo losi" userId="6975c7b5cccccadf" providerId="LiveId" clId="{15F3DA1A-5491-411D-9E87-5BEC2B26EC3A}" dt="2019-12-08T22:15:20.872" v="199" actId="20577"/>
+          <ac:spMkLst>
+            <pc:docMk/>
+            <pc:sldMk cId="2753424814" sldId="266"/>
+            <ac:spMk id="3" creationId="{3B1DDAF8-ACFC-4239-B5AD-1406F146ECA8}"/>
+          </ac:spMkLst>
+        </pc:spChg>
         <pc:picChg chg="add mod">
-          <ac:chgData name="jacopo losi" userId="6975c7b5cccccadf" providerId="LiveId" clId="{15F3DA1A-5491-411D-9E87-5BEC2B26EC3A}" dt="2019-12-08T20:52:33.384" v="49" actId="1076"/>
+          <ac:chgData name="jacopo losi" userId="6975c7b5cccccadf" providerId="LiveId" clId="{15F3DA1A-5491-411D-9E87-5BEC2B26EC3A}" dt="2019-12-08T22:05:01.459" v="104" actId="14100"/>
           <ac:picMkLst>
             <pc:docMk/>
             <pc:sldMk cId="2753424814" sldId="266"/>
@@ -226,7 +290,7 @@
           </ac:picMkLst>
         </pc:picChg>
         <pc:picChg chg="add mod">
-          <ac:chgData name="jacopo losi" userId="6975c7b5cccccadf" providerId="LiveId" clId="{15F3DA1A-5491-411D-9E87-5BEC2B26EC3A}" dt="2019-12-08T20:52:29.338" v="48" actId="1076"/>
+          <ac:chgData name="jacopo losi" userId="6975c7b5cccccadf" providerId="LiveId" clId="{15F3DA1A-5491-411D-9E87-5BEC2B26EC3A}" dt="2019-12-08T22:04:55.233" v="102" actId="14100"/>
           <ac:picMkLst>
             <pc:docMk/>
             <pc:sldMk cId="2753424814" sldId="266"/>
@@ -235,13 +299,13 @@
         </pc:picChg>
       </pc:sldChg>
       <pc:sldChg chg="addSp modSp">
-        <pc:chgData name="jacopo losi" userId="6975c7b5cccccadf" providerId="LiveId" clId="{15F3DA1A-5491-411D-9E87-5BEC2B26EC3A}" dt="2019-12-08T20:56:51.771" v="86" actId="1076"/>
+        <pc:chgData name="jacopo losi" userId="6975c7b5cccccadf" providerId="LiveId" clId="{15F3DA1A-5491-411D-9E87-5BEC2B26EC3A}" dt="2019-12-08T22:05:38.867" v="115" actId="1076"/>
         <pc:sldMkLst>
           <pc:docMk/>
           <pc:sldMk cId="1443627318" sldId="267"/>
         </pc:sldMkLst>
         <pc:picChg chg="add mod">
-          <ac:chgData name="jacopo losi" userId="6975c7b5cccccadf" providerId="LiveId" clId="{15F3DA1A-5491-411D-9E87-5BEC2B26EC3A}" dt="2019-12-08T20:56:51.771" v="86" actId="1076"/>
+          <ac:chgData name="jacopo losi" userId="6975c7b5cccccadf" providerId="LiveId" clId="{15F3DA1A-5491-411D-9E87-5BEC2B26EC3A}" dt="2019-12-08T22:05:38.867" v="115" actId="1076"/>
           <ac:picMkLst>
             <pc:docMk/>
             <pc:sldMk cId="1443627318" sldId="267"/>
@@ -250,11 +314,19 @@
         </pc:picChg>
       </pc:sldChg>
       <pc:sldChg chg="addSp delSp modSp add">
-        <pc:chgData name="jacopo losi" userId="6975c7b5cccccadf" providerId="LiveId" clId="{15F3DA1A-5491-411D-9E87-5BEC2B26EC3A}" dt="2019-12-08T20:52:45.174" v="52" actId="1076"/>
+        <pc:chgData name="jacopo losi" userId="6975c7b5cccccadf" providerId="LiveId" clId="{15F3DA1A-5491-411D-9E87-5BEC2B26EC3A}" dt="2019-12-08T22:15:11.083" v="179" actId="20577"/>
         <pc:sldMkLst>
           <pc:docMk/>
           <pc:sldMk cId="69213707" sldId="268"/>
         </pc:sldMkLst>
+        <pc:spChg chg="mod">
+          <ac:chgData name="jacopo losi" userId="6975c7b5cccccadf" providerId="LiveId" clId="{15F3DA1A-5491-411D-9E87-5BEC2B26EC3A}" dt="2019-12-08T22:15:11.083" v="179" actId="20577"/>
+          <ac:spMkLst>
+            <pc:docMk/>
+            <pc:sldMk cId="69213707" sldId="268"/>
+            <ac:spMk id="3" creationId="{3B1DDAF8-ACFC-4239-B5AD-1406F146ECA8}"/>
+          </ac:spMkLst>
+        </pc:spChg>
         <pc:picChg chg="del">
           <ac:chgData name="jacopo losi" userId="6975c7b5cccccadf" providerId="LiveId" clId="{15F3DA1A-5491-411D-9E87-5BEC2B26EC3A}" dt="2019-12-08T20:49:50.584" v="28" actId="478"/>
           <ac:picMkLst>
@@ -280,7 +352,7 @@
           </ac:picMkLst>
         </pc:picChg>
         <pc:picChg chg="add mod">
-          <ac:chgData name="jacopo losi" userId="6975c7b5cccccadf" providerId="LiveId" clId="{15F3DA1A-5491-411D-9E87-5BEC2B26EC3A}" dt="2019-12-08T20:52:43.025" v="51" actId="1076"/>
+          <ac:chgData name="jacopo losi" userId="6975c7b5cccccadf" providerId="LiveId" clId="{15F3DA1A-5491-411D-9E87-5BEC2B26EC3A}" dt="2019-12-08T22:04:42.469" v="99" actId="14100"/>
           <ac:picMkLst>
             <pc:docMk/>
             <pc:sldMk cId="69213707" sldId="268"/>
@@ -288,7 +360,7 @@
           </ac:picMkLst>
         </pc:picChg>
         <pc:picChg chg="add mod">
-          <ac:chgData name="jacopo losi" userId="6975c7b5cccccadf" providerId="LiveId" clId="{15F3DA1A-5491-411D-9E87-5BEC2B26EC3A}" dt="2019-12-08T20:52:45.174" v="52" actId="1076"/>
+          <ac:chgData name="jacopo losi" userId="6975c7b5cccccadf" providerId="LiveId" clId="{15F3DA1A-5491-411D-9E87-5BEC2B26EC3A}" dt="2019-12-08T22:04:45.767" v="100" actId="14100"/>
           <ac:picMkLst>
             <pc:docMk/>
             <pc:sldMk cId="69213707" sldId="268"/>
@@ -297,7 +369,7 @@
         </pc:picChg>
       </pc:sldChg>
       <pc:sldChg chg="addSp delSp modSp add">
-        <pc:chgData name="jacopo losi" userId="6975c7b5cccccadf" providerId="LiveId" clId="{15F3DA1A-5491-411D-9E87-5BEC2B26EC3A}" dt="2019-12-08T20:54:17.208" v="82" actId="1076"/>
+        <pc:chgData name="jacopo losi" userId="6975c7b5cccccadf" providerId="LiveId" clId="{15F3DA1A-5491-411D-9E87-5BEC2B26EC3A}" dt="2019-12-08T22:06:04.500" v="121" actId="1076"/>
         <pc:sldMkLst>
           <pc:docMk/>
           <pc:sldMk cId="1526197859" sldId="269"/>
@@ -311,11 +383,97 @@
           </ac:picMkLst>
         </pc:picChg>
         <pc:picChg chg="add mod">
-          <ac:chgData name="jacopo losi" userId="6975c7b5cccccadf" providerId="LiveId" clId="{15F3DA1A-5491-411D-9E87-5BEC2B26EC3A}" dt="2019-12-08T20:54:17.208" v="82" actId="1076"/>
+          <ac:chgData name="jacopo losi" userId="6975c7b5cccccadf" providerId="LiveId" clId="{15F3DA1A-5491-411D-9E87-5BEC2B26EC3A}" dt="2019-12-08T22:06:04.500" v="121" actId="1076"/>
           <ac:picMkLst>
             <pc:docMk/>
             <pc:sldMk cId="1526197859" sldId="269"/>
             <ac:picMk id="6" creationId="{978C0224-CB37-42A0-8149-565E7E1F0CF7}"/>
+          </ac:picMkLst>
+        </pc:picChg>
+      </pc:sldChg>
+      <pc:sldChg chg="addSp delSp modSp add ord">
+        <pc:chgData name="jacopo losi" userId="6975c7b5cccccadf" providerId="LiveId" clId="{15F3DA1A-5491-411D-9E87-5BEC2B26EC3A}" dt="2019-12-08T22:32:23.671" v="252" actId="1036"/>
+        <pc:sldMkLst>
+          <pc:docMk/>
+          <pc:sldMk cId="2133515375" sldId="270"/>
+        </pc:sldMkLst>
+        <pc:spChg chg="mod">
+          <ac:chgData name="jacopo losi" userId="6975c7b5cccccadf" providerId="LiveId" clId="{15F3DA1A-5491-411D-9E87-5BEC2B26EC3A}" dt="2019-12-08T22:09:58.454" v="138" actId="20577"/>
+          <ac:spMkLst>
+            <pc:docMk/>
+            <pc:sldMk cId="2133515375" sldId="270"/>
+            <ac:spMk id="3" creationId="{3B1DDAF8-ACFC-4239-B5AD-1406F146ECA8}"/>
+          </ac:spMkLst>
+        </pc:spChg>
+        <pc:picChg chg="del">
+          <ac:chgData name="jacopo losi" userId="6975c7b5cccccadf" providerId="LiveId" clId="{15F3DA1A-5491-411D-9E87-5BEC2B26EC3A}" dt="2019-12-08T22:03:58.634" v="91" actId="478"/>
+          <ac:picMkLst>
+            <pc:docMk/>
+            <pc:sldMk cId="2133515375" sldId="270"/>
+            <ac:picMk id="4" creationId="{7DE2A0B3-6FEA-4138-8D7B-FF36A49B7FD3}"/>
+          </ac:picMkLst>
+        </pc:picChg>
+        <pc:picChg chg="add mod">
+          <ac:chgData name="jacopo losi" userId="6975c7b5cccccadf" providerId="LiveId" clId="{15F3DA1A-5491-411D-9E87-5BEC2B26EC3A}" dt="2019-12-08T22:14:10.500" v="152" actId="1076"/>
+          <ac:picMkLst>
+            <pc:docMk/>
+            <pc:sldMk cId="2133515375" sldId="270"/>
+            <ac:picMk id="6" creationId="{E9D602A4-686E-473A-86A0-6EE3AF02D850}"/>
+          </ac:picMkLst>
+        </pc:picChg>
+        <pc:picChg chg="del">
+          <ac:chgData name="jacopo losi" userId="6975c7b5cccccadf" providerId="LiveId" clId="{15F3DA1A-5491-411D-9E87-5BEC2B26EC3A}" dt="2019-12-08T22:04:00.429" v="92" actId="478"/>
+          <ac:picMkLst>
+            <pc:docMk/>
+            <pc:sldMk cId="2133515375" sldId="270"/>
+            <ac:picMk id="7" creationId="{2E77A3BB-31F6-494A-9A12-C477975B4371}"/>
+          </ac:picMkLst>
+        </pc:picChg>
+        <pc:picChg chg="add mod">
+          <ac:chgData name="jacopo losi" userId="6975c7b5cccccadf" providerId="LiveId" clId="{15F3DA1A-5491-411D-9E87-5BEC2B26EC3A}" dt="2019-12-08T22:32:23.671" v="252" actId="1036"/>
+          <ac:picMkLst>
+            <pc:docMk/>
+            <pc:sldMk cId="2133515375" sldId="270"/>
+            <ac:picMk id="9" creationId="{928F3CFE-D3CD-4F0B-9FCD-9E11492904FF}"/>
+          </ac:picMkLst>
+        </pc:picChg>
+      </pc:sldChg>
+      <pc:sldChg chg="addSp delSp modSp add ord">
+        <pc:chgData name="jacopo losi" userId="6975c7b5cccccadf" providerId="LiveId" clId="{15F3DA1A-5491-411D-9E87-5BEC2B26EC3A}" dt="2019-12-08T22:16:33.223" v="227" actId="1076"/>
+        <pc:sldMkLst>
+          <pc:docMk/>
+          <pc:sldMk cId="1719011668" sldId="271"/>
+        </pc:sldMkLst>
+        <pc:spChg chg="mod">
+          <ac:chgData name="jacopo losi" userId="6975c7b5cccccadf" providerId="LiveId" clId="{15F3DA1A-5491-411D-9E87-5BEC2B26EC3A}" dt="2019-12-08T22:15:37.084" v="219" actId="20577"/>
+          <ac:spMkLst>
+            <pc:docMk/>
+            <pc:sldMk cId="1719011668" sldId="271"/>
+            <ac:spMk id="3" creationId="{3B1DDAF8-ACFC-4239-B5AD-1406F146ECA8}"/>
+          </ac:spMkLst>
+        </pc:spChg>
+        <pc:picChg chg="add mod">
+          <ac:chgData name="jacopo losi" userId="6975c7b5cccccadf" providerId="LiveId" clId="{15F3DA1A-5491-411D-9E87-5BEC2B26EC3A}" dt="2019-12-08T22:16:33.223" v="227" actId="1076"/>
+          <ac:picMkLst>
+            <pc:docMk/>
+            <pc:sldMk cId="1719011668" sldId="271"/>
+            <ac:picMk id="4" creationId="{B5DB107A-EB33-42E9-8CED-A5FE823CFC86}"/>
+          </ac:picMkLst>
+        </pc:picChg>
+        <pc:picChg chg="del">
+          <ac:chgData name="jacopo losi" userId="6975c7b5cccccadf" providerId="LiveId" clId="{15F3DA1A-5491-411D-9E87-5BEC2B26EC3A}" dt="2019-12-08T22:15:39.295" v="220" actId="478"/>
+          <ac:picMkLst>
+            <pc:docMk/>
+            <pc:sldMk cId="1719011668" sldId="271"/>
+            <ac:picMk id="9" creationId="{D6D81283-6B56-44C1-A68A-E46443B3B333}"/>
+          </ac:picMkLst>
+        </pc:picChg>
+        <pc:picChg chg="del">
+          <ac:chgData name="jacopo losi" userId="6975c7b5cccccadf" providerId="LiveId" clId="{15F3DA1A-5491-411D-9E87-5BEC2B26EC3A}" dt="2019-12-08T22:15:39.971" v="221" actId="478"/>
+          <ac:picMkLst>
+            <pc:docMk/>
+            <pc:sldMk cId="1719011668" sldId="271"/>
+            <ac:picMk id="10" creationId="{CAC6B8E5-51D0-4FE7-8792-A671DF7F6249}"/>
           </ac:picMkLst>
         </pc:picChg>
       </pc:sldChg>
@@ -473,7 +631,7 @@
           <a:p>
             <a:fld id="{7336D30C-81CC-470A-9B7F-16827AC360E4}" type="datetimeFigureOut">
               <a:rPr lang="en-US" smtClean="0"/>
-              <a:t>12/8/2019</a:t>
+              <a:t>12/9/2019</a:t>
             </a:fld>
             <a:endParaRPr lang="en-US"/>
           </a:p>
@@ -673,7 +831,7 @@
           <a:p>
             <a:fld id="{7336D30C-81CC-470A-9B7F-16827AC360E4}" type="datetimeFigureOut">
               <a:rPr lang="en-US" smtClean="0"/>
-              <a:t>12/8/2019</a:t>
+              <a:t>12/9/2019</a:t>
             </a:fld>
             <a:endParaRPr lang="en-US"/>
           </a:p>
@@ -883,7 +1041,7 @@
           <a:p>
             <a:fld id="{7336D30C-81CC-470A-9B7F-16827AC360E4}" type="datetimeFigureOut">
               <a:rPr lang="en-US" smtClean="0"/>
-              <a:t>12/8/2019</a:t>
+              <a:t>12/9/2019</a:t>
             </a:fld>
             <a:endParaRPr lang="en-US"/>
           </a:p>
@@ -1083,7 +1241,7 @@
           <a:p>
             <a:fld id="{7336D30C-81CC-470A-9B7F-16827AC360E4}" type="datetimeFigureOut">
               <a:rPr lang="en-US" smtClean="0"/>
-              <a:t>12/8/2019</a:t>
+              <a:t>12/9/2019</a:t>
             </a:fld>
             <a:endParaRPr lang="en-US"/>
           </a:p>
@@ -1359,7 +1517,7 @@
           <a:p>
             <a:fld id="{7336D30C-81CC-470A-9B7F-16827AC360E4}" type="datetimeFigureOut">
               <a:rPr lang="en-US" smtClean="0"/>
-              <a:t>12/8/2019</a:t>
+              <a:t>12/9/2019</a:t>
             </a:fld>
             <a:endParaRPr lang="en-US"/>
           </a:p>
@@ -1627,7 +1785,7 @@
           <a:p>
             <a:fld id="{7336D30C-81CC-470A-9B7F-16827AC360E4}" type="datetimeFigureOut">
               <a:rPr lang="en-US" smtClean="0"/>
-              <a:t>12/8/2019</a:t>
+              <a:t>12/9/2019</a:t>
             </a:fld>
             <a:endParaRPr lang="en-US"/>
           </a:p>
@@ -2042,7 +2200,7 @@
           <a:p>
             <a:fld id="{7336D30C-81CC-470A-9B7F-16827AC360E4}" type="datetimeFigureOut">
               <a:rPr lang="en-US" smtClean="0"/>
-              <a:t>12/8/2019</a:t>
+              <a:t>12/9/2019</a:t>
             </a:fld>
             <a:endParaRPr lang="en-US"/>
           </a:p>
@@ -2184,7 +2342,7 @@
           <a:p>
             <a:fld id="{7336D30C-81CC-470A-9B7F-16827AC360E4}" type="datetimeFigureOut">
               <a:rPr lang="en-US" smtClean="0"/>
-              <a:t>12/8/2019</a:t>
+              <a:t>12/9/2019</a:t>
             </a:fld>
             <a:endParaRPr lang="en-US"/>
           </a:p>
@@ -2297,7 +2455,7 @@
           <a:p>
             <a:fld id="{7336D30C-81CC-470A-9B7F-16827AC360E4}" type="datetimeFigureOut">
               <a:rPr lang="en-US" smtClean="0"/>
-              <a:t>12/8/2019</a:t>
+              <a:t>12/9/2019</a:t>
             </a:fld>
             <a:endParaRPr lang="en-US"/>
           </a:p>
@@ -2610,7 +2768,7 @@
           <a:p>
             <a:fld id="{7336D30C-81CC-470A-9B7F-16827AC360E4}" type="datetimeFigureOut">
               <a:rPr lang="en-US" smtClean="0"/>
-              <a:t>12/8/2019</a:t>
+              <a:t>12/9/2019</a:t>
             </a:fld>
             <a:endParaRPr lang="en-US"/>
           </a:p>
@@ -2899,7 +3057,7 @@
           <a:p>
             <a:fld id="{7336D30C-81CC-470A-9B7F-16827AC360E4}" type="datetimeFigureOut">
               <a:rPr lang="en-US" smtClean="0"/>
-              <a:t>12/8/2019</a:t>
+              <a:t>12/9/2019</a:t>
             </a:fld>
             <a:endParaRPr lang="en-US"/>
           </a:p>
@@ -3142,7 +3300,7 @@
           <a:p>
             <a:fld id="{7336D30C-81CC-470A-9B7F-16827AC360E4}" type="datetimeFigureOut">
               <a:rPr lang="en-US" smtClean="0"/>
-              <a:t>12/8/2019</a:t>
+              <a:t>12/9/2019</a:t>
             </a:fld>
             <a:endParaRPr lang="en-US"/>
           </a:p>
@@ -3907,17 +4065,17 @@
                 <a:latin typeface="Cambria" panose="02040503050406030204" pitchFamily="18" charset="0"/>
                 <a:ea typeface="Cambria" panose="02040503050406030204" pitchFamily="18" charset="0"/>
               </a:rPr>
-              <a:t>MODEL COMPARISON</a:t>
+              <a:t>MODEL COMPARSION</a:t>
             </a:r>
           </a:p>
         </p:txBody>
       </p:sp>
       <p:pic>
         <p:nvPicPr>
-          <p:cNvPr id="9" name="Picture 8" descr="A close up of a map&#10;&#10;Description automatically generated">
-            <a:extLst>
-              <a:ext uri="{FF2B5EF4-FFF2-40B4-BE49-F238E27FC236}">
-                <a16:creationId xmlns:a16="http://schemas.microsoft.com/office/drawing/2014/main" id="{D6D81283-6B56-44C1-A68A-E46443B3B333}"/>
+          <p:cNvPr id="4" name="Picture 3" descr="A screen shot of a social media post&#10;&#10;Description automatically generated">
+            <a:extLst>
+              <a:ext uri="{FF2B5EF4-FFF2-40B4-BE49-F238E27FC236}">
+                <a16:creationId xmlns:a16="http://schemas.microsoft.com/office/drawing/2014/main" id="{B5DB107A-EB33-42E9-8CED-A5FE823CFC86}"/>
               </a:ext>
             </a:extLst>
           </p:cNvPr>
@@ -3940,44 +4098,8 @@
         </p:blipFill>
         <p:spPr>
           <a:xfrm>
-            <a:off x="705080" y="2407506"/>
-            <a:ext cx="5262936" cy="3247983"/>
-          </a:xfrm>
-          <a:prstGeom prst="rect">
-            <a:avLst/>
-          </a:prstGeom>
-        </p:spPr>
-      </p:pic>
-      <p:pic>
-        <p:nvPicPr>
-          <p:cNvPr id="10" name="Picture 9" descr="A close up of a logo&#10;&#10;Description automatically generated">
-            <a:extLst>
-              <a:ext uri="{FF2B5EF4-FFF2-40B4-BE49-F238E27FC236}">
-                <a16:creationId xmlns:a16="http://schemas.microsoft.com/office/drawing/2014/main" id="{CAC6B8E5-51D0-4FE7-8792-A671DF7F6249}"/>
-              </a:ext>
-            </a:extLst>
-          </p:cNvPr>
-          <p:cNvPicPr>
-            <a:picLocks noChangeAspect="1"/>
-          </p:cNvPicPr>
-          <p:nvPr/>
-        </p:nvPicPr>
-        <p:blipFill>
-          <a:blip r:embed="rId4">
-            <a:extLst>
-              <a:ext uri="{28A0092B-C50C-407E-A947-70E740481C1C}">
-                <a14:useLocalDpi xmlns:a14="http://schemas.microsoft.com/office/drawing/2010/main" val="0"/>
-              </a:ext>
-            </a:extLst>
-          </a:blip>
-          <a:stretch>
-            <a:fillRect/>
-          </a:stretch>
-        </p:blipFill>
-        <p:spPr>
-          <a:xfrm>
-            <a:off x="6597108" y="2637777"/>
-            <a:ext cx="4889812" cy="3017712"/>
+            <a:off x="528050" y="2767856"/>
+            <a:ext cx="5470185" cy="2274234"/>
           </a:xfrm>
           <a:prstGeom prst="rect">
             <a:avLst/>
@@ -3987,7 +4109,7 @@
     </p:spTree>
     <p:extLst>
       <p:ext uri="{BB962C8B-B14F-4D97-AF65-F5344CB8AC3E}">
-        <p14:creationId xmlns:p14="http://schemas.microsoft.com/office/powerpoint/2010/main" val="69213707"/>
+        <p14:creationId xmlns:p14="http://schemas.microsoft.com/office/powerpoint/2010/main" val="1719011668"/>
       </p:ext>
     </p:extLst>
   </p:cSld>
@@ -4084,17 +4206,17 @@
                 <a:latin typeface="Cambria" panose="02040503050406030204" pitchFamily="18" charset="0"/>
                 <a:ea typeface="Cambria" panose="02040503050406030204" pitchFamily="18" charset="0"/>
               </a:rPr>
-              <a:t>MODEL COMPARISON</a:t>
+              <a:t>SENSITIVITY ANALYSIS</a:t>
             </a:r>
           </a:p>
         </p:txBody>
       </p:sp>
       <p:pic>
         <p:nvPicPr>
-          <p:cNvPr id="4" name="Picture 3" descr="A close up of a logo&#10;&#10;Description automatically generated">
-            <a:extLst>
-              <a:ext uri="{FF2B5EF4-FFF2-40B4-BE49-F238E27FC236}">
-                <a16:creationId xmlns:a16="http://schemas.microsoft.com/office/drawing/2014/main" id="{E81D248A-F2F3-4112-8F6F-16DE35270BCB}"/>
+          <p:cNvPr id="9" name="Picture 8" descr="A close up of a map&#10;&#10;Description automatically generated">
+            <a:extLst>
+              <a:ext uri="{FF2B5EF4-FFF2-40B4-BE49-F238E27FC236}">
+                <a16:creationId xmlns:a16="http://schemas.microsoft.com/office/drawing/2014/main" id="{D6D81283-6B56-44C1-A68A-E46443B3B333}"/>
               </a:ext>
             </a:extLst>
           </p:cNvPr>
@@ -4117,8 +4239,8 @@
         </p:blipFill>
         <p:spPr>
           <a:xfrm>
-            <a:off x="6422713" y="2624304"/>
-            <a:ext cx="4889810" cy="3017711"/>
+            <a:off x="705079" y="2328522"/>
+            <a:ext cx="5390919" cy="3326967"/>
           </a:xfrm>
           <a:prstGeom prst="rect">
             <a:avLst/>
@@ -4127,10 +4249,10 @@
       </p:pic>
       <p:pic>
         <p:nvPicPr>
-          <p:cNvPr id="9" name="Picture 8" descr="A close up of a map&#10;&#10;Description automatically generated">
-            <a:extLst>
-              <a:ext uri="{FF2B5EF4-FFF2-40B4-BE49-F238E27FC236}">
-                <a16:creationId xmlns:a16="http://schemas.microsoft.com/office/drawing/2014/main" id="{60A2F53C-04AB-4A35-9822-A22B9561A65D}"/>
+          <p:cNvPr id="10" name="Picture 9" descr="A close up of a logo&#10;&#10;Description automatically generated">
+            <a:extLst>
+              <a:ext uri="{FF2B5EF4-FFF2-40B4-BE49-F238E27FC236}">
+                <a16:creationId xmlns:a16="http://schemas.microsoft.com/office/drawing/2014/main" id="{CAC6B8E5-51D0-4FE7-8792-A671DF7F6249}"/>
               </a:ext>
             </a:extLst>
           </p:cNvPr>
@@ -4153,8 +4275,8 @@
         </p:blipFill>
         <p:spPr>
           <a:xfrm>
-            <a:off x="778842" y="2562197"/>
-            <a:ext cx="4990447" cy="3079818"/>
+            <a:off x="6096000" y="2328522"/>
+            <a:ext cx="5390920" cy="3326967"/>
           </a:xfrm>
           <a:prstGeom prst="rect">
             <a:avLst/>
@@ -4164,7 +4286,7 @@
     </p:spTree>
     <p:extLst>
       <p:ext uri="{BB962C8B-B14F-4D97-AF65-F5344CB8AC3E}">
-        <p14:creationId xmlns:p14="http://schemas.microsoft.com/office/powerpoint/2010/main" val="2753424814"/>
+        <p14:creationId xmlns:p14="http://schemas.microsoft.com/office/powerpoint/2010/main" val="69213707"/>
       </p:ext>
     </p:extLst>
   </p:cSld>
@@ -4261,17 +4383,17 @@
                 <a:latin typeface="Cambria" panose="02040503050406030204" pitchFamily="18" charset="0"/>
                 <a:ea typeface="Cambria" panose="02040503050406030204" pitchFamily="18" charset="0"/>
               </a:rPr>
-              <a:t>PREDICTIVE CHECKING</a:t>
+              <a:t>SENSITIVITY ANALYSIS</a:t>
             </a:r>
           </a:p>
         </p:txBody>
       </p:sp>
       <p:pic>
         <p:nvPicPr>
-          <p:cNvPr id="4" name="Picture 3" descr="A close up of a computer&#10;&#10;Description automatically generated">
-            <a:extLst>
-              <a:ext uri="{FF2B5EF4-FFF2-40B4-BE49-F238E27FC236}">
-                <a16:creationId xmlns:a16="http://schemas.microsoft.com/office/drawing/2014/main" id="{FF7B1480-B764-49D9-BDBC-45D1D90404F6}"/>
+          <p:cNvPr id="4" name="Picture 3" descr="A close up of a logo&#10;&#10;Description automatically generated">
+            <a:extLst>
+              <a:ext uri="{FF2B5EF4-FFF2-40B4-BE49-F238E27FC236}">
+                <a16:creationId xmlns:a16="http://schemas.microsoft.com/office/drawing/2014/main" id="{E81D248A-F2F3-4112-8F6F-16DE35270BCB}"/>
               </a:ext>
             </a:extLst>
           </p:cNvPr>
@@ -4294,8 +4416,44 @@
         </p:blipFill>
         <p:spPr>
           <a:xfrm>
-            <a:off x="2631623" y="2060721"/>
-            <a:ext cx="6928752" cy="4276029"/>
+            <a:off x="6096000" y="2292192"/>
+            <a:ext cx="5427956" cy="3349824"/>
+          </a:xfrm>
+          <a:prstGeom prst="rect">
+            <a:avLst/>
+          </a:prstGeom>
+        </p:spPr>
+      </p:pic>
+      <p:pic>
+        <p:nvPicPr>
+          <p:cNvPr id="9" name="Picture 8" descr="A close up of a map&#10;&#10;Description automatically generated">
+            <a:extLst>
+              <a:ext uri="{FF2B5EF4-FFF2-40B4-BE49-F238E27FC236}">
+                <a16:creationId xmlns:a16="http://schemas.microsoft.com/office/drawing/2014/main" id="{60A2F53C-04AB-4A35-9822-A22B9561A65D}"/>
+              </a:ext>
+            </a:extLst>
+          </p:cNvPr>
+          <p:cNvPicPr>
+            <a:picLocks noChangeAspect="1"/>
+          </p:cNvPicPr>
+          <p:nvPr/>
+        </p:nvPicPr>
+        <p:blipFill>
+          <a:blip r:embed="rId4">
+            <a:extLst>
+              <a:ext uri="{28A0092B-C50C-407E-A947-70E740481C1C}">
+                <a14:useLocalDpi xmlns:a14="http://schemas.microsoft.com/office/drawing/2010/main" val="0"/>
+              </a:ext>
+            </a:extLst>
+          </a:blip>
+          <a:stretch>
+            <a:fillRect/>
+          </a:stretch>
+        </p:blipFill>
+        <p:spPr>
+          <a:xfrm>
+            <a:off x="668044" y="2292192"/>
+            <a:ext cx="5427956" cy="3349824"/>
           </a:xfrm>
           <a:prstGeom prst="rect">
             <a:avLst/>
@@ -4305,7 +4463,7 @@
     </p:spTree>
     <p:extLst>
       <p:ext uri="{BB962C8B-B14F-4D97-AF65-F5344CB8AC3E}">
-        <p14:creationId xmlns:p14="http://schemas.microsoft.com/office/powerpoint/2010/main" val="2124831787"/>
+        <p14:creationId xmlns:p14="http://schemas.microsoft.com/office/powerpoint/2010/main" val="2753424814"/>
       </p:ext>
     </p:extLst>
   </p:cSld>
@@ -4383,7 +4541,7 @@
         <p:spPr>
           <a:xfrm>
             <a:off x="3831962" y="1128074"/>
-            <a:ext cx="4528075" cy="461665"/>
+            <a:ext cx="4528075" cy="830997"/>
           </a:xfrm>
           <a:prstGeom prst="rect">
             <a:avLst/>
@@ -4402,7 +4560,7 @@
                 <a:latin typeface="Cambria" panose="02040503050406030204" pitchFamily="18" charset="0"/>
                 <a:ea typeface="Cambria" panose="02040503050406030204" pitchFamily="18" charset="0"/>
               </a:rPr>
-              <a:t>AGE PREDICTION</a:t>
+              <a:t>CONVERGENCE and EFFICIENCY ANALYSIS</a:t>
             </a:r>
           </a:p>
         </p:txBody>
@@ -4412,7 +4570,7 @@
           <p:cNvPr id="4" name="Picture 3">
             <a:extLst>
               <a:ext uri="{FF2B5EF4-FFF2-40B4-BE49-F238E27FC236}">
-                <a16:creationId xmlns:a16="http://schemas.microsoft.com/office/drawing/2014/main" id="{089B4EAF-C36F-41BE-84DE-836996508B89}"/>
+                <a16:creationId xmlns:a16="http://schemas.microsoft.com/office/drawing/2014/main" id="{7DE2A0B3-6FEA-4138-8D7B-FF36A49B7FD3}"/>
               </a:ext>
             </a:extLst>
           </p:cNvPr>
@@ -4435,8 +4593,326 @@
         </p:blipFill>
         <p:spPr>
           <a:xfrm>
-            <a:off x="2223681" y="1732379"/>
-            <a:ext cx="7744636" cy="4779546"/>
+            <a:off x="6087751" y="2409226"/>
+            <a:ext cx="5882232" cy="3630177"/>
+          </a:xfrm>
+          <a:prstGeom prst="rect">
+            <a:avLst/>
+          </a:prstGeom>
+        </p:spPr>
+      </p:pic>
+      <p:pic>
+        <p:nvPicPr>
+          <p:cNvPr id="7" name="Picture 6" descr="A screenshot of a cell phone&#10;&#10;Description automatically generated">
+            <a:extLst>
+              <a:ext uri="{FF2B5EF4-FFF2-40B4-BE49-F238E27FC236}">
+                <a16:creationId xmlns:a16="http://schemas.microsoft.com/office/drawing/2014/main" id="{2E77A3BB-31F6-494A-9A12-C477975B4371}"/>
+              </a:ext>
+            </a:extLst>
+          </p:cNvPr>
+          <p:cNvPicPr>
+            <a:picLocks noChangeAspect="1"/>
+          </p:cNvPicPr>
+          <p:nvPr/>
+        </p:nvPicPr>
+        <p:blipFill>
+          <a:blip r:embed="rId4">
+            <a:extLst>
+              <a:ext uri="{28A0092B-C50C-407E-A947-70E740481C1C}">
+                <a14:useLocalDpi xmlns:a14="http://schemas.microsoft.com/office/drawing/2010/main" val="0"/>
+              </a:ext>
+            </a:extLst>
+          </a:blip>
+          <a:stretch>
+            <a:fillRect/>
+          </a:stretch>
+        </p:blipFill>
+        <p:spPr>
+          <a:xfrm>
+            <a:off x="222017" y="2448858"/>
+            <a:ext cx="5753797" cy="3550914"/>
+          </a:xfrm>
+          <a:prstGeom prst="rect">
+            <a:avLst/>
+          </a:prstGeom>
+        </p:spPr>
+      </p:pic>
+    </p:spTree>
+    <p:extLst>
+      <p:ext uri="{BB962C8B-B14F-4D97-AF65-F5344CB8AC3E}">
+        <p14:creationId xmlns:p14="http://schemas.microsoft.com/office/powerpoint/2010/main" val="1078916507"/>
+      </p:ext>
+    </p:extLst>
+  </p:cSld>
+  <p:clrMapOvr>
+    <a:masterClrMapping/>
+  </p:clrMapOvr>
+</p:sld>
+</file>
+
+<file path=ppt/slides/slide14.xml><?xml version="1.0" encoding="utf-8"?>
+<p:sld xmlns:a="http://schemas.openxmlformats.org/drawingml/2006/main" xmlns:r="http://schemas.openxmlformats.org/officeDocument/2006/relationships" xmlns:p="http://schemas.openxmlformats.org/presentationml/2006/main">
+  <p:cSld>
+    <p:spTree>
+      <p:nvGrpSpPr>
+        <p:cNvPr id="1" name=""/>
+        <p:cNvGrpSpPr/>
+        <p:nvPr/>
+      </p:nvGrpSpPr>
+      <p:grpSpPr>
+        <a:xfrm>
+          <a:off x="0" y="0"/>
+          <a:ext cx="0" cy="0"/>
+          <a:chOff x="0" y="0"/>
+          <a:chExt cx="0" cy="0"/>
+        </a:xfrm>
+      </p:grpSpPr>
+      <p:pic>
+        <p:nvPicPr>
+          <p:cNvPr id="5" name="Immagine 4">
+            <a:extLst>
+              <a:ext uri="{FF2B5EF4-FFF2-40B4-BE49-F238E27FC236}">
+                <a16:creationId xmlns:a16="http://schemas.microsoft.com/office/drawing/2014/main" id="{B0EB21B6-43BB-4F54-9B14-6DDB303556FF}"/>
+              </a:ext>
+            </a:extLst>
+          </p:cNvPr>
+          <p:cNvPicPr>
+            <a:picLocks noChangeAspect="1"/>
+          </p:cNvPicPr>
+          <p:nvPr/>
+        </p:nvPicPr>
+        <p:blipFill>
+          <a:blip r:embed="rId2">
+            <a:extLst>
+              <a:ext uri="{28A0092B-C50C-407E-A947-70E740481C1C}">
+                <a14:useLocalDpi xmlns:a14="http://schemas.microsoft.com/office/drawing/2010/main" val="0"/>
+              </a:ext>
+            </a:extLst>
+          </a:blip>
+          <a:stretch>
+            <a:fillRect/>
+          </a:stretch>
+        </p:blipFill>
+        <p:spPr>
+          <a:xfrm>
+            <a:off x="528050" y="264791"/>
+            <a:ext cx="1590627" cy="1324948"/>
+          </a:xfrm>
+          <a:prstGeom prst="rect">
+            <a:avLst/>
+          </a:prstGeom>
+        </p:spPr>
+      </p:pic>
+      <p:sp>
+        <p:nvSpPr>
+          <p:cNvPr id="3" name="CasellaDiTesto 2">
+            <a:extLst>
+              <a:ext uri="{FF2B5EF4-FFF2-40B4-BE49-F238E27FC236}">
+                <a16:creationId xmlns:a16="http://schemas.microsoft.com/office/drawing/2014/main" id="{3B1DDAF8-ACFC-4239-B5AD-1406F146ECA8}"/>
+              </a:ext>
+            </a:extLst>
+          </p:cNvPr>
+          <p:cNvSpPr txBox="1"/>
+          <p:nvPr/>
+        </p:nvSpPr>
+        <p:spPr>
+          <a:xfrm>
+            <a:off x="3831962" y="1128074"/>
+            <a:ext cx="4528075" cy="461665"/>
+          </a:xfrm>
+          <a:prstGeom prst="rect">
+            <a:avLst/>
+          </a:prstGeom>
+          <a:noFill/>
+        </p:spPr>
+        <p:txBody>
+          <a:bodyPr wrap="square" rtlCol="0">
+            <a:spAutoFit/>
+          </a:bodyPr>
+          <a:lstStyle/>
+          <a:p>
+            <a:pPr algn="ctr"/>
+            <a:r>
+              <a:rPr lang="en-US" sz="2400" b="1" dirty="0">
+                <a:latin typeface="Cambria" panose="02040503050406030204" pitchFamily="18" charset="0"/>
+                <a:ea typeface="Cambria" panose="02040503050406030204" pitchFamily="18" charset="0"/>
+              </a:rPr>
+              <a:t>PREDICTIVE CHECKING</a:t>
+            </a:r>
+          </a:p>
+        </p:txBody>
+      </p:sp>
+      <p:pic>
+        <p:nvPicPr>
+          <p:cNvPr id="4" name="Picture 3" descr="A close up of a computer&#10;&#10;Description automatically generated">
+            <a:extLst>
+              <a:ext uri="{FF2B5EF4-FFF2-40B4-BE49-F238E27FC236}">
+                <a16:creationId xmlns:a16="http://schemas.microsoft.com/office/drawing/2014/main" id="{FF7B1480-B764-49D9-BDBC-45D1D90404F6}"/>
+              </a:ext>
+            </a:extLst>
+          </p:cNvPr>
+          <p:cNvPicPr>
+            <a:picLocks noChangeAspect="1"/>
+          </p:cNvPicPr>
+          <p:nvPr/>
+        </p:nvPicPr>
+        <p:blipFill>
+          <a:blip r:embed="rId3">
+            <a:extLst>
+              <a:ext uri="{28A0092B-C50C-407E-A947-70E740481C1C}">
+                <a14:useLocalDpi xmlns:a14="http://schemas.microsoft.com/office/drawing/2010/main" val="0"/>
+              </a:ext>
+            </a:extLst>
+          </a:blip>
+          <a:stretch>
+            <a:fillRect/>
+          </a:stretch>
+        </p:blipFill>
+        <p:spPr>
+          <a:xfrm>
+            <a:off x="650214" y="2335675"/>
+            <a:ext cx="6363496" cy="3927185"/>
+          </a:xfrm>
+          <a:prstGeom prst="rect">
+            <a:avLst/>
+          </a:prstGeom>
+        </p:spPr>
+      </p:pic>
+    </p:spTree>
+    <p:extLst>
+      <p:ext uri="{BB962C8B-B14F-4D97-AF65-F5344CB8AC3E}">
+        <p14:creationId xmlns:p14="http://schemas.microsoft.com/office/powerpoint/2010/main" val="2124831787"/>
+      </p:ext>
+    </p:extLst>
+  </p:cSld>
+  <p:clrMapOvr>
+    <a:masterClrMapping/>
+  </p:clrMapOvr>
+</p:sld>
+</file>
+
+<file path=ppt/slides/slide15.xml><?xml version="1.0" encoding="utf-8"?>
+<p:sld xmlns:a="http://schemas.openxmlformats.org/drawingml/2006/main" xmlns:r="http://schemas.openxmlformats.org/officeDocument/2006/relationships" xmlns:p="http://schemas.openxmlformats.org/presentationml/2006/main">
+  <p:cSld>
+    <p:spTree>
+      <p:nvGrpSpPr>
+        <p:cNvPr id="1" name=""/>
+        <p:cNvGrpSpPr/>
+        <p:nvPr/>
+      </p:nvGrpSpPr>
+      <p:grpSpPr>
+        <a:xfrm>
+          <a:off x="0" y="0"/>
+          <a:ext cx="0" cy="0"/>
+          <a:chOff x="0" y="0"/>
+          <a:chExt cx="0" cy="0"/>
+        </a:xfrm>
+      </p:grpSpPr>
+      <p:pic>
+        <p:nvPicPr>
+          <p:cNvPr id="5" name="Immagine 4">
+            <a:extLst>
+              <a:ext uri="{FF2B5EF4-FFF2-40B4-BE49-F238E27FC236}">
+                <a16:creationId xmlns:a16="http://schemas.microsoft.com/office/drawing/2014/main" id="{B0EB21B6-43BB-4F54-9B14-6DDB303556FF}"/>
+              </a:ext>
+            </a:extLst>
+          </p:cNvPr>
+          <p:cNvPicPr>
+            <a:picLocks noChangeAspect="1"/>
+          </p:cNvPicPr>
+          <p:nvPr/>
+        </p:nvPicPr>
+        <p:blipFill>
+          <a:blip r:embed="rId2">
+            <a:extLst>
+              <a:ext uri="{28A0092B-C50C-407E-A947-70E740481C1C}">
+                <a14:useLocalDpi xmlns:a14="http://schemas.microsoft.com/office/drawing/2010/main" val="0"/>
+              </a:ext>
+            </a:extLst>
+          </a:blip>
+          <a:stretch>
+            <a:fillRect/>
+          </a:stretch>
+        </p:blipFill>
+        <p:spPr>
+          <a:xfrm>
+            <a:off x="528050" y="264791"/>
+            <a:ext cx="1590627" cy="1324948"/>
+          </a:xfrm>
+          <a:prstGeom prst="rect">
+            <a:avLst/>
+          </a:prstGeom>
+        </p:spPr>
+      </p:pic>
+      <p:sp>
+        <p:nvSpPr>
+          <p:cNvPr id="3" name="CasellaDiTesto 2">
+            <a:extLst>
+              <a:ext uri="{FF2B5EF4-FFF2-40B4-BE49-F238E27FC236}">
+                <a16:creationId xmlns:a16="http://schemas.microsoft.com/office/drawing/2014/main" id="{3B1DDAF8-ACFC-4239-B5AD-1406F146ECA8}"/>
+              </a:ext>
+            </a:extLst>
+          </p:cNvPr>
+          <p:cNvSpPr txBox="1"/>
+          <p:nvPr/>
+        </p:nvSpPr>
+        <p:spPr>
+          <a:xfrm>
+            <a:off x="3831962" y="1128074"/>
+            <a:ext cx="4528075" cy="461665"/>
+          </a:xfrm>
+          <a:prstGeom prst="rect">
+            <a:avLst/>
+          </a:prstGeom>
+          <a:noFill/>
+        </p:spPr>
+        <p:txBody>
+          <a:bodyPr wrap="square" rtlCol="0">
+            <a:spAutoFit/>
+          </a:bodyPr>
+          <a:lstStyle/>
+          <a:p>
+            <a:pPr algn="ctr"/>
+            <a:r>
+              <a:rPr lang="en-US" sz="2400" b="1" dirty="0">
+                <a:latin typeface="Cambria" panose="02040503050406030204" pitchFamily="18" charset="0"/>
+                <a:ea typeface="Cambria" panose="02040503050406030204" pitchFamily="18" charset="0"/>
+              </a:rPr>
+              <a:t>AGE PREDICTION</a:t>
+            </a:r>
+          </a:p>
+        </p:txBody>
+      </p:sp>
+      <p:pic>
+        <p:nvPicPr>
+          <p:cNvPr id="4" name="Picture 3">
+            <a:extLst>
+              <a:ext uri="{FF2B5EF4-FFF2-40B4-BE49-F238E27FC236}">
+                <a16:creationId xmlns:a16="http://schemas.microsoft.com/office/drawing/2014/main" id="{089B4EAF-C36F-41BE-84DE-836996508B89}"/>
+              </a:ext>
+            </a:extLst>
+          </p:cNvPr>
+          <p:cNvPicPr>
+            <a:picLocks noChangeAspect="1"/>
+          </p:cNvPicPr>
+          <p:nvPr/>
+        </p:nvPicPr>
+        <p:blipFill>
+          <a:blip r:embed="rId3">
+            <a:extLst>
+              <a:ext uri="{28A0092B-C50C-407E-A947-70E740481C1C}">
+                <a14:useLocalDpi xmlns:a14="http://schemas.microsoft.com/office/drawing/2010/main" val="0"/>
+              </a:ext>
+            </a:extLst>
+          </a:blip>
+          <a:stretch>
+            <a:fillRect/>
+          </a:stretch>
+        </p:blipFill>
+        <p:spPr>
+          <a:xfrm>
+            <a:off x="628730" y="2281381"/>
+            <a:ext cx="6226460" cy="3842615"/>
           </a:xfrm>
           <a:prstGeom prst="rect">
             <a:avLst/>
@@ -4456,7 +4932,7 @@
 </p:sld>
 </file>
 
-<file path=ppt/slides/slide14.xml><?xml version="1.0" encoding="utf-8"?>
+<file path=ppt/slides/slide16.xml><?xml version="1.0" encoding="utf-8"?>
 <p:sld xmlns:a="http://schemas.openxmlformats.org/drawingml/2006/main" xmlns:r="http://schemas.openxmlformats.org/officeDocument/2006/relationships" xmlns:p="http://schemas.openxmlformats.org/presentationml/2006/main">
   <p:cSld>
     <p:spTree>
@@ -5484,6 +5960,78 @@
           </a:p>
         </p:txBody>
       </p:sp>
+      <p:pic>
+        <p:nvPicPr>
+          <p:cNvPr id="7" name="Picture 6" descr="A close up of a keyboard&#10;&#10;Description automatically generated">
+            <a:extLst>
+              <a:ext uri="{FF2B5EF4-FFF2-40B4-BE49-F238E27FC236}">
+                <a16:creationId xmlns:a16="http://schemas.microsoft.com/office/drawing/2014/main" id="{E3705E43-5808-44DC-9EA6-F64F498C2094}"/>
+              </a:ext>
+            </a:extLst>
+          </p:cNvPr>
+          <p:cNvPicPr>
+            <a:picLocks noChangeAspect="1"/>
+          </p:cNvPicPr>
+          <p:nvPr/>
+        </p:nvPicPr>
+        <p:blipFill>
+          <a:blip r:embed="rId3">
+            <a:extLst>
+              <a:ext uri="{28A0092B-C50C-407E-A947-70E740481C1C}">
+                <a14:useLocalDpi xmlns:a14="http://schemas.microsoft.com/office/drawing/2010/main" val="0"/>
+              </a:ext>
+            </a:extLst>
+          </a:blip>
+          <a:stretch>
+            <a:fillRect/>
+          </a:stretch>
+        </p:blipFill>
+        <p:spPr>
+          <a:xfrm>
+            <a:off x="666385" y="3161693"/>
+            <a:ext cx="5429614" cy="1901594"/>
+          </a:xfrm>
+          <a:prstGeom prst="rect">
+            <a:avLst/>
+          </a:prstGeom>
+        </p:spPr>
+      </p:pic>
+      <p:pic>
+        <p:nvPicPr>
+          <p:cNvPr id="9" name="Picture 8" descr="A screenshot of a cell phone&#10;&#10;Description automatically generated">
+            <a:extLst>
+              <a:ext uri="{FF2B5EF4-FFF2-40B4-BE49-F238E27FC236}">
+                <a16:creationId xmlns:a16="http://schemas.microsoft.com/office/drawing/2014/main" id="{4E1CC6CC-0D10-4AEB-8913-0DDB68D97182}"/>
+              </a:ext>
+            </a:extLst>
+          </p:cNvPr>
+          <p:cNvPicPr>
+            <a:picLocks noChangeAspect="1"/>
+          </p:cNvPicPr>
+          <p:nvPr/>
+        </p:nvPicPr>
+        <p:blipFill>
+          <a:blip r:embed="rId4">
+            <a:extLst>
+              <a:ext uri="{28A0092B-C50C-407E-A947-70E740481C1C}">
+                <a14:useLocalDpi xmlns:a14="http://schemas.microsoft.com/office/drawing/2010/main" val="0"/>
+              </a:ext>
+            </a:extLst>
+          </a:blip>
+          <a:stretch>
+            <a:fillRect/>
+          </a:stretch>
+        </p:blipFill>
+        <p:spPr>
+          <a:xfrm>
+            <a:off x="6096001" y="2634106"/>
+            <a:ext cx="5429614" cy="2616206"/>
+          </a:xfrm>
+          <a:prstGeom prst="rect">
+            <a:avLst/>
+          </a:prstGeom>
+        </p:spPr>
+      </p:pic>
     </p:spTree>
     <p:extLst>
       <p:ext uri="{BB962C8B-B14F-4D97-AF65-F5344CB8AC3E}">
@@ -5617,8 +6165,8 @@
         </p:blipFill>
         <p:spPr>
           <a:xfrm>
-            <a:off x="2440230" y="1796461"/>
-            <a:ext cx="7311537" cy="4512262"/>
+            <a:off x="2443066" y="1716833"/>
+            <a:ext cx="7305868" cy="4508763"/>
           </a:xfrm>
           <a:prstGeom prst="rect">
             <a:avLst/>
@@ -5758,8 +6306,8 @@
         </p:blipFill>
         <p:spPr>
           <a:xfrm>
-            <a:off x="2526519" y="1793402"/>
-            <a:ext cx="7138959" cy="4405757"/>
+            <a:off x="2480367" y="1801091"/>
+            <a:ext cx="7231266" cy="4462724"/>
           </a:xfrm>
           <a:prstGeom prst="rect">
             <a:avLst/>
@@ -5871,6 +6419,42 @@
           </a:p>
         </p:txBody>
       </p:sp>
+      <p:pic>
+        <p:nvPicPr>
+          <p:cNvPr id="4" name="Picture 3" descr="A screenshot of a cell phone&#10;&#10;Description automatically generated">
+            <a:extLst>
+              <a:ext uri="{FF2B5EF4-FFF2-40B4-BE49-F238E27FC236}">
+                <a16:creationId xmlns:a16="http://schemas.microsoft.com/office/drawing/2014/main" id="{9C9BD887-D210-47F2-ABC9-F6FC30926C9C}"/>
+              </a:ext>
+            </a:extLst>
+          </p:cNvPr>
+          <p:cNvPicPr>
+            <a:picLocks noChangeAspect="1"/>
+          </p:cNvPicPr>
+          <p:nvPr/>
+        </p:nvPicPr>
+        <p:blipFill>
+          <a:blip r:embed="rId3">
+            <a:extLst>
+              <a:ext uri="{28A0092B-C50C-407E-A947-70E740481C1C}">
+                <a14:useLocalDpi xmlns:a14="http://schemas.microsoft.com/office/drawing/2010/main" val="0"/>
+              </a:ext>
+            </a:extLst>
+          </a:blip>
+          <a:stretch>
+            <a:fillRect/>
+          </a:stretch>
+        </p:blipFill>
+        <p:spPr>
+          <a:xfrm>
+            <a:off x="528050" y="2091558"/>
+            <a:ext cx="6936698" cy="4280933"/>
+          </a:xfrm>
+          <a:prstGeom prst="rect">
+            <a:avLst/>
+          </a:prstGeom>
+        </p:spPr>
+      </p:pic>
     </p:spTree>
     <p:extLst>
       <p:ext uri="{BB962C8B-B14F-4D97-AF65-F5344CB8AC3E}">
@@ -5978,10 +6562,10 @@
       </p:sp>
       <p:pic>
         <p:nvPicPr>
-          <p:cNvPr id="4" name="Picture 3">
-            <a:extLst>
-              <a:ext uri="{FF2B5EF4-FFF2-40B4-BE49-F238E27FC236}">
-                <a16:creationId xmlns:a16="http://schemas.microsoft.com/office/drawing/2014/main" id="{7DE2A0B3-6FEA-4138-8D7B-FF36A49B7FD3}"/>
+          <p:cNvPr id="6" name="Picture 5" descr="A screen shot of a keyboard&#10;&#10;Description automatically generated">
+            <a:extLst>
+              <a:ext uri="{FF2B5EF4-FFF2-40B4-BE49-F238E27FC236}">
+                <a16:creationId xmlns:a16="http://schemas.microsoft.com/office/drawing/2014/main" id="{E9D602A4-686E-473A-86A0-6EE3AF02D850}"/>
               </a:ext>
             </a:extLst>
           </p:cNvPr>
@@ -6004,8 +6588,8 @@
         </p:blipFill>
         <p:spPr>
           <a:xfrm>
-            <a:off x="6087751" y="2369595"/>
-            <a:ext cx="5882232" cy="3630177"/>
+            <a:off x="454477" y="2177017"/>
+            <a:ext cx="5796874" cy="2068074"/>
           </a:xfrm>
           <a:prstGeom prst="rect">
             <a:avLst/>
@@ -6014,10 +6598,10 @@
       </p:pic>
       <p:pic>
         <p:nvPicPr>
-          <p:cNvPr id="7" name="Picture 6" descr="A screenshot of a cell phone&#10;&#10;Description automatically generated">
-            <a:extLst>
-              <a:ext uri="{FF2B5EF4-FFF2-40B4-BE49-F238E27FC236}">
-                <a16:creationId xmlns:a16="http://schemas.microsoft.com/office/drawing/2014/main" id="{2E77A3BB-31F6-494A-9A12-C477975B4371}"/>
+          <p:cNvPr id="9" name="Picture 8" descr="A screenshot of a social media post&#10;&#10;Description automatically generated">
+            <a:extLst>
+              <a:ext uri="{FF2B5EF4-FFF2-40B4-BE49-F238E27FC236}">
+                <a16:creationId xmlns:a16="http://schemas.microsoft.com/office/drawing/2014/main" id="{928F3CFE-D3CD-4F0B-9FCD-9E11492904FF}"/>
               </a:ext>
             </a:extLst>
           </p:cNvPr>
@@ -6040,8 +6624,8 @@
         </p:blipFill>
         <p:spPr>
           <a:xfrm>
-            <a:off x="222017" y="2369595"/>
-            <a:ext cx="5444982" cy="3360331"/>
+            <a:off x="454477" y="4254327"/>
+            <a:ext cx="4033440" cy="2270860"/>
           </a:xfrm>
           <a:prstGeom prst="rect">
             <a:avLst/>
@@ -6051,7 +6635,7 @@
     </p:spTree>
     <p:extLst>
       <p:ext uri="{BB962C8B-B14F-4D97-AF65-F5344CB8AC3E}">
-        <p14:creationId xmlns:p14="http://schemas.microsoft.com/office/powerpoint/2010/main" val="1078916507"/>
+        <p14:creationId xmlns:p14="http://schemas.microsoft.com/office/powerpoint/2010/main" val="2133515375"/>
       </p:ext>
     </p:extLst>
   </p:cSld>

--- a/last_presentation.pptx
+++ b/last_presentation.pptx
@@ -20,7 +20,8 @@
     <p:sldId id="264" r:id="rId14"/>
     <p:sldId id="265" r:id="rId15"/>
     <p:sldId id="267" r:id="rId16"/>
-    <p:sldId id="261" r:id="rId17"/>
+    <p:sldId id="272" r:id="rId17"/>
+    <p:sldId id="261" r:id="rId18"/>
   </p:sldIdLst>
   <p:sldSz cx="12192000" cy="6858000"/>
   <p:notesSz cx="6858000" cy="9144000"/>
@@ -130,7 +131,7 @@
 <file path=ppt/revisionInfo.xml><?xml version="1.0" encoding="utf-8"?>
 <p1510:revInfo xmlns:a="http://schemas.openxmlformats.org/drawingml/2006/main" xmlns:r="http://schemas.openxmlformats.org/officeDocument/2006/relationships" xmlns:p1510="http://schemas.microsoft.com/office/powerpoint/2015/10/main">
   <p1510:revLst>
-    <p1510:client id="{15F3DA1A-5491-411D-9E87-5BEC2B26EC3A}" v="34" dt="2019-12-08T22:19:56.622"/>
+    <p1510:client id="{15F3DA1A-5491-411D-9E87-5BEC2B26EC3A}" v="95" dt="2019-12-09T09:17:52.619"/>
   </p1510:revLst>
 </p1510:revInfo>
 </file>
@@ -140,16 +141,133 @@
   <pc:docChgLst>
     <pc:chgData name="jacopo losi" userId="6975c7b5cccccadf" providerId="LiveId" clId="{15F3DA1A-5491-411D-9E87-5BEC2B26EC3A}"/>
     <pc:docChg chg="undo custSel addSld modSld sldOrd">
-      <pc:chgData name="jacopo losi" userId="6975c7b5cccccadf" providerId="LiveId" clId="{15F3DA1A-5491-411D-9E87-5BEC2B26EC3A}" dt="2019-12-08T22:32:23.671" v="252" actId="1036"/>
+      <pc:chgData name="jacopo losi" userId="6975c7b5cccccadf" providerId="LiveId" clId="{15F3DA1A-5491-411D-9E87-5BEC2B26EC3A}" dt="2019-12-09T09:20:01.177" v="1338" actId="790"/>
       <pc:docMkLst>
         <pc:docMk/>
       </pc:docMkLst>
       <pc:sldChg chg="addSp delSp modSp">
-        <pc:chgData name="jacopo losi" userId="6975c7b5cccccadf" providerId="LiveId" clId="{15F3DA1A-5491-411D-9E87-5BEC2B26EC3A}" dt="2019-12-08T22:31:53.620" v="251" actId="1076"/>
+        <pc:chgData name="jacopo losi" userId="6975c7b5cccccadf" providerId="LiveId" clId="{15F3DA1A-5491-411D-9E87-5BEC2B26EC3A}" dt="2019-12-09T08:47:57.135" v="509" actId="20577"/>
+        <pc:sldMkLst>
+          <pc:docMk/>
+          <pc:sldMk cId="43069932" sldId="257"/>
+        </pc:sldMkLst>
+        <pc:spChg chg="add del mod">
+          <ac:chgData name="jacopo losi" userId="6975c7b5cccccadf" providerId="LiveId" clId="{15F3DA1A-5491-411D-9E87-5BEC2B26EC3A}" dt="2019-12-09T08:42:54.387" v="372"/>
+          <ac:spMkLst>
+            <pc:docMk/>
+            <pc:sldMk cId="43069932" sldId="257"/>
+            <ac:spMk id="7" creationId="{9E97E03D-F765-4F31-89DB-8E886AA21A53}"/>
+          </ac:spMkLst>
+        </pc:spChg>
+        <pc:spChg chg="add">
+          <ac:chgData name="jacopo losi" userId="6975c7b5cccccadf" providerId="LiveId" clId="{15F3DA1A-5491-411D-9E87-5BEC2B26EC3A}" dt="2019-12-09T08:43:51.460" v="420"/>
+          <ac:spMkLst>
+            <pc:docMk/>
+            <pc:sldMk cId="43069932" sldId="257"/>
+            <ac:spMk id="8" creationId="{5CEACC97-C8D9-4FF0-9098-EAD33312FA15}"/>
+          </ac:spMkLst>
+        </pc:spChg>
+        <pc:spChg chg="add mod">
+          <ac:chgData name="jacopo losi" userId="6975c7b5cccccadf" providerId="LiveId" clId="{15F3DA1A-5491-411D-9E87-5BEC2B26EC3A}" dt="2019-12-09T08:47:57.135" v="509" actId="20577"/>
+          <ac:spMkLst>
+            <pc:docMk/>
+            <pc:sldMk cId="43069932" sldId="257"/>
+            <ac:spMk id="9" creationId="{40C5BAE7-E0BB-4EB8-840E-B461BD6556AF}"/>
+          </ac:spMkLst>
+        </pc:spChg>
+      </pc:sldChg>
+      <pc:sldChg chg="addSp delSp modSp">
+        <pc:chgData name="jacopo losi" userId="6975c7b5cccccadf" providerId="LiveId" clId="{15F3DA1A-5491-411D-9E87-5BEC2B26EC3A}" dt="2019-12-09T08:47:52.614" v="507" actId="14100"/>
+        <pc:sldMkLst>
+          <pc:docMk/>
+          <pc:sldMk cId="3457020891" sldId="258"/>
+        </pc:sldMkLst>
+        <pc:spChg chg="add mod">
+          <ac:chgData name="jacopo losi" userId="6975c7b5cccccadf" providerId="LiveId" clId="{15F3DA1A-5491-411D-9E87-5BEC2B26EC3A}" dt="2019-12-09T08:43:45.757" v="419" actId="14100"/>
+          <ac:spMkLst>
+            <pc:docMk/>
+            <pc:sldMk cId="3457020891" sldId="258"/>
+            <ac:spMk id="3" creationId="{658CDD94-C9FB-4FD3-8372-C71C5335D81B}"/>
+          </ac:spMkLst>
+        </pc:spChg>
+        <pc:spChg chg="add del mod">
+          <ac:chgData name="jacopo losi" userId="6975c7b5cccccadf" providerId="LiveId" clId="{15F3DA1A-5491-411D-9E87-5BEC2B26EC3A}" dt="2019-12-09T08:44:45.394" v="437"/>
+          <ac:spMkLst>
+            <pc:docMk/>
+            <pc:sldMk cId="3457020891" sldId="258"/>
+            <ac:spMk id="4" creationId="{D97561C5-7EFF-4C00-BF85-6E1CBCE24A65}"/>
+          </ac:spMkLst>
+        </pc:spChg>
+        <pc:spChg chg="add mod">
+          <ac:chgData name="jacopo losi" userId="6975c7b5cccccadf" providerId="LiveId" clId="{15F3DA1A-5491-411D-9E87-5BEC2B26EC3A}" dt="2019-12-09T08:47:52.614" v="507" actId="14100"/>
+          <ac:spMkLst>
+            <pc:docMk/>
+            <pc:sldMk cId="3457020891" sldId="258"/>
+            <ac:spMk id="6" creationId="{B700C35C-9112-496D-A366-E3A2DA02F843}"/>
+          </ac:spMkLst>
+        </pc:spChg>
+      </pc:sldChg>
+      <pc:sldChg chg="addSp delSp modSp">
+        <pc:chgData name="jacopo losi" userId="6975c7b5cccccadf" providerId="LiveId" clId="{15F3DA1A-5491-411D-9E87-5BEC2B26EC3A}" dt="2019-12-09T08:48:01.481" v="511" actId="20577"/>
+        <pc:sldMkLst>
+          <pc:docMk/>
+          <pc:sldMk cId="4250302975" sldId="259"/>
+        </pc:sldMkLst>
+        <pc:spChg chg="add del">
+          <ac:chgData name="jacopo losi" userId="6975c7b5cccccadf" providerId="LiveId" clId="{15F3DA1A-5491-411D-9E87-5BEC2B26EC3A}" dt="2019-12-09T08:42:54.177" v="371"/>
+          <ac:spMkLst>
+            <pc:docMk/>
+            <pc:sldMk cId="4250302975" sldId="259"/>
+            <ac:spMk id="7" creationId="{B85D42A5-44A2-4589-B229-20D97534824A}"/>
+          </ac:spMkLst>
+        </pc:spChg>
+        <pc:spChg chg="add">
+          <ac:chgData name="jacopo losi" userId="6975c7b5cccccadf" providerId="LiveId" clId="{15F3DA1A-5491-411D-9E87-5BEC2B26EC3A}" dt="2019-12-09T08:43:55.408" v="421"/>
+          <ac:spMkLst>
+            <pc:docMk/>
+            <pc:sldMk cId="4250302975" sldId="259"/>
+            <ac:spMk id="8" creationId="{8FA2DFCE-353F-4118-AF9C-EE9D60C39EA7}"/>
+          </ac:spMkLst>
+        </pc:spChg>
+        <pc:spChg chg="add mod">
+          <ac:chgData name="jacopo losi" userId="6975c7b5cccccadf" providerId="LiveId" clId="{15F3DA1A-5491-411D-9E87-5BEC2B26EC3A}" dt="2019-12-09T08:48:01.481" v="511" actId="20577"/>
+          <ac:spMkLst>
+            <pc:docMk/>
+            <pc:sldMk cId="4250302975" sldId="259"/>
+            <ac:spMk id="9" creationId="{B75C7F56-6381-498D-BB97-78D0DAC138E4}"/>
+          </ac:spMkLst>
+        </pc:spChg>
+      </pc:sldChg>
+      <pc:sldChg chg="addSp delSp modSp">
+        <pc:chgData name="jacopo losi" userId="6975c7b5cccccadf" providerId="LiveId" clId="{15F3DA1A-5491-411D-9E87-5BEC2B26EC3A}" dt="2019-12-09T08:48:05.951" v="513" actId="20577"/>
         <pc:sldMkLst>
           <pc:docMk/>
           <pc:sldMk cId="2731551174" sldId="260"/>
         </pc:sldMkLst>
+        <pc:spChg chg="add del">
+          <ac:chgData name="jacopo losi" userId="6975c7b5cccccadf" providerId="LiveId" clId="{15F3DA1A-5491-411D-9E87-5BEC2B26EC3A}" dt="2019-12-09T08:42:53.967" v="370"/>
+          <ac:spMkLst>
+            <pc:docMk/>
+            <pc:sldMk cId="2731551174" sldId="260"/>
+            <ac:spMk id="6" creationId="{DEF65330-F153-4546-B769-9108EB3CC2CF}"/>
+          </ac:spMkLst>
+        </pc:spChg>
+        <pc:spChg chg="add">
+          <ac:chgData name="jacopo losi" userId="6975c7b5cccccadf" providerId="LiveId" clId="{15F3DA1A-5491-411D-9E87-5BEC2B26EC3A}" dt="2019-12-09T08:43:58.432" v="422"/>
+          <ac:spMkLst>
+            <pc:docMk/>
+            <pc:sldMk cId="2731551174" sldId="260"/>
+            <ac:spMk id="8" creationId="{0DFD61B1-D908-495C-9AAD-4A7675FEDD57}"/>
+          </ac:spMkLst>
+        </pc:spChg>
+        <pc:spChg chg="add mod">
+          <ac:chgData name="jacopo losi" userId="6975c7b5cccccadf" providerId="LiveId" clId="{15F3DA1A-5491-411D-9E87-5BEC2B26EC3A}" dt="2019-12-09T08:48:05.951" v="513" actId="20577"/>
+          <ac:spMkLst>
+            <pc:docMk/>
+            <pc:sldMk cId="2731551174" sldId="260"/>
+            <ac:spMk id="10" creationId="{51256B37-BDEE-478E-B13B-5D5DB74840F0}"/>
+          </ac:spMkLst>
+        </pc:spChg>
         <pc:picChg chg="add del mod">
           <ac:chgData name="jacopo losi" userId="6975c7b5cccccadf" providerId="LiveId" clId="{15F3DA1A-5491-411D-9E87-5BEC2B26EC3A}" dt="2019-12-08T22:19:20.363" v="231" actId="478"/>
           <ac:picMkLst>
@@ -175,12 +293,36 @@
           </ac:picMkLst>
         </pc:picChg>
       </pc:sldChg>
-      <pc:sldChg chg="addSp modSp ord">
-        <pc:chgData name="jacopo losi" userId="6975c7b5cccccadf" providerId="LiveId" clId="{15F3DA1A-5491-411D-9E87-5BEC2B26EC3A}" dt="2019-12-08T22:05:53.457" v="118" actId="1076"/>
+      <pc:sldChg chg="addSp delSp modSp ord">
+        <pc:chgData name="jacopo losi" userId="6975c7b5cccccadf" providerId="LiveId" clId="{15F3DA1A-5491-411D-9E87-5BEC2B26EC3A}" dt="2019-12-09T08:48:16.903" v="517" actId="20577"/>
         <pc:sldMkLst>
           <pc:docMk/>
           <pc:sldMk cId="342514364" sldId="262"/>
         </pc:sldMkLst>
+        <pc:spChg chg="add del">
+          <ac:chgData name="jacopo losi" userId="6975c7b5cccccadf" providerId="LiveId" clId="{15F3DA1A-5491-411D-9E87-5BEC2B26EC3A}" dt="2019-12-09T08:42:53.558" v="368"/>
+          <ac:spMkLst>
+            <pc:docMk/>
+            <pc:sldMk cId="342514364" sldId="262"/>
+            <ac:spMk id="6" creationId="{A9236DBD-2ABC-4EF4-9497-FEBF12CDA14A}"/>
+          </ac:spMkLst>
+        </pc:spChg>
+        <pc:spChg chg="add">
+          <ac:chgData name="jacopo losi" userId="6975c7b5cccccadf" providerId="LiveId" clId="{15F3DA1A-5491-411D-9E87-5BEC2B26EC3A}" dt="2019-12-09T08:44:04.918" v="424"/>
+          <ac:spMkLst>
+            <pc:docMk/>
+            <pc:sldMk cId="342514364" sldId="262"/>
+            <ac:spMk id="7" creationId="{BF96A917-CFCE-4594-BF2E-DA36EA166E13}"/>
+          </ac:spMkLst>
+        </pc:spChg>
+        <pc:spChg chg="add mod">
+          <ac:chgData name="jacopo losi" userId="6975c7b5cccccadf" providerId="LiveId" clId="{15F3DA1A-5491-411D-9E87-5BEC2B26EC3A}" dt="2019-12-09T08:48:16.903" v="517" actId="20577"/>
+          <ac:spMkLst>
+            <pc:docMk/>
+            <pc:sldMk cId="342514364" sldId="262"/>
+            <ac:spMk id="8" creationId="{CD5E7F38-36E3-4F69-BA77-9AA36749717A}"/>
+          </ac:spMkLst>
+        </pc:spChg>
         <pc:picChg chg="add mod">
           <ac:chgData name="jacopo losi" userId="6975c7b5cccccadf" providerId="LiveId" clId="{15F3DA1A-5491-411D-9E87-5BEC2B26EC3A}" dt="2019-12-08T22:05:53.457" v="118" actId="1076"/>
           <ac:picMkLst>
@@ -190,12 +332,44 @@
           </ac:picMkLst>
         </pc:picChg>
       </pc:sldChg>
-      <pc:sldChg chg="addSp modSp">
-        <pc:chgData name="jacopo losi" userId="6975c7b5cccccadf" providerId="LiveId" clId="{15F3DA1A-5491-411D-9E87-5BEC2B26EC3A}" dt="2019-12-08T22:09:04.784" v="133" actId="1076"/>
+      <pc:sldChg chg="addSp delSp modSp">
+        <pc:chgData name="jacopo losi" userId="6975c7b5cccccadf" providerId="LiveId" clId="{15F3DA1A-5491-411D-9E87-5BEC2B26EC3A}" dt="2019-12-09T09:07:11.888" v="917" actId="20577"/>
         <pc:sldMkLst>
           <pc:docMk/>
           <pc:sldMk cId="126330173" sldId="263"/>
         </pc:sldMkLst>
+        <pc:spChg chg="add mod">
+          <ac:chgData name="jacopo losi" userId="6975c7b5cccccadf" providerId="LiveId" clId="{15F3DA1A-5491-411D-9E87-5BEC2B26EC3A}" dt="2019-12-09T09:07:11.888" v="917" actId="20577"/>
+          <ac:spMkLst>
+            <pc:docMk/>
+            <pc:sldMk cId="126330173" sldId="263"/>
+            <ac:spMk id="2" creationId="{E9CDC25C-DBDA-409B-9062-4E0F802B0A94}"/>
+          </ac:spMkLst>
+        </pc:spChg>
+        <pc:spChg chg="add del">
+          <ac:chgData name="jacopo losi" userId="6975c7b5cccccadf" providerId="LiveId" clId="{15F3DA1A-5491-411D-9E87-5BEC2B26EC3A}" dt="2019-12-09T08:42:53.348" v="367"/>
+          <ac:spMkLst>
+            <pc:docMk/>
+            <pc:sldMk cId="126330173" sldId="263"/>
+            <ac:spMk id="6" creationId="{3A21C883-539E-406B-879F-CD76F2361A12}"/>
+          </ac:spMkLst>
+        </pc:spChg>
+        <pc:spChg chg="add">
+          <ac:chgData name="jacopo losi" userId="6975c7b5cccccadf" providerId="LiveId" clId="{15F3DA1A-5491-411D-9E87-5BEC2B26EC3A}" dt="2019-12-09T08:44:07.254" v="425"/>
+          <ac:spMkLst>
+            <pc:docMk/>
+            <pc:sldMk cId="126330173" sldId="263"/>
+            <ac:spMk id="7" creationId="{87575AF8-6522-4668-8791-55F1FD7FF8F3}"/>
+          </ac:spMkLst>
+        </pc:spChg>
+        <pc:spChg chg="add mod">
+          <ac:chgData name="jacopo losi" userId="6975c7b5cccccadf" providerId="LiveId" clId="{15F3DA1A-5491-411D-9E87-5BEC2B26EC3A}" dt="2019-12-09T08:48:21.050" v="519" actId="20577"/>
+          <ac:spMkLst>
+            <pc:docMk/>
+            <pc:sldMk cId="126330173" sldId="263"/>
+            <ac:spMk id="8" creationId="{0B877EFB-A968-48CC-8519-B305D6BC8955}"/>
+          </ac:spMkLst>
+        </pc:spChg>
         <pc:picChg chg="add mod">
           <ac:chgData name="jacopo losi" userId="6975c7b5cccccadf" providerId="LiveId" clId="{15F3DA1A-5491-411D-9E87-5BEC2B26EC3A}" dt="2019-12-08T22:09:04.784" v="133" actId="1076"/>
           <ac:picMkLst>
@@ -205,8 +379,8 @@
           </ac:picMkLst>
         </pc:picChg>
       </pc:sldChg>
-      <pc:sldChg chg="addSp modSp ord">
-        <pc:chgData name="jacopo losi" userId="6975c7b5cccccadf" providerId="LiveId" clId="{15F3DA1A-5491-411D-9E87-5BEC2B26EC3A}" dt="2019-12-08T22:09:46.342" v="136" actId="20577"/>
+      <pc:sldChg chg="addSp delSp modSp ord">
+        <pc:chgData name="jacopo losi" userId="6975c7b5cccccadf" providerId="LiveId" clId="{15F3DA1A-5491-411D-9E87-5BEC2B26EC3A}" dt="2019-12-09T08:48:44.550" v="531" actId="20577"/>
         <pc:sldMkLst>
           <pc:docMk/>
           <pc:sldMk cId="1078916507" sldId="264"/>
@@ -217,6 +391,30 @@
             <pc:docMk/>
             <pc:sldMk cId="1078916507" sldId="264"/>
             <ac:spMk id="3" creationId="{3B1DDAF8-ACFC-4239-B5AD-1406F146ECA8}"/>
+          </ac:spMkLst>
+        </pc:spChg>
+        <pc:spChg chg="add del">
+          <ac:chgData name="jacopo losi" userId="6975c7b5cccccadf" providerId="LiveId" clId="{15F3DA1A-5491-411D-9E87-5BEC2B26EC3A}" dt="2019-12-09T08:42:52.263" v="362"/>
+          <ac:spMkLst>
+            <pc:docMk/>
+            <pc:sldMk cId="1078916507" sldId="264"/>
+            <ac:spMk id="6" creationId="{3EA70BA4-F835-4C3F-B323-6B50A926A210}"/>
+          </ac:spMkLst>
+        </pc:spChg>
+        <pc:spChg chg="add">
+          <ac:chgData name="jacopo losi" userId="6975c7b5cccccadf" providerId="LiveId" clId="{15F3DA1A-5491-411D-9E87-5BEC2B26EC3A}" dt="2019-12-09T08:44:18.572" v="430"/>
+          <ac:spMkLst>
+            <pc:docMk/>
+            <pc:sldMk cId="1078916507" sldId="264"/>
+            <ac:spMk id="8" creationId="{8444D916-6F9E-4768-902F-161CD9135C82}"/>
+          </ac:spMkLst>
+        </pc:spChg>
+        <pc:spChg chg="add mod">
+          <ac:chgData name="jacopo losi" userId="6975c7b5cccccadf" providerId="LiveId" clId="{15F3DA1A-5491-411D-9E87-5BEC2B26EC3A}" dt="2019-12-09T08:48:44.550" v="531" actId="20577"/>
+          <ac:spMkLst>
+            <pc:docMk/>
+            <pc:sldMk cId="1078916507" sldId="264"/>
+            <ac:spMk id="9" creationId="{3955C0B2-0AF6-4B0E-85F6-B3F6D5DC9042}"/>
           </ac:spMkLst>
         </pc:spChg>
         <pc:picChg chg="add mod">
@@ -236,12 +434,36 @@
           </ac:picMkLst>
         </pc:picChg>
       </pc:sldChg>
-      <pc:sldChg chg="addSp modSp ord">
-        <pc:chgData name="jacopo losi" userId="6975c7b5cccccadf" providerId="LiveId" clId="{15F3DA1A-5491-411D-9E87-5BEC2B26EC3A}" dt="2019-12-08T22:05:23.318" v="110" actId="1076"/>
+      <pc:sldChg chg="addSp delSp modSp ord">
+        <pc:chgData name="jacopo losi" userId="6975c7b5cccccadf" providerId="LiveId" clId="{15F3DA1A-5491-411D-9E87-5BEC2B26EC3A}" dt="2019-12-09T08:48:49.003" v="533" actId="20577"/>
         <pc:sldMkLst>
           <pc:docMk/>
           <pc:sldMk cId="2124831787" sldId="265"/>
         </pc:sldMkLst>
+        <pc:spChg chg="add del">
+          <ac:chgData name="jacopo losi" userId="6975c7b5cccccadf" providerId="LiveId" clId="{15F3DA1A-5491-411D-9E87-5BEC2B26EC3A}" dt="2019-12-09T08:42:52.044" v="361"/>
+          <ac:spMkLst>
+            <pc:docMk/>
+            <pc:sldMk cId="2124831787" sldId="265"/>
+            <ac:spMk id="6" creationId="{F5374016-69BC-4452-A04A-109FFA62B94F}"/>
+          </ac:spMkLst>
+        </pc:spChg>
+        <pc:spChg chg="add">
+          <ac:chgData name="jacopo losi" userId="6975c7b5cccccadf" providerId="LiveId" clId="{15F3DA1A-5491-411D-9E87-5BEC2B26EC3A}" dt="2019-12-09T08:44:20.613" v="431"/>
+          <ac:spMkLst>
+            <pc:docMk/>
+            <pc:sldMk cId="2124831787" sldId="265"/>
+            <ac:spMk id="7" creationId="{91802E87-B157-4A2F-98A3-33AF41ACD4F1}"/>
+          </ac:spMkLst>
+        </pc:spChg>
+        <pc:spChg chg="add mod">
+          <ac:chgData name="jacopo losi" userId="6975c7b5cccccadf" providerId="LiveId" clId="{15F3DA1A-5491-411D-9E87-5BEC2B26EC3A}" dt="2019-12-09T08:48:49.003" v="533" actId="20577"/>
+          <ac:spMkLst>
+            <pc:docMk/>
+            <pc:sldMk cId="2124831787" sldId="265"/>
+            <ac:spMk id="8" creationId="{8417ED17-65FD-46B4-8C22-4A8A76CA6C61}"/>
+          </ac:spMkLst>
+        </pc:spChg>
         <pc:picChg chg="add mod">
           <ac:chgData name="jacopo losi" userId="6975c7b5cccccadf" providerId="LiveId" clId="{15F3DA1A-5491-411D-9E87-5BEC2B26EC3A}" dt="2019-12-08T22:05:23.318" v="110" actId="1076"/>
           <ac:picMkLst>
@@ -252,7 +474,7 @@
         </pc:picChg>
       </pc:sldChg>
       <pc:sldChg chg="addSp delSp modSp ord">
-        <pc:chgData name="jacopo losi" userId="6975c7b5cccccadf" providerId="LiveId" clId="{15F3DA1A-5491-411D-9E87-5BEC2B26EC3A}" dt="2019-12-08T22:15:20.872" v="199" actId="20577"/>
+        <pc:chgData name="jacopo losi" userId="6975c7b5cccccadf" providerId="LiveId" clId="{15F3DA1A-5491-411D-9E87-5BEC2B26EC3A}" dt="2019-12-09T08:48:39.800" v="529" actId="20577"/>
         <pc:sldMkLst>
           <pc:docMk/>
           <pc:sldMk cId="2753424814" sldId="266"/>
@@ -263,6 +485,30 @@
             <pc:docMk/>
             <pc:sldMk cId="2753424814" sldId="266"/>
             <ac:spMk id="3" creationId="{3B1DDAF8-ACFC-4239-B5AD-1406F146ECA8}"/>
+          </ac:spMkLst>
+        </pc:spChg>
+        <pc:spChg chg="add del">
+          <ac:chgData name="jacopo losi" userId="6975c7b5cccccadf" providerId="LiveId" clId="{15F3DA1A-5491-411D-9E87-5BEC2B26EC3A}" dt="2019-12-09T08:42:52.493" v="363"/>
+          <ac:spMkLst>
+            <pc:docMk/>
+            <pc:sldMk cId="2753424814" sldId="266"/>
+            <ac:spMk id="6" creationId="{B4BB60D8-C4C9-4D30-ABDB-CC5737E15D27}"/>
+          </ac:spMkLst>
+        </pc:spChg>
+        <pc:spChg chg="add">
+          <ac:chgData name="jacopo losi" userId="6975c7b5cccccadf" providerId="LiveId" clId="{15F3DA1A-5491-411D-9E87-5BEC2B26EC3A}" dt="2019-12-09T08:44:16.816" v="429"/>
+          <ac:spMkLst>
+            <pc:docMk/>
+            <pc:sldMk cId="2753424814" sldId="266"/>
+            <ac:spMk id="7" creationId="{F77AEE5B-0161-481E-85BF-FEE2B891D27D}"/>
+          </ac:spMkLst>
+        </pc:spChg>
+        <pc:spChg chg="add mod">
+          <ac:chgData name="jacopo losi" userId="6975c7b5cccccadf" providerId="LiveId" clId="{15F3DA1A-5491-411D-9E87-5BEC2B26EC3A}" dt="2019-12-09T08:48:39.800" v="529" actId="20577"/>
+          <ac:spMkLst>
+            <pc:docMk/>
+            <pc:sldMk cId="2753424814" sldId="266"/>
+            <ac:spMk id="8" creationId="{D565E502-0F73-4468-979F-62BF2A4895E4}"/>
           </ac:spMkLst>
         </pc:spChg>
         <pc:picChg chg="add mod">
@@ -298,12 +544,36 @@
           </ac:picMkLst>
         </pc:picChg>
       </pc:sldChg>
-      <pc:sldChg chg="addSp modSp">
-        <pc:chgData name="jacopo losi" userId="6975c7b5cccccadf" providerId="LiveId" clId="{15F3DA1A-5491-411D-9E87-5BEC2B26EC3A}" dt="2019-12-08T22:05:38.867" v="115" actId="1076"/>
+      <pc:sldChg chg="addSp delSp modSp">
+        <pc:chgData name="jacopo losi" userId="6975c7b5cccccadf" providerId="LiveId" clId="{15F3DA1A-5491-411D-9E87-5BEC2B26EC3A}" dt="2019-12-09T08:48:54.201" v="535" actId="20577"/>
         <pc:sldMkLst>
           <pc:docMk/>
           <pc:sldMk cId="1443627318" sldId="267"/>
         </pc:sldMkLst>
+        <pc:spChg chg="add del mod">
+          <ac:chgData name="jacopo losi" userId="6975c7b5cccccadf" providerId="LiveId" clId="{15F3DA1A-5491-411D-9E87-5BEC2B26EC3A}" dt="2019-12-09T08:42:51.793" v="360"/>
+          <ac:spMkLst>
+            <pc:docMk/>
+            <pc:sldMk cId="1443627318" sldId="267"/>
+            <ac:spMk id="6" creationId="{5BAADACD-BABA-4BFA-B50C-F3414D836B82}"/>
+          </ac:spMkLst>
+        </pc:spChg>
+        <pc:spChg chg="add">
+          <ac:chgData name="jacopo losi" userId="6975c7b5cccccadf" providerId="LiveId" clId="{15F3DA1A-5491-411D-9E87-5BEC2B26EC3A}" dt="2019-12-09T08:44:22.790" v="432"/>
+          <ac:spMkLst>
+            <pc:docMk/>
+            <pc:sldMk cId="1443627318" sldId="267"/>
+            <ac:spMk id="7" creationId="{4BF1D520-1DEC-4D99-B06F-34A47DB4A2A1}"/>
+          </ac:spMkLst>
+        </pc:spChg>
+        <pc:spChg chg="add mod">
+          <ac:chgData name="jacopo losi" userId="6975c7b5cccccadf" providerId="LiveId" clId="{15F3DA1A-5491-411D-9E87-5BEC2B26EC3A}" dt="2019-12-09T08:48:54.201" v="535" actId="20577"/>
+          <ac:spMkLst>
+            <pc:docMk/>
+            <pc:sldMk cId="1443627318" sldId="267"/>
+            <ac:spMk id="8" creationId="{99A78D44-F3CD-4081-BEEA-7473E210B568}"/>
+          </ac:spMkLst>
+        </pc:spChg>
         <pc:picChg chg="add mod">
           <ac:chgData name="jacopo losi" userId="6975c7b5cccccadf" providerId="LiveId" clId="{15F3DA1A-5491-411D-9E87-5BEC2B26EC3A}" dt="2019-12-08T22:05:38.867" v="115" actId="1076"/>
           <ac:picMkLst>
@@ -314,7 +584,7 @@
         </pc:picChg>
       </pc:sldChg>
       <pc:sldChg chg="addSp delSp modSp add">
-        <pc:chgData name="jacopo losi" userId="6975c7b5cccccadf" providerId="LiveId" clId="{15F3DA1A-5491-411D-9E87-5BEC2B26EC3A}" dt="2019-12-08T22:15:11.083" v="179" actId="20577"/>
+        <pc:chgData name="jacopo losi" userId="6975c7b5cccccadf" providerId="LiveId" clId="{15F3DA1A-5491-411D-9E87-5BEC2B26EC3A}" dt="2019-12-09T08:48:35.684" v="527" actId="20577"/>
         <pc:sldMkLst>
           <pc:docMk/>
           <pc:sldMk cId="69213707" sldId="268"/>
@@ -325,6 +595,30 @@
             <pc:docMk/>
             <pc:sldMk cId="69213707" sldId="268"/>
             <ac:spMk id="3" creationId="{3B1DDAF8-ACFC-4239-B5AD-1406F146ECA8}"/>
+          </ac:spMkLst>
+        </pc:spChg>
+        <pc:spChg chg="add del">
+          <ac:chgData name="jacopo losi" userId="6975c7b5cccccadf" providerId="LiveId" clId="{15F3DA1A-5491-411D-9E87-5BEC2B26EC3A}" dt="2019-12-09T08:42:52.692" v="364"/>
+          <ac:spMkLst>
+            <pc:docMk/>
+            <pc:sldMk cId="69213707" sldId="268"/>
+            <ac:spMk id="6" creationId="{6077941E-B069-4702-8ADA-EB48F5F34B7D}"/>
+          </ac:spMkLst>
+        </pc:spChg>
+        <pc:spChg chg="add">
+          <ac:chgData name="jacopo losi" userId="6975c7b5cccccadf" providerId="LiveId" clId="{15F3DA1A-5491-411D-9E87-5BEC2B26EC3A}" dt="2019-12-09T08:44:15.099" v="428"/>
+          <ac:spMkLst>
+            <pc:docMk/>
+            <pc:sldMk cId="69213707" sldId="268"/>
+            <ac:spMk id="7" creationId="{A59AEAF6-058F-4A56-A3D8-0CA48F866362}"/>
+          </ac:spMkLst>
+        </pc:spChg>
+        <pc:spChg chg="add mod">
+          <ac:chgData name="jacopo losi" userId="6975c7b5cccccadf" providerId="LiveId" clId="{15F3DA1A-5491-411D-9E87-5BEC2B26EC3A}" dt="2019-12-09T08:48:35.684" v="527" actId="20577"/>
+          <ac:spMkLst>
+            <pc:docMk/>
+            <pc:sldMk cId="69213707" sldId="268"/>
+            <ac:spMk id="8" creationId="{FB11102C-616E-4B45-8E3E-B15E96EA0046}"/>
           </ac:spMkLst>
         </pc:spChg>
         <pc:picChg chg="del">
@@ -369,11 +663,35 @@
         </pc:picChg>
       </pc:sldChg>
       <pc:sldChg chg="addSp delSp modSp add">
-        <pc:chgData name="jacopo losi" userId="6975c7b5cccccadf" providerId="LiveId" clId="{15F3DA1A-5491-411D-9E87-5BEC2B26EC3A}" dt="2019-12-08T22:06:04.500" v="121" actId="1076"/>
+        <pc:chgData name="jacopo losi" userId="6975c7b5cccccadf" providerId="LiveId" clId="{15F3DA1A-5491-411D-9E87-5BEC2B26EC3A}" dt="2019-12-09T08:48:10.850" v="515" actId="20577"/>
         <pc:sldMkLst>
           <pc:docMk/>
           <pc:sldMk cId="1526197859" sldId="269"/>
         </pc:sldMkLst>
+        <pc:spChg chg="add del">
+          <ac:chgData name="jacopo losi" userId="6975c7b5cccccadf" providerId="LiveId" clId="{15F3DA1A-5491-411D-9E87-5BEC2B26EC3A}" dt="2019-12-09T08:42:53.742" v="369"/>
+          <ac:spMkLst>
+            <pc:docMk/>
+            <pc:sldMk cId="1526197859" sldId="269"/>
+            <ac:spMk id="7" creationId="{72012E1F-C6DB-4FB8-B4C3-610285CF6DEF}"/>
+          </ac:spMkLst>
+        </pc:spChg>
+        <pc:spChg chg="add">
+          <ac:chgData name="jacopo losi" userId="6975c7b5cccccadf" providerId="LiveId" clId="{15F3DA1A-5491-411D-9E87-5BEC2B26EC3A}" dt="2019-12-09T08:44:01.192" v="423"/>
+          <ac:spMkLst>
+            <pc:docMk/>
+            <pc:sldMk cId="1526197859" sldId="269"/>
+            <ac:spMk id="8" creationId="{A42D0672-09FC-4E85-90DE-B4CEF7F65510}"/>
+          </ac:spMkLst>
+        </pc:spChg>
+        <pc:spChg chg="add mod">
+          <ac:chgData name="jacopo losi" userId="6975c7b5cccccadf" providerId="LiveId" clId="{15F3DA1A-5491-411D-9E87-5BEC2B26EC3A}" dt="2019-12-09T08:48:10.850" v="515" actId="20577"/>
+          <ac:spMkLst>
+            <pc:docMk/>
+            <pc:sldMk cId="1526197859" sldId="269"/>
+            <ac:spMk id="9" creationId="{6F36D432-7837-4583-91AC-18CBA24233C7}"/>
+          </ac:spMkLst>
+        </pc:spChg>
         <pc:picChg chg="del">
           <ac:chgData name="jacopo losi" userId="6975c7b5cccccadf" providerId="LiveId" clId="{15F3DA1A-5491-411D-9E87-5BEC2B26EC3A}" dt="2019-12-08T20:54:03.607" v="75" actId="478"/>
           <ac:picMkLst>
@@ -392,17 +710,49 @@
         </pc:picChg>
       </pc:sldChg>
       <pc:sldChg chg="addSp delSp modSp add ord">
-        <pc:chgData name="jacopo losi" userId="6975c7b5cccccadf" providerId="LiveId" clId="{15F3DA1A-5491-411D-9E87-5BEC2B26EC3A}" dt="2019-12-08T22:32:23.671" v="252" actId="1036"/>
+        <pc:chgData name="jacopo losi" userId="6975c7b5cccccadf" providerId="LiveId" clId="{15F3DA1A-5491-411D-9E87-5BEC2B26EC3A}" dt="2019-12-09T09:11:51.067" v="1110" actId="1076"/>
         <pc:sldMkLst>
           <pc:docMk/>
           <pc:sldMk cId="2133515375" sldId="270"/>
         </pc:sldMkLst>
+        <pc:spChg chg="add mod">
+          <ac:chgData name="jacopo losi" userId="6975c7b5cccccadf" providerId="LiveId" clId="{15F3DA1A-5491-411D-9E87-5BEC2B26EC3A}" dt="2019-12-09T09:11:35.179" v="1108" actId="790"/>
+          <ac:spMkLst>
+            <pc:docMk/>
+            <pc:sldMk cId="2133515375" sldId="270"/>
+            <ac:spMk id="2" creationId="{580AE854-2D16-4AC4-B853-862BCD271763}"/>
+          </ac:spMkLst>
+        </pc:spChg>
         <pc:spChg chg="mod">
           <ac:chgData name="jacopo losi" userId="6975c7b5cccccadf" providerId="LiveId" clId="{15F3DA1A-5491-411D-9E87-5BEC2B26EC3A}" dt="2019-12-08T22:09:58.454" v="138" actId="20577"/>
           <ac:spMkLst>
             <pc:docMk/>
             <pc:sldMk cId="2133515375" sldId="270"/>
             <ac:spMk id="3" creationId="{3B1DDAF8-ACFC-4239-B5AD-1406F146ECA8}"/>
+          </ac:spMkLst>
+        </pc:spChg>
+        <pc:spChg chg="add del">
+          <ac:chgData name="jacopo losi" userId="6975c7b5cccccadf" providerId="LiveId" clId="{15F3DA1A-5491-411D-9E87-5BEC2B26EC3A}" dt="2019-12-09T08:42:53.124" v="366"/>
+          <ac:spMkLst>
+            <pc:docMk/>
+            <pc:sldMk cId="2133515375" sldId="270"/>
+            <ac:spMk id="7" creationId="{26F1FF53-8FC5-41E6-9F12-B790F57AF5ED}"/>
+          </ac:spMkLst>
+        </pc:spChg>
+        <pc:spChg chg="add">
+          <ac:chgData name="jacopo losi" userId="6975c7b5cccccadf" providerId="LiveId" clId="{15F3DA1A-5491-411D-9E87-5BEC2B26EC3A}" dt="2019-12-09T08:44:09.656" v="426"/>
+          <ac:spMkLst>
+            <pc:docMk/>
+            <pc:sldMk cId="2133515375" sldId="270"/>
+            <ac:spMk id="8" creationId="{10A3AC13-4BE6-47A9-8105-9BE6C314B412}"/>
+          </ac:spMkLst>
+        </pc:spChg>
+        <pc:spChg chg="add mod">
+          <ac:chgData name="jacopo losi" userId="6975c7b5cccccadf" providerId="LiveId" clId="{15F3DA1A-5491-411D-9E87-5BEC2B26EC3A}" dt="2019-12-09T08:48:24.968" v="521" actId="20577"/>
+          <ac:spMkLst>
+            <pc:docMk/>
+            <pc:sldMk cId="2133515375" sldId="270"/>
+            <ac:spMk id="10" creationId="{7C3200A1-8BFF-41B8-B0B7-9A4B394BE039}"/>
           </ac:spMkLst>
         </pc:spChg>
         <pc:picChg chg="del">
@@ -414,7 +764,7 @@
           </ac:picMkLst>
         </pc:picChg>
         <pc:picChg chg="add mod">
-          <ac:chgData name="jacopo losi" userId="6975c7b5cccccadf" providerId="LiveId" clId="{15F3DA1A-5491-411D-9E87-5BEC2B26EC3A}" dt="2019-12-08T22:14:10.500" v="152" actId="1076"/>
+          <ac:chgData name="jacopo losi" userId="6975c7b5cccccadf" providerId="LiveId" clId="{15F3DA1A-5491-411D-9E87-5BEC2B26EC3A}" dt="2019-12-09T09:11:51.067" v="1110" actId="1076"/>
           <ac:picMkLst>
             <pc:docMk/>
             <pc:sldMk cId="2133515375" sldId="270"/>
@@ -429,8 +779,8 @@
             <ac:picMk id="7" creationId="{2E77A3BB-31F6-494A-9A12-C477975B4371}"/>
           </ac:picMkLst>
         </pc:picChg>
-        <pc:picChg chg="add mod">
-          <ac:chgData name="jacopo losi" userId="6975c7b5cccccadf" providerId="LiveId" clId="{15F3DA1A-5491-411D-9E87-5BEC2B26EC3A}" dt="2019-12-08T22:32:23.671" v="252" actId="1036"/>
+        <pc:picChg chg="add del mod">
+          <ac:chgData name="jacopo losi" userId="6975c7b5cccccadf" providerId="LiveId" clId="{15F3DA1A-5491-411D-9E87-5BEC2B26EC3A}" dt="2019-12-09T09:11:46.222" v="1109" actId="478"/>
           <ac:picMkLst>
             <pc:docMk/>
             <pc:sldMk cId="2133515375" sldId="270"/>
@@ -439,17 +789,57 @@
         </pc:picChg>
       </pc:sldChg>
       <pc:sldChg chg="addSp delSp modSp add ord">
-        <pc:chgData name="jacopo losi" userId="6975c7b5cccccadf" providerId="LiveId" clId="{15F3DA1A-5491-411D-9E87-5BEC2B26EC3A}" dt="2019-12-08T22:16:33.223" v="227" actId="1076"/>
+        <pc:chgData name="jacopo losi" userId="6975c7b5cccccadf" providerId="LiveId" clId="{15F3DA1A-5491-411D-9E87-5BEC2B26EC3A}" dt="2019-12-09T09:20:01.177" v="1338" actId="790"/>
         <pc:sldMkLst>
           <pc:docMk/>
           <pc:sldMk cId="1719011668" sldId="271"/>
         </pc:sldMkLst>
+        <pc:spChg chg="add mod">
+          <ac:chgData name="jacopo losi" userId="6975c7b5cccccadf" providerId="LiveId" clId="{15F3DA1A-5491-411D-9E87-5BEC2B26EC3A}" dt="2019-12-09T09:17:56.952" v="1176" actId="255"/>
+          <ac:spMkLst>
+            <pc:docMk/>
+            <pc:sldMk cId="1719011668" sldId="271"/>
+            <ac:spMk id="2" creationId="{AC67E239-E2DA-4771-82E3-10C0747DCD0D}"/>
+          </ac:spMkLst>
+        </pc:spChg>
         <pc:spChg chg="mod">
           <ac:chgData name="jacopo losi" userId="6975c7b5cccccadf" providerId="LiveId" clId="{15F3DA1A-5491-411D-9E87-5BEC2B26EC3A}" dt="2019-12-08T22:15:37.084" v="219" actId="20577"/>
           <ac:spMkLst>
             <pc:docMk/>
             <pc:sldMk cId="1719011668" sldId="271"/>
             <ac:spMk id="3" creationId="{3B1DDAF8-ACFC-4239-B5AD-1406F146ECA8}"/>
+          </ac:spMkLst>
+        </pc:spChg>
+        <pc:spChg chg="add del">
+          <ac:chgData name="jacopo losi" userId="6975c7b5cccccadf" providerId="LiveId" clId="{15F3DA1A-5491-411D-9E87-5BEC2B26EC3A}" dt="2019-12-09T08:42:52.899" v="365"/>
+          <ac:spMkLst>
+            <pc:docMk/>
+            <pc:sldMk cId="1719011668" sldId="271"/>
+            <ac:spMk id="6" creationId="{4DE0B458-EEBB-4DD6-839E-156219B70B12}"/>
+          </ac:spMkLst>
+        </pc:spChg>
+        <pc:spChg chg="add">
+          <ac:chgData name="jacopo losi" userId="6975c7b5cccccadf" providerId="LiveId" clId="{15F3DA1A-5491-411D-9E87-5BEC2B26EC3A}" dt="2019-12-09T08:44:13.117" v="427"/>
+          <ac:spMkLst>
+            <pc:docMk/>
+            <pc:sldMk cId="1719011668" sldId="271"/>
+            <ac:spMk id="7" creationId="{2444C9F4-F423-48E7-9FD1-2E7FAEB3CB98}"/>
+          </ac:spMkLst>
+        </pc:spChg>
+        <pc:spChg chg="add mod">
+          <ac:chgData name="jacopo losi" userId="6975c7b5cccccadf" providerId="LiveId" clId="{15F3DA1A-5491-411D-9E87-5BEC2B26EC3A}" dt="2019-12-09T08:48:31.201" v="525" actId="20577"/>
+          <ac:spMkLst>
+            <pc:docMk/>
+            <pc:sldMk cId="1719011668" sldId="271"/>
+            <ac:spMk id="8" creationId="{41C80402-8686-49DF-8BD5-F8CDBD6C43D8}"/>
+          </ac:spMkLst>
+        </pc:spChg>
+        <pc:spChg chg="add mod">
+          <ac:chgData name="jacopo losi" userId="6975c7b5cccccadf" providerId="LiveId" clId="{15F3DA1A-5491-411D-9E87-5BEC2B26EC3A}" dt="2019-12-09T09:20:01.177" v="1338" actId="790"/>
+          <ac:spMkLst>
+            <pc:docMk/>
+            <pc:sldMk cId="1719011668" sldId="271"/>
+            <ac:spMk id="11" creationId="{F98AB474-7C13-4E74-ABA6-A0F3BB5827D1}"/>
           </ac:spMkLst>
         </pc:spChg>
         <pc:picChg chg="add mod">
@@ -474,6 +864,45 @@
             <pc:docMk/>
             <pc:sldMk cId="1719011668" sldId="271"/>
             <ac:picMk id="10" creationId="{CAC6B8E5-51D0-4FE7-8792-A671DF7F6249}"/>
+          </ac:picMkLst>
+        </pc:picChg>
+        <pc:picChg chg="add mod">
+          <ac:chgData name="jacopo losi" userId="6975c7b5cccccadf" providerId="LiveId" clId="{15F3DA1A-5491-411D-9E87-5BEC2B26EC3A}" dt="2019-12-09T09:17:37.060" v="1173" actId="1076"/>
+          <ac:picMkLst>
+            <pc:docMk/>
+            <pc:sldMk cId="1719011668" sldId="271"/>
+            <ac:picMk id="10" creationId="{D78A745A-E571-4166-B2B8-642776E3E8F4}"/>
+          </ac:picMkLst>
+        </pc:picChg>
+      </pc:sldChg>
+      <pc:sldChg chg="delSp modSp add">
+        <pc:chgData name="jacopo losi" userId="6975c7b5cccccadf" providerId="LiveId" clId="{15F3DA1A-5491-411D-9E87-5BEC2B26EC3A}" dt="2019-12-09T08:49:44.733" v="590" actId="20577"/>
+        <pc:sldMkLst>
+          <pc:docMk/>
+          <pc:sldMk cId="2100722661" sldId="272"/>
+        </pc:sldMkLst>
+        <pc:spChg chg="mod">
+          <ac:chgData name="jacopo losi" userId="6975c7b5cccccadf" providerId="LiveId" clId="{15F3DA1A-5491-411D-9E87-5BEC2B26EC3A}" dt="2019-12-09T08:49:44.733" v="590" actId="20577"/>
+          <ac:spMkLst>
+            <pc:docMk/>
+            <pc:sldMk cId="2100722661" sldId="272"/>
+            <ac:spMk id="3" creationId="{3B1DDAF8-ACFC-4239-B5AD-1406F146ECA8}"/>
+          </ac:spMkLst>
+        </pc:spChg>
+        <pc:spChg chg="mod">
+          <ac:chgData name="jacopo losi" userId="6975c7b5cccccadf" providerId="LiveId" clId="{15F3DA1A-5491-411D-9E87-5BEC2B26EC3A}" dt="2019-12-09T08:49:24.446" v="572" actId="20577"/>
+          <ac:spMkLst>
+            <pc:docMk/>
+            <pc:sldMk cId="2100722661" sldId="272"/>
+            <ac:spMk id="8" creationId="{99A78D44-F3CD-4081-BEEA-7473E210B568}"/>
+          </ac:spMkLst>
+        </pc:spChg>
+        <pc:picChg chg="del">
+          <ac:chgData name="jacopo losi" userId="6975c7b5cccccadf" providerId="LiveId" clId="{15F3DA1A-5491-411D-9E87-5BEC2B26EC3A}" dt="2019-12-09T08:49:03.138" v="537" actId="478"/>
+          <ac:picMkLst>
+            <pc:docMk/>
+            <pc:sldMk cId="2100722661" sldId="272"/>
+            <ac:picMk id="4" creationId="{089B4EAF-C36F-41BE-84DE-836996508B89}"/>
           </ac:picMkLst>
         </pc:picChg>
       </pc:sldChg>
@@ -4106,6 +4535,237 @@
           </a:prstGeom>
         </p:spPr>
       </p:pic>
+      <p:sp>
+        <p:nvSpPr>
+          <p:cNvPr id="7" name="TextBox 6">
+            <a:extLst>
+              <a:ext uri="{FF2B5EF4-FFF2-40B4-BE49-F238E27FC236}">
+                <a16:creationId xmlns:a16="http://schemas.microsoft.com/office/drawing/2014/main" id="{2444C9F4-F423-48E7-9FD1-2E7FAEB3CB98}"/>
+              </a:ext>
+            </a:extLst>
+          </p:cNvPr>
+          <p:cNvSpPr txBox="1"/>
+          <p:nvPr/>
+        </p:nvSpPr>
+        <p:spPr>
+          <a:xfrm>
+            <a:off x="8996218" y="6308436"/>
+            <a:ext cx="2826327" cy="310784"/>
+          </a:xfrm>
+          <a:prstGeom prst="rect">
+            <a:avLst/>
+          </a:prstGeom>
+          <a:noFill/>
+        </p:spPr>
+        <p:txBody>
+          <a:bodyPr wrap="square" rtlCol="0">
+            <a:spAutoFit/>
+          </a:bodyPr>
+          <a:lstStyle/>
+          <a:p>
+            <a:pPr algn="r"/>
+            <a:r>
+              <a:rPr lang="it-IT" sz="1400" dirty="0">
+                <a:latin typeface="Cambria" panose="02040503050406030204" pitchFamily="18" charset="0"/>
+                <a:ea typeface="Cambria" panose="02040503050406030204" pitchFamily="18" charset="0"/>
+              </a:rPr>
+              <a:t>Losi, </a:t>
+            </a:r>
+            <a:r>
+              <a:rPr lang="it-IT" sz="1400" dirty="0" err="1">
+                <a:latin typeface="Cambria" panose="02040503050406030204" pitchFamily="18" charset="0"/>
+                <a:ea typeface="Cambria" panose="02040503050406030204" pitchFamily="18" charset="0"/>
+              </a:rPr>
+              <a:t>Saljoughi</a:t>
+            </a:r>
+            <a:r>
+              <a:rPr lang="it-IT" sz="1400" dirty="0">
+                <a:latin typeface="Cambria" panose="02040503050406030204" pitchFamily="18" charset="0"/>
+                <a:ea typeface="Cambria" panose="02040503050406030204" pitchFamily="18" charset="0"/>
+              </a:rPr>
+              <a:t> 09 </a:t>
+            </a:r>
+            <a:r>
+              <a:rPr lang="it-IT" sz="1400" dirty="0" err="1">
+                <a:latin typeface="Cambria" panose="02040503050406030204" pitchFamily="18" charset="0"/>
+                <a:ea typeface="Cambria" panose="02040503050406030204" pitchFamily="18" charset="0"/>
+              </a:rPr>
+              <a:t>December</a:t>
+            </a:r>
+            <a:r>
+              <a:rPr lang="it-IT" sz="1400" dirty="0">
+                <a:latin typeface="Cambria" panose="02040503050406030204" pitchFamily="18" charset="0"/>
+                <a:ea typeface="Cambria" panose="02040503050406030204" pitchFamily="18" charset="0"/>
+              </a:rPr>
+              <a:t> 2019</a:t>
+            </a:r>
+            <a:endParaRPr lang="en-GB" sz="1400" dirty="0">
+              <a:latin typeface="Cambria" panose="02040503050406030204" pitchFamily="18" charset="0"/>
+              <a:ea typeface="Cambria" panose="02040503050406030204" pitchFamily="18" charset="0"/>
+            </a:endParaRPr>
+          </a:p>
+        </p:txBody>
+      </p:sp>
+      <p:sp>
+        <p:nvSpPr>
+          <p:cNvPr id="8" name="TextBox 7">
+            <a:extLst>
+              <a:ext uri="{FF2B5EF4-FFF2-40B4-BE49-F238E27FC236}">
+                <a16:creationId xmlns:a16="http://schemas.microsoft.com/office/drawing/2014/main" id="{41C80402-8686-49DF-8BD5-F8CDBD6C43D8}"/>
+              </a:ext>
+            </a:extLst>
+          </p:cNvPr>
+          <p:cNvSpPr txBox="1"/>
+          <p:nvPr/>
+        </p:nvSpPr>
+        <p:spPr>
+          <a:xfrm>
+            <a:off x="10982036" y="264791"/>
+            <a:ext cx="840509" cy="369332"/>
+          </a:xfrm>
+          <a:prstGeom prst="rect">
+            <a:avLst/>
+          </a:prstGeom>
+          <a:noFill/>
+        </p:spPr>
+        <p:txBody>
+          <a:bodyPr wrap="square" rtlCol="0">
+            <a:spAutoFit/>
+          </a:bodyPr>
+          <a:lstStyle/>
+          <a:p>
+            <a:pPr algn="r"/>
+            <a:r>
+              <a:rPr lang="it-IT" dirty="0">
+                <a:latin typeface="Cambria" panose="02040503050406030204" pitchFamily="18" charset="0"/>
+                <a:ea typeface="Cambria" panose="02040503050406030204" pitchFamily="18" charset="0"/>
+              </a:rPr>
+              <a:t>09/15</a:t>
+            </a:r>
+            <a:endParaRPr lang="en-GB" dirty="0">
+              <a:latin typeface="Cambria" panose="02040503050406030204" pitchFamily="18" charset="0"/>
+              <a:ea typeface="Cambria" panose="02040503050406030204" pitchFamily="18" charset="0"/>
+            </a:endParaRPr>
+          </a:p>
+        </p:txBody>
+      </p:sp>
+      <p:sp>
+        <p:nvSpPr>
+          <p:cNvPr id="2" name="TextBox 1">
+            <a:extLst>
+              <a:ext uri="{FF2B5EF4-FFF2-40B4-BE49-F238E27FC236}">
+                <a16:creationId xmlns:a16="http://schemas.microsoft.com/office/drawing/2014/main" id="{AC67E239-E2DA-4771-82E3-10C0747DCD0D}"/>
+              </a:ext>
+            </a:extLst>
+          </p:cNvPr>
+          <p:cNvSpPr txBox="1"/>
+          <p:nvPr/>
+        </p:nvSpPr>
+        <p:spPr>
+          <a:xfrm>
+            <a:off x="6483927" y="2133600"/>
+            <a:ext cx="4682837" cy="430887"/>
+          </a:xfrm>
+          <a:prstGeom prst="rect">
+            <a:avLst/>
+          </a:prstGeom>
+          <a:noFill/>
+        </p:spPr>
+        <p:txBody>
+          <a:bodyPr wrap="square" rtlCol="0">
+            <a:spAutoFit/>
+          </a:bodyPr>
+          <a:lstStyle/>
+          <a:p>
+            <a:pPr algn="ctr"/>
+            <a:r>
+              <a:rPr lang="en-GB" sz="2200" dirty="0">
+                <a:latin typeface="Cambria" panose="02040503050406030204" pitchFamily="18" charset="0"/>
+                <a:ea typeface="Cambria" panose="02040503050406030204" pitchFamily="18" charset="0"/>
+              </a:rPr>
+              <a:t>Chosen the full model </a:t>
+            </a:r>
+          </a:p>
+        </p:txBody>
+      </p:sp>
+      <p:pic>
+        <p:nvPicPr>
+          <p:cNvPr id="10" name="Graphic 9">
+            <a:extLst>
+              <a:ext uri="{FF2B5EF4-FFF2-40B4-BE49-F238E27FC236}">
+                <a16:creationId xmlns:a16="http://schemas.microsoft.com/office/drawing/2014/main" id="{D78A745A-E571-4166-B2B8-642776E3E8F4}"/>
+              </a:ext>
+            </a:extLst>
+          </p:cNvPr>
+          <p:cNvPicPr>
+            <a:picLocks noChangeAspect="1"/>
+          </p:cNvPicPr>
+          <p:nvPr/>
+        </p:nvPicPr>
+        <p:blipFill>
+          <a:blip r:embed="rId4">
+            <a:extLst>
+              <a:ext uri="{28A0092B-C50C-407E-A947-70E740481C1C}">
+                <a14:useLocalDpi xmlns:a14="http://schemas.microsoft.com/office/drawing/2010/main" val="0"/>
+              </a:ext>
+              <a:ext uri="{96DAC541-7B7A-43D3-8B79-37D633B846F1}">
+                <asvg:svgBlip xmlns:asvg="http://schemas.microsoft.com/office/drawing/2016/SVG/main" r:embed="rId5"/>
+              </a:ext>
+            </a:extLst>
+          </a:blip>
+          <a:stretch>
+            <a:fillRect/>
+          </a:stretch>
+        </p:blipFill>
+        <p:spPr>
+          <a:xfrm>
+            <a:off x="8281520" y="2564523"/>
+            <a:ext cx="1087649" cy="1087649"/>
+          </a:xfrm>
+          <a:prstGeom prst="rect">
+            <a:avLst/>
+          </a:prstGeom>
+        </p:spPr>
+      </p:pic>
+      <p:sp>
+        <p:nvSpPr>
+          <p:cNvPr id="11" name="TextBox 10">
+            <a:extLst>
+              <a:ext uri="{FF2B5EF4-FFF2-40B4-BE49-F238E27FC236}">
+                <a16:creationId xmlns:a16="http://schemas.microsoft.com/office/drawing/2014/main" id="{F98AB474-7C13-4E74-ABA6-A0F3BB5827D1}"/>
+              </a:ext>
+            </a:extLst>
+          </p:cNvPr>
+          <p:cNvSpPr txBox="1"/>
+          <p:nvPr/>
+        </p:nvSpPr>
+        <p:spPr>
+          <a:xfrm>
+            <a:off x="7056579" y="3836466"/>
+            <a:ext cx="3546766" cy="1323439"/>
+          </a:xfrm>
+          <a:prstGeom prst="rect">
+            <a:avLst/>
+          </a:prstGeom>
+          <a:noFill/>
+        </p:spPr>
+        <p:txBody>
+          <a:bodyPr wrap="square" rtlCol="0">
+            <a:spAutoFit/>
+          </a:bodyPr>
+          <a:lstStyle/>
+          <a:p>
+            <a:pPr algn="ctr"/>
+            <a:r>
+              <a:rPr lang="en-GB" sz="2000" dirty="0">
+                <a:latin typeface="Cambria" panose="02040503050406030204" pitchFamily="18" charset="0"/>
+                <a:ea typeface="Cambria" panose="02040503050406030204" pitchFamily="18" charset="0"/>
+              </a:rPr>
+              <a:t>Tested model with different families of distribution and tested with leave-one-out cross-validation</a:t>
+            </a:r>
+          </a:p>
+        </p:txBody>
+      </p:sp>
     </p:spTree>
     <p:extLst>
       <p:ext uri="{BB962C8B-B14F-4D97-AF65-F5344CB8AC3E}">
@@ -4283,6 +4943,120 @@
           </a:prstGeom>
         </p:spPr>
       </p:pic>
+      <p:sp>
+        <p:nvSpPr>
+          <p:cNvPr id="7" name="TextBox 6">
+            <a:extLst>
+              <a:ext uri="{FF2B5EF4-FFF2-40B4-BE49-F238E27FC236}">
+                <a16:creationId xmlns:a16="http://schemas.microsoft.com/office/drawing/2014/main" id="{A59AEAF6-058F-4A56-A3D8-0CA48F866362}"/>
+              </a:ext>
+            </a:extLst>
+          </p:cNvPr>
+          <p:cNvSpPr txBox="1"/>
+          <p:nvPr/>
+        </p:nvSpPr>
+        <p:spPr>
+          <a:xfrm>
+            <a:off x="8996218" y="6308436"/>
+            <a:ext cx="2826327" cy="310784"/>
+          </a:xfrm>
+          <a:prstGeom prst="rect">
+            <a:avLst/>
+          </a:prstGeom>
+          <a:noFill/>
+        </p:spPr>
+        <p:txBody>
+          <a:bodyPr wrap="square" rtlCol="0">
+            <a:spAutoFit/>
+          </a:bodyPr>
+          <a:lstStyle/>
+          <a:p>
+            <a:pPr algn="r"/>
+            <a:r>
+              <a:rPr lang="it-IT" sz="1400" dirty="0">
+                <a:latin typeface="Cambria" panose="02040503050406030204" pitchFamily="18" charset="0"/>
+                <a:ea typeface="Cambria" panose="02040503050406030204" pitchFamily="18" charset="0"/>
+              </a:rPr>
+              <a:t>Losi, </a:t>
+            </a:r>
+            <a:r>
+              <a:rPr lang="it-IT" sz="1400" dirty="0" err="1">
+                <a:latin typeface="Cambria" panose="02040503050406030204" pitchFamily="18" charset="0"/>
+                <a:ea typeface="Cambria" panose="02040503050406030204" pitchFamily="18" charset="0"/>
+              </a:rPr>
+              <a:t>Saljoughi</a:t>
+            </a:r>
+            <a:r>
+              <a:rPr lang="it-IT" sz="1400" dirty="0">
+                <a:latin typeface="Cambria" panose="02040503050406030204" pitchFamily="18" charset="0"/>
+                <a:ea typeface="Cambria" panose="02040503050406030204" pitchFamily="18" charset="0"/>
+              </a:rPr>
+              <a:t> 09 </a:t>
+            </a:r>
+            <a:r>
+              <a:rPr lang="it-IT" sz="1400" dirty="0" err="1">
+                <a:latin typeface="Cambria" panose="02040503050406030204" pitchFamily="18" charset="0"/>
+                <a:ea typeface="Cambria" panose="02040503050406030204" pitchFamily="18" charset="0"/>
+              </a:rPr>
+              <a:t>December</a:t>
+            </a:r>
+            <a:r>
+              <a:rPr lang="it-IT" sz="1400" dirty="0">
+                <a:latin typeface="Cambria" panose="02040503050406030204" pitchFamily="18" charset="0"/>
+                <a:ea typeface="Cambria" panose="02040503050406030204" pitchFamily="18" charset="0"/>
+              </a:rPr>
+              <a:t> 2019</a:t>
+            </a:r>
+            <a:endParaRPr lang="en-GB" sz="1400" dirty="0">
+              <a:latin typeface="Cambria" panose="02040503050406030204" pitchFamily="18" charset="0"/>
+              <a:ea typeface="Cambria" panose="02040503050406030204" pitchFamily="18" charset="0"/>
+            </a:endParaRPr>
+          </a:p>
+        </p:txBody>
+      </p:sp>
+      <p:sp>
+        <p:nvSpPr>
+          <p:cNvPr id="8" name="TextBox 7">
+            <a:extLst>
+              <a:ext uri="{FF2B5EF4-FFF2-40B4-BE49-F238E27FC236}">
+                <a16:creationId xmlns:a16="http://schemas.microsoft.com/office/drawing/2014/main" id="{FB11102C-616E-4B45-8E3E-B15E96EA0046}"/>
+              </a:ext>
+            </a:extLst>
+          </p:cNvPr>
+          <p:cNvSpPr txBox="1"/>
+          <p:nvPr/>
+        </p:nvSpPr>
+        <p:spPr>
+          <a:xfrm>
+            <a:off x="10926618" y="264791"/>
+            <a:ext cx="895927" cy="369332"/>
+          </a:xfrm>
+          <a:prstGeom prst="rect">
+            <a:avLst/>
+          </a:prstGeom>
+          <a:noFill/>
+        </p:spPr>
+        <p:txBody>
+          <a:bodyPr wrap="square" rtlCol="0">
+            <a:spAutoFit/>
+          </a:bodyPr>
+          <a:lstStyle/>
+          <a:p>
+            <a:pPr algn="r"/>
+            <a:r>
+              <a:rPr lang="it-IT" dirty="0">
+                <a:latin typeface="Cambria" panose="02040503050406030204" pitchFamily="18" charset="0"/>
+                <a:ea typeface="Cambria" panose="02040503050406030204" pitchFamily="18" charset="0"/>
+              </a:rPr>
+              <a:t>10/15</a:t>
+            </a:r>
+            <a:endParaRPr lang="en-GB" dirty="0">
+              <a:latin typeface="Cambria" panose="02040503050406030204" pitchFamily="18" charset="0"/>
+              <a:ea typeface="Cambria" panose="02040503050406030204" pitchFamily="18" charset="0"/>
+            </a:endParaRPr>
+          </a:p>
+        </p:txBody>
+      </p:sp>
     </p:spTree>
     <p:extLst>
       <p:ext uri="{BB962C8B-B14F-4D97-AF65-F5344CB8AC3E}">
@@ -4460,6 +5234,120 @@
           </a:prstGeom>
         </p:spPr>
       </p:pic>
+      <p:sp>
+        <p:nvSpPr>
+          <p:cNvPr id="7" name="TextBox 6">
+            <a:extLst>
+              <a:ext uri="{FF2B5EF4-FFF2-40B4-BE49-F238E27FC236}">
+                <a16:creationId xmlns:a16="http://schemas.microsoft.com/office/drawing/2014/main" id="{F77AEE5B-0161-481E-85BF-FEE2B891D27D}"/>
+              </a:ext>
+            </a:extLst>
+          </p:cNvPr>
+          <p:cNvSpPr txBox="1"/>
+          <p:nvPr/>
+        </p:nvSpPr>
+        <p:spPr>
+          <a:xfrm>
+            <a:off x="8996218" y="6308436"/>
+            <a:ext cx="2826327" cy="310784"/>
+          </a:xfrm>
+          <a:prstGeom prst="rect">
+            <a:avLst/>
+          </a:prstGeom>
+          <a:noFill/>
+        </p:spPr>
+        <p:txBody>
+          <a:bodyPr wrap="square" rtlCol="0">
+            <a:spAutoFit/>
+          </a:bodyPr>
+          <a:lstStyle/>
+          <a:p>
+            <a:pPr algn="r"/>
+            <a:r>
+              <a:rPr lang="it-IT" sz="1400" dirty="0">
+                <a:latin typeface="Cambria" panose="02040503050406030204" pitchFamily="18" charset="0"/>
+                <a:ea typeface="Cambria" panose="02040503050406030204" pitchFamily="18" charset="0"/>
+              </a:rPr>
+              <a:t>Losi, </a:t>
+            </a:r>
+            <a:r>
+              <a:rPr lang="it-IT" sz="1400" dirty="0" err="1">
+                <a:latin typeface="Cambria" panose="02040503050406030204" pitchFamily="18" charset="0"/>
+                <a:ea typeface="Cambria" panose="02040503050406030204" pitchFamily="18" charset="0"/>
+              </a:rPr>
+              <a:t>Saljoughi</a:t>
+            </a:r>
+            <a:r>
+              <a:rPr lang="it-IT" sz="1400" dirty="0">
+                <a:latin typeface="Cambria" panose="02040503050406030204" pitchFamily="18" charset="0"/>
+                <a:ea typeface="Cambria" panose="02040503050406030204" pitchFamily="18" charset="0"/>
+              </a:rPr>
+              <a:t> 09 </a:t>
+            </a:r>
+            <a:r>
+              <a:rPr lang="it-IT" sz="1400" dirty="0" err="1">
+                <a:latin typeface="Cambria" panose="02040503050406030204" pitchFamily="18" charset="0"/>
+                <a:ea typeface="Cambria" panose="02040503050406030204" pitchFamily="18" charset="0"/>
+              </a:rPr>
+              <a:t>December</a:t>
+            </a:r>
+            <a:r>
+              <a:rPr lang="it-IT" sz="1400" dirty="0">
+                <a:latin typeface="Cambria" panose="02040503050406030204" pitchFamily="18" charset="0"/>
+                <a:ea typeface="Cambria" panose="02040503050406030204" pitchFamily="18" charset="0"/>
+              </a:rPr>
+              <a:t> 2019</a:t>
+            </a:r>
+            <a:endParaRPr lang="en-GB" sz="1400" dirty="0">
+              <a:latin typeface="Cambria" panose="02040503050406030204" pitchFamily="18" charset="0"/>
+              <a:ea typeface="Cambria" panose="02040503050406030204" pitchFamily="18" charset="0"/>
+            </a:endParaRPr>
+          </a:p>
+        </p:txBody>
+      </p:sp>
+      <p:sp>
+        <p:nvSpPr>
+          <p:cNvPr id="8" name="TextBox 7">
+            <a:extLst>
+              <a:ext uri="{FF2B5EF4-FFF2-40B4-BE49-F238E27FC236}">
+                <a16:creationId xmlns:a16="http://schemas.microsoft.com/office/drawing/2014/main" id="{D565E502-0F73-4468-979F-62BF2A4895E4}"/>
+              </a:ext>
+            </a:extLst>
+          </p:cNvPr>
+          <p:cNvSpPr txBox="1"/>
+          <p:nvPr/>
+        </p:nvSpPr>
+        <p:spPr>
+          <a:xfrm>
+            <a:off x="10889674" y="264791"/>
+            <a:ext cx="932872" cy="369332"/>
+          </a:xfrm>
+          <a:prstGeom prst="rect">
+            <a:avLst/>
+          </a:prstGeom>
+          <a:noFill/>
+        </p:spPr>
+        <p:txBody>
+          <a:bodyPr wrap="square" rtlCol="0">
+            <a:spAutoFit/>
+          </a:bodyPr>
+          <a:lstStyle/>
+          <a:p>
+            <a:pPr algn="r"/>
+            <a:r>
+              <a:rPr lang="it-IT" dirty="0">
+                <a:latin typeface="Cambria" panose="02040503050406030204" pitchFamily="18" charset="0"/>
+                <a:ea typeface="Cambria" panose="02040503050406030204" pitchFamily="18" charset="0"/>
+              </a:rPr>
+              <a:t>11/15</a:t>
+            </a:r>
+            <a:endParaRPr lang="en-GB" dirty="0">
+              <a:latin typeface="Cambria" panose="02040503050406030204" pitchFamily="18" charset="0"/>
+              <a:ea typeface="Cambria" panose="02040503050406030204" pitchFamily="18" charset="0"/>
+            </a:endParaRPr>
+          </a:p>
+        </p:txBody>
+      </p:sp>
     </p:spTree>
     <p:extLst>
       <p:ext uri="{BB962C8B-B14F-4D97-AF65-F5344CB8AC3E}">
@@ -4637,6 +5525,120 @@
           </a:prstGeom>
         </p:spPr>
       </p:pic>
+      <p:sp>
+        <p:nvSpPr>
+          <p:cNvPr id="8" name="TextBox 7">
+            <a:extLst>
+              <a:ext uri="{FF2B5EF4-FFF2-40B4-BE49-F238E27FC236}">
+                <a16:creationId xmlns:a16="http://schemas.microsoft.com/office/drawing/2014/main" id="{8444D916-6F9E-4768-902F-161CD9135C82}"/>
+              </a:ext>
+            </a:extLst>
+          </p:cNvPr>
+          <p:cNvSpPr txBox="1"/>
+          <p:nvPr/>
+        </p:nvSpPr>
+        <p:spPr>
+          <a:xfrm>
+            <a:off x="8996218" y="6308436"/>
+            <a:ext cx="2826327" cy="310784"/>
+          </a:xfrm>
+          <a:prstGeom prst="rect">
+            <a:avLst/>
+          </a:prstGeom>
+          <a:noFill/>
+        </p:spPr>
+        <p:txBody>
+          <a:bodyPr wrap="square" rtlCol="0">
+            <a:spAutoFit/>
+          </a:bodyPr>
+          <a:lstStyle/>
+          <a:p>
+            <a:pPr algn="r"/>
+            <a:r>
+              <a:rPr lang="it-IT" sz="1400" dirty="0">
+                <a:latin typeface="Cambria" panose="02040503050406030204" pitchFamily="18" charset="0"/>
+                <a:ea typeface="Cambria" panose="02040503050406030204" pitchFamily="18" charset="0"/>
+              </a:rPr>
+              <a:t>Losi, </a:t>
+            </a:r>
+            <a:r>
+              <a:rPr lang="it-IT" sz="1400" dirty="0" err="1">
+                <a:latin typeface="Cambria" panose="02040503050406030204" pitchFamily="18" charset="0"/>
+                <a:ea typeface="Cambria" panose="02040503050406030204" pitchFamily="18" charset="0"/>
+              </a:rPr>
+              <a:t>Saljoughi</a:t>
+            </a:r>
+            <a:r>
+              <a:rPr lang="it-IT" sz="1400" dirty="0">
+                <a:latin typeface="Cambria" panose="02040503050406030204" pitchFamily="18" charset="0"/>
+                <a:ea typeface="Cambria" panose="02040503050406030204" pitchFamily="18" charset="0"/>
+              </a:rPr>
+              <a:t> 09 </a:t>
+            </a:r>
+            <a:r>
+              <a:rPr lang="it-IT" sz="1400" dirty="0" err="1">
+                <a:latin typeface="Cambria" panose="02040503050406030204" pitchFamily="18" charset="0"/>
+                <a:ea typeface="Cambria" panose="02040503050406030204" pitchFamily="18" charset="0"/>
+              </a:rPr>
+              <a:t>December</a:t>
+            </a:r>
+            <a:r>
+              <a:rPr lang="it-IT" sz="1400" dirty="0">
+                <a:latin typeface="Cambria" panose="02040503050406030204" pitchFamily="18" charset="0"/>
+                <a:ea typeface="Cambria" panose="02040503050406030204" pitchFamily="18" charset="0"/>
+              </a:rPr>
+              <a:t> 2019</a:t>
+            </a:r>
+            <a:endParaRPr lang="en-GB" sz="1400" dirty="0">
+              <a:latin typeface="Cambria" panose="02040503050406030204" pitchFamily="18" charset="0"/>
+              <a:ea typeface="Cambria" panose="02040503050406030204" pitchFamily="18" charset="0"/>
+            </a:endParaRPr>
+          </a:p>
+        </p:txBody>
+      </p:sp>
+      <p:sp>
+        <p:nvSpPr>
+          <p:cNvPr id="9" name="TextBox 8">
+            <a:extLst>
+              <a:ext uri="{FF2B5EF4-FFF2-40B4-BE49-F238E27FC236}">
+                <a16:creationId xmlns:a16="http://schemas.microsoft.com/office/drawing/2014/main" id="{3955C0B2-0AF6-4B0E-85F6-B3F6D5DC9042}"/>
+              </a:ext>
+            </a:extLst>
+          </p:cNvPr>
+          <p:cNvSpPr txBox="1"/>
+          <p:nvPr/>
+        </p:nvSpPr>
+        <p:spPr>
+          <a:xfrm>
+            <a:off x="10926618" y="264791"/>
+            <a:ext cx="895927" cy="369332"/>
+          </a:xfrm>
+          <a:prstGeom prst="rect">
+            <a:avLst/>
+          </a:prstGeom>
+          <a:noFill/>
+        </p:spPr>
+        <p:txBody>
+          <a:bodyPr wrap="square" rtlCol="0">
+            <a:spAutoFit/>
+          </a:bodyPr>
+          <a:lstStyle/>
+          <a:p>
+            <a:pPr algn="r"/>
+            <a:r>
+              <a:rPr lang="it-IT" dirty="0">
+                <a:latin typeface="Cambria" panose="02040503050406030204" pitchFamily="18" charset="0"/>
+                <a:ea typeface="Cambria" panose="02040503050406030204" pitchFamily="18" charset="0"/>
+              </a:rPr>
+              <a:t>12/15</a:t>
+            </a:r>
+            <a:endParaRPr lang="en-GB" dirty="0">
+              <a:latin typeface="Cambria" panose="02040503050406030204" pitchFamily="18" charset="0"/>
+              <a:ea typeface="Cambria" panose="02040503050406030204" pitchFamily="18" charset="0"/>
+            </a:endParaRPr>
+          </a:p>
+        </p:txBody>
+      </p:sp>
     </p:spTree>
     <p:extLst>
       <p:ext uri="{BB962C8B-B14F-4D97-AF65-F5344CB8AC3E}">
@@ -4778,6 +5780,120 @@
           </a:prstGeom>
         </p:spPr>
       </p:pic>
+      <p:sp>
+        <p:nvSpPr>
+          <p:cNvPr id="7" name="TextBox 6">
+            <a:extLst>
+              <a:ext uri="{FF2B5EF4-FFF2-40B4-BE49-F238E27FC236}">
+                <a16:creationId xmlns:a16="http://schemas.microsoft.com/office/drawing/2014/main" id="{91802E87-B157-4A2F-98A3-33AF41ACD4F1}"/>
+              </a:ext>
+            </a:extLst>
+          </p:cNvPr>
+          <p:cNvSpPr txBox="1"/>
+          <p:nvPr/>
+        </p:nvSpPr>
+        <p:spPr>
+          <a:xfrm>
+            <a:off x="8996218" y="6308436"/>
+            <a:ext cx="2826327" cy="310784"/>
+          </a:xfrm>
+          <a:prstGeom prst="rect">
+            <a:avLst/>
+          </a:prstGeom>
+          <a:noFill/>
+        </p:spPr>
+        <p:txBody>
+          <a:bodyPr wrap="square" rtlCol="0">
+            <a:spAutoFit/>
+          </a:bodyPr>
+          <a:lstStyle/>
+          <a:p>
+            <a:pPr algn="r"/>
+            <a:r>
+              <a:rPr lang="it-IT" sz="1400" dirty="0">
+                <a:latin typeface="Cambria" panose="02040503050406030204" pitchFamily="18" charset="0"/>
+                <a:ea typeface="Cambria" panose="02040503050406030204" pitchFamily="18" charset="0"/>
+              </a:rPr>
+              <a:t>Losi, </a:t>
+            </a:r>
+            <a:r>
+              <a:rPr lang="it-IT" sz="1400" dirty="0" err="1">
+                <a:latin typeface="Cambria" panose="02040503050406030204" pitchFamily="18" charset="0"/>
+                <a:ea typeface="Cambria" panose="02040503050406030204" pitchFamily="18" charset="0"/>
+              </a:rPr>
+              <a:t>Saljoughi</a:t>
+            </a:r>
+            <a:r>
+              <a:rPr lang="it-IT" sz="1400" dirty="0">
+                <a:latin typeface="Cambria" panose="02040503050406030204" pitchFamily="18" charset="0"/>
+                <a:ea typeface="Cambria" panose="02040503050406030204" pitchFamily="18" charset="0"/>
+              </a:rPr>
+              <a:t> 09 </a:t>
+            </a:r>
+            <a:r>
+              <a:rPr lang="it-IT" sz="1400" dirty="0" err="1">
+                <a:latin typeface="Cambria" panose="02040503050406030204" pitchFamily="18" charset="0"/>
+                <a:ea typeface="Cambria" panose="02040503050406030204" pitchFamily="18" charset="0"/>
+              </a:rPr>
+              <a:t>December</a:t>
+            </a:r>
+            <a:r>
+              <a:rPr lang="it-IT" sz="1400" dirty="0">
+                <a:latin typeface="Cambria" panose="02040503050406030204" pitchFamily="18" charset="0"/>
+                <a:ea typeface="Cambria" panose="02040503050406030204" pitchFamily="18" charset="0"/>
+              </a:rPr>
+              <a:t> 2019</a:t>
+            </a:r>
+            <a:endParaRPr lang="en-GB" sz="1400" dirty="0">
+              <a:latin typeface="Cambria" panose="02040503050406030204" pitchFamily="18" charset="0"/>
+              <a:ea typeface="Cambria" panose="02040503050406030204" pitchFamily="18" charset="0"/>
+            </a:endParaRPr>
+          </a:p>
+        </p:txBody>
+      </p:sp>
+      <p:sp>
+        <p:nvSpPr>
+          <p:cNvPr id="8" name="TextBox 7">
+            <a:extLst>
+              <a:ext uri="{FF2B5EF4-FFF2-40B4-BE49-F238E27FC236}">
+                <a16:creationId xmlns:a16="http://schemas.microsoft.com/office/drawing/2014/main" id="{8417ED17-65FD-46B4-8C22-4A8A76CA6C61}"/>
+              </a:ext>
+            </a:extLst>
+          </p:cNvPr>
+          <p:cNvSpPr txBox="1"/>
+          <p:nvPr/>
+        </p:nvSpPr>
+        <p:spPr>
+          <a:xfrm>
+            <a:off x="10972800" y="264791"/>
+            <a:ext cx="849745" cy="369332"/>
+          </a:xfrm>
+          <a:prstGeom prst="rect">
+            <a:avLst/>
+          </a:prstGeom>
+          <a:noFill/>
+        </p:spPr>
+        <p:txBody>
+          <a:bodyPr wrap="square" rtlCol="0">
+            <a:spAutoFit/>
+          </a:bodyPr>
+          <a:lstStyle/>
+          <a:p>
+            <a:pPr algn="r"/>
+            <a:r>
+              <a:rPr lang="it-IT" dirty="0">
+                <a:latin typeface="Cambria" panose="02040503050406030204" pitchFamily="18" charset="0"/>
+                <a:ea typeface="Cambria" panose="02040503050406030204" pitchFamily="18" charset="0"/>
+              </a:rPr>
+              <a:t>13/15</a:t>
+            </a:r>
+            <a:endParaRPr lang="en-GB" dirty="0">
+              <a:latin typeface="Cambria" panose="02040503050406030204" pitchFamily="18" charset="0"/>
+              <a:ea typeface="Cambria" panose="02040503050406030204" pitchFamily="18" charset="0"/>
+            </a:endParaRPr>
+          </a:p>
+        </p:txBody>
+      </p:sp>
     </p:spTree>
     <p:extLst>
       <p:ext uri="{BB962C8B-B14F-4D97-AF65-F5344CB8AC3E}">
@@ -4919,6 +6035,120 @@
           </a:prstGeom>
         </p:spPr>
       </p:pic>
+      <p:sp>
+        <p:nvSpPr>
+          <p:cNvPr id="7" name="TextBox 6">
+            <a:extLst>
+              <a:ext uri="{FF2B5EF4-FFF2-40B4-BE49-F238E27FC236}">
+                <a16:creationId xmlns:a16="http://schemas.microsoft.com/office/drawing/2014/main" id="{4BF1D520-1DEC-4D99-B06F-34A47DB4A2A1}"/>
+              </a:ext>
+            </a:extLst>
+          </p:cNvPr>
+          <p:cNvSpPr txBox="1"/>
+          <p:nvPr/>
+        </p:nvSpPr>
+        <p:spPr>
+          <a:xfrm>
+            <a:off x="8996218" y="6308436"/>
+            <a:ext cx="2826327" cy="310784"/>
+          </a:xfrm>
+          <a:prstGeom prst="rect">
+            <a:avLst/>
+          </a:prstGeom>
+          <a:noFill/>
+        </p:spPr>
+        <p:txBody>
+          <a:bodyPr wrap="square" rtlCol="0">
+            <a:spAutoFit/>
+          </a:bodyPr>
+          <a:lstStyle/>
+          <a:p>
+            <a:pPr algn="r"/>
+            <a:r>
+              <a:rPr lang="it-IT" sz="1400" dirty="0">
+                <a:latin typeface="Cambria" panose="02040503050406030204" pitchFamily="18" charset="0"/>
+                <a:ea typeface="Cambria" panose="02040503050406030204" pitchFamily="18" charset="0"/>
+              </a:rPr>
+              <a:t>Losi, </a:t>
+            </a:r>
+            <a:r>
+              <a:rPr lang="it-IT" sz="1400" dirty="0" err="1">
+                <a:latin typeface="Cambria" panose="02040503050406030204" pitchFamily="18" charset="0"/>
+                <a:ea typeface="Cambria" panose="02040503050406030204" pitchFamily="18" charset="0"/>
+              </a:rPr>
+              <a:t>Saljoughi</a:t>
+            </a:r>
+            <a:r>
+              <a:rPr lang="it-IT" sz="1400" dirty="0">
+                <a:latin typeface="Cambria" panose="02040503050406030204" pitchFamily="18" charset="0"/>
+                <a:ea typeface="Cambria" panose="02040503050406030204" pitchFamily="18" charset="0"/>
+              </a:rPr>
+              <a:t> 09 </a:t>
+            </a:r>
+            <a:r>
+              <a:rPr lang="it-IT" sz="1400" dirty="0" err="1">
+                <a:latin typeface="Cambria" panose="02040503050406030204" pitchFamily="18" charset="0"/>
+                <a:ea typeface="Cambria" panose="02040503050406030204" pitchFamily="18" charset="0"/>
+              </a:rPr>
+              <a:t>December</a:t>
+            </a:r>
+            <a:r>
+              <a:rPr lang="it-IT" sz="1400" dirty="0">
+                <a:latin typeface="Cambria" panose="02040503050406030204" pitchFamily="18" charset="0"/>
+                <a:ea typeface="Cambria" panose="02040503050406030204" pitchFamily="18" charset="0"/>
+              </a:rPr>
+              <a:t> 2019</a:t>
+            </a:r>
+            <a:endParaRPr lang="en-GB" sz="1400" dirty="0">
+              <a:latin typeface="Cambria" panose="02040503050406030204" pitchFamily="18" charset="0"/>
+              <a:ea typeface="Cambria" panose="02040503050406030204" pitchFamily="18" charset="0"/>
+            </a:endParaRPr>
+          </a:p>
+        </p:txBody>
+      </p:sp>
+      <p:sp>
+        <p:nvSpPr>
+          <p:cNvPr id="8" name="TextBox 7">
+            <a:extLst>
+              <a:ext uri="{FF2B5EF4-FFF2-40B4-BE49-F238E27FC236}">
+                <a16:creationId xmlns:a16="http://schemas.microsoft.com/office/drawing/2014/main" id="{99A78D44-F3CD-4081-BEEA-7473E210B568}"/>
+              </a:ext>
+            </a:extLst>
+          </p:cNvPr>
+          <p:cNvSpPr txBox="1"/>
+          <p:nvPr/>
+        </p:nvSpPr>
+        <p:spPr>
+          <a:xfrm>
+            <a:off x="10982036" y="264791"/>
+            <a:ext cx="840509" cy="369332"/>
+          </a:xfrm>
+          <a:prstGeom prst="rect">
+            <a:avLst/>
+          </a:prstGeom>
+          <a:noFill/>
+        </p:spPr>
+        <p:txBody>
+          <a:bodyPr wrap="square" rtlCol="0">
+            <a:spAutoFit/>
+          </a:bodyPr>
+          <a:lstStyle/>
+          <a:p>
+            <a:pPr algn="r"/>
+            <a:r>
+              <a:rPr lang="it-IT" dirty="0">
+                <a:latin typeface="Cambria" panose="02040503050406030204" pitchFamily="18" charset="0"/>
+                <a:ea typeface="Cambria" panose="02040503050406030204" pitchFamily="18" charset="0"/>
+              </a:rPr>
+              <a:t>14/15</a:t>
+            </a:r>
+            <a:endParaRPr lang="en-GB" dirty="0">
+              <a:latin typeface="Cambria" panose="02040503050406030204" pitchFamily="18" charset="0"/>
+              <a:ea typeface="Cambria" panose="02040503050406030204" pitchFamily="18" charset="0"/>
+            </a:endParaRPr>
+          </a:p>
+        </p:txBody>
+      </p:sp>
     </p:spTree>
     <p:extLst>
       <p:ext uri="{BB962C8B-B14F-4D97-AF65-F5344CB8AC3E}">
@@ -4987,6 +6217,225 @@
       </p:pic>
       <p:sp>
         <p:nvSpPr>
+          <p:cNvPr id="3" name="CasellaDiTesto 2">
+            <a:extLst>
+              <a:ext uri="{FF2B5EF4-FFF2-40B4-BE49-F238E27FC236}">
+                <a16:creationId xmlns:a16="http://schemas.microsoft.com/office/drawing/2014/main" id="{3B1DDAF8-ACFC-4239-B5AD-1406F146ECA8}"/>
+              </a:ext>
+            </a:extLst>
+          </p:cNvPr>
+          <p:cNvSpPr txBox="1"/>
+          <p:nvPr/>
+        </p:nvSpPr>
+        <p:spPr>
+          <a:xfrm>
+            <a:off x="3831962" y="1128074"/>
+            <a:ext cx="4528075" cy="830997"/>
+          </a:xfrm>
+          <a:prstGeom prst="rect">
+            <a:avLst/>
+          </a:prstGeom>
+          <a:noFill/>
+        </p:spPr>
+        <p:txBody>
+          <a:bodyPr wrap="square" rtlCol="0">
+            <a:spAutoFit/>
+          </a:bodyPr>
+          <a:lstStyle/>
+          <a:p>
+            <a:pPr algn="ctr"/>
+            <a:r>
+              <a:rPr lang="en-US" sz="2400" b="1" dirty="0">
+                <a:latin typeface="Cambria" panose="02040503050406030204" pitchFamily="18" charset="0"/>
+                <a:ea typeface="Cambria" panose="02040503050406030204" pitchFamily="18" charset="0"/>
+              </a:rPr>
+              <a:t>CONCLUSION AND IMPROVEMENTS</a:t>
+            </a:r>
+          </a:p>
+        </p:txBody>
+      </p:sp>
+      <p:sp>
+        <p:nvSpPr>
+          <p:cNvPr id="7" name="TextBox 6">
+            <a:extLst>
+              <a:ext uri="{FF2B5EF4-FFF2-40B4-BE49-F238E27FC236}">
+                <a16:creationId xmlns:a16="http://schemas.microsoft.com/office/drawing/2014/main" id="{4BF1D520-1DEC-4D99-B06F-34A47DB4A2A1}"/>
+              </a:ext>
+            </a:extLst>
+          </p:cNvPr>
+          <p:cNvSpPr txBox="1"/>
+          <p:nvPr/>
+        </p:nvSpPr>
+        <p:spPr>
+          <a:xfrm>
+            <a:off x="8996218" y="6308436"/>
+            <a:ext cx="2826327" cy="310784"/>
+          </a:xfrm>
+          <a:prstGeom prst="rect">
+            <a:avLst/>
+          </a:prstGeom>
+          <a:noFill/>
+        </p:spPr>
+        <p:txBody>
+          <a:bodyPr wrap="square" rtlCol="0">
+            <a:spAutoFit/>
+          </a:bodyPr>
+          <a:lstStyle/>
+          <a:p>
+            <a:pPr algn="r"/>
+            <a:r>
+              <a:rPr lang="it-IT" sz="1400" dirty="0">
+                <a:latin typeface="Cambria" panose="02040503050406030204" pitchFamily="18" charset="0"/>
+                <a:ea typeface="Cambria" panose="02040503050406030204" pitchFamily="18" charset="0"/>
+              </a:rPr>
+              <a:t>Losi, </a:t>
+            </a:r>
+            <a:r>
+              <a:rPr lang="it-IT" sz="1400" dirty="0" err="1">
+                <a:latin typeface="Cambria" panose="02040503050406030204" pitchFamily="18" charset="0"/>
+                <a:ea typeface="Cambria" panose="02040503050406030204" pitchFamily="18" charset="0"/>
+              </a:rPr>
+              <a:t>Saljoughi</a:t>
+            </a:r>
+            <a:r>
+              <a:rPr lang="it-IT" sz="1400" dirty="0">
+                <a:latin typeface="Cambria" panose="02040503050406030204" pitchFamily="18" charset="0"/>
+                <a:ea typeface="Cambria" panose="02040503050406030204" pitchFamily="18" charset="0"/>
+              </a:rPr>
+              <a:t> 09 </a:t>
+            </a:r>
+            <a:r>
+              <a:rPr lang="it-IT" sz="1400" dirty="0" err="1">
+                <a:latin typeface="Cambria" panose="02040503050406030204" pitchFamily="18" charset="0"/>
+                <a:ea typeface="Cambria" panose="02040503050406030204" pitchFamily="18" charset="0"/>
+              </a:rPr>
+              <a:t>December</a:t>
+            </a:r>
+            <a:r>
+              <a:rPr lang="it-IT" sz="1400" dirty="0">
+                <a:latin typeface="Cambria" panose="02040503050406030204" pitchFamily="18" charset="0"/>
+                <a:ea typeface="Cambria" panose="02040503050406030204" pitchFamily="18" charset="0"/>
+              </a:rPr>
+              <a:t> 2019</a:t>
+            </a:r>
+            <a:endParaRPr lang="en-GB" sz="1400" dirty="0">
+              <a:latin typeface="Cambria" panose="02040503050406030204" pitchFamily="18" charset="0"/>
+              <a:ea typeface="Cambria" panose="02040503050406030204" pitchFamily="18" charset="0"/>
+            </a:endParaRPr>
+          </a:p>
+        </p:txBody>
+      </p:sp>
+      <p:sp>
+        <p:nvSpPr>
+          <p:cNvPr id="8" name="TextBox 7">
+            <a:extLst>
+              <a:ext uri="{FF2B5EF4-FFF2-40B4-BE49-F238E27FC236}">
+                <a16:creationId xmlns:a16="http://schemas.microsoft.com/office/drawing/2014/main" id="{99A78D44-F3CD-4081-BEEA-7473E210B568}"/>
+              </a:ext>
+            </a:extLst>
+          </p:cNvPr>
+          <p:cNvSpPr txBox="1"/>
+          <p:nvPr/>
+        </p:nvSpPr>
+        <p:spPr>
+          <a:xfrm>
+            <a:off x="10982036" y="264791"/>
+            <a:ext cx="840509" cy="369332"/>
+          </a:xfrm>
+          <a:prstGeom prst="rect">
+            <a:avLst/>
+          </a:prstGeom>
+          <a:noFill/>
+        </p:spPr>
+        <p:txBody>
+          <a:bodyPr wrap="square" rtlCol="0">
+            <a:spAutoFit/>
+          </a:bodyPr>
+          <a:lstStyle/>
+          <a:p>
+            <a:pPr algn="r"/>
+            <a:r>
+              <a:rPr lang="it-IT" dirty="0">
+                <a:latin typeface="Cambria" panose="02040503050406030204" pitchFamily="18" charset="0"/>
+                <a:ea typeface="Cambria" panose="02040503050406030204" pitchFamily="18" charset="0"/>
+              </a:rPr>
+              <a:t>15/15</a:t>
+            </a:r>
+            <a:endParaRPr lang="en-GB" dirty="0">
+              <a:latin typeface="Cambria" panose="02040503050406030204" pitchFamily="18" charset="0"/>
+              <a:ea typeface="Cambria" panose="02040503050406030204" pitchFamily="18" charset="0"/>
+            </a:endParaRPr>
+          </a:p>
+        </p:txBody>
+      </p:sp>
+    </p:spTree>
+    <p:extLst>
+      <p:ext uri="{BB962C8B-B14F-4D97-AF65-F5344CB8AC3E}">
+        <p14:creationId xmlns:p14="http://schemas.microsoft.com/office/powerpoint/2010/main" val="2100722661"/>
+      </p:ext>
+    </p:extLst>
+  </p:cSld>
+  <p:clrMapOvr>
+    <a:masterClrMapping/>
+  </p:clrMapOvr>
+</p:sld>
+</file>
+
+<file path=ppt/slides/slide17.xml><?xml version="1.0" encoding="utf-8"?>
+<p:sld xmlns:a="http://schemas.openxmlformats.org/drawingml/2006/main" xmlns:r="http://schemas.openxmlformats.org/officeDocument/2006/relationships" xmlns:p="http://schemas.openxmlformats.org/presentationml/2006/main">
+  <p:cSld>
+    <p:spTree>
+      <p:nvGrpSpPr>
+        <p:cNvPr id="1" name=""/>
+        <p:cNvGrpSpPr/>
+        <p:nvPr/>
+      </p:nvGrpSpPr>
+      <p:grpSpPr>
+        <a:xfrm>
+          <a:off x="0" y="0"/>
+          <a:ext cx="0" cy="0"/>
+          <a:chOff x="0" y="0"/>
+          <a:chExt cx="0" cy="0"/>
+        </a:xfrm>
+      </p:grpSpPr>
+      <p:pic>
+        <p:nvPicPr>
+          <p:cNvPr id="5" name="Immagine 4">
+            <a:extLst>
+              <a:ext uri="{FF2B5EF4-FFF2-40B4-BE49-F238E27FC236}">
+                <a16:creationId xmlns:a16="http://schemas.microsoft.com/office/drawing/2014/main" id="{B0EB21B6-43BB-4F54-9B14-6DDB303556FF}"/>
+              </a:ext>
+            </a:extLst>
+          </p:cNvPr>
+          <p:cNvPicPr>
+            <a:picLocks noChangeAspect="1"/>
+          </p:cNvPicPr>
+          <p:nvPr/>
+        </p:nvPicPr>
+        <p:blipFill>
+          <a:blip r:embed="rId2">
+            <a:extLst>
+              <a:ext uri="{28A0092B-C50C-407E-A947-70E740481C1C}">
+                <a14:useLocalDpi xmlns:a14="http://schemas.microsoft.com/office/drawing/2010/main" val="0"/>
+              </a:ext>
+            </a:extLst>
+          </a:blip>
+          <a:stretch>
+            <a:fillRect/>
+          </a:stretch>
+        </p:blipFill>
+        <p:spPr>
+          <a:xfrm>
+            <a:off x="528050" y="264791"/>
+            <a:ext cx="1590627" cy="1324948"/>
+          </a:xfrm>
+          <a:prstGeom prst="rect">
+            <a:avLst/>
+          </a:prstGeom>
+        </p:spPr>
+      </p:pic>
+      <p:sp>
+        <p:nvSpPr>
           <p:cNvPr id="7" name="CasellaDiTesto 6">
             <a:extLst>
               <a:ext uri="{FF2B5EF4-FFF2-40B4-BE49-F238E27FC236}">
@@ -5368,6 +6817,120 @@
           </a:p>
         </p:txBody>
       </p:sp>
+      <p:sp>
+        <p:nvSpPr>
+          <p:cNvPr id="3" name="TextBox 2">
+            <a:extLst>
+              <a:ext uri="{FF2B5EF4-FFF2-40B4-BE49-F238E27FC236}">
+                <a16:creationId xmlns:a16="http://schemas.microsoft.com/office/drawing/2014/main" id="{658CDD94-C9FB-4FD3-8372-C71C5335D81B}"/>
+              </a:ext>
+            </a:extLst>
+          </p:cNvPr>
+          <p:cNvSpPr txBox="1"/>
+          <p:nvPr/>
+        </p:nvSpPr>
+        <p:spPr>
+          <a:xfrm>
+            <a:off x="8996218" y="6308436"/>
+            <a:ext cx="2826327" cy="310784"/>
+          </a:xfrm>
+          <a:prstGeom prst="rect">
+            <a:avLst/>
+          </a:prstGeom>
+          <a:noFill/>
+        </p:spPr>
+        <p:txBody>
+          <a:bodyPr wrap="square" rtlCol="0">
+            <a:spAutoFit/>
+          </a:bodyPr>
+          <a:lstStyle/>
+          <a:p>
+            <a:pPr algn="r"/>
+            <a:r>
+              <a:rPr lang="it-IT" sz="1400" dirty="0">
+                <a:latin typeface="Cambria" panose="02040503050406030204" pitchFamily="18" charset="0"/>
+                <a:ea typeface="Cambria" panose="02040503050406030204" pitchFamily="18" charset="0"/>
+              </a:rPr>
+              <a:t>Losi, </a:t>
+            </a:r>
+            <a:r>
+              <a:rPr lang="it-IT" sz="1400" dirty="0" err="1">
+                <a:latin typeface="Cambria" panose="02040503050406030204" pitchFamily="18" charset="0"/>
+                <a:ea typeface="Cambria" panose="02040503050406030204" pitchFamily="18" charset="0"/>
+              </a:rPr>
+              <a:t>Saljoughi</a:t>
+            </a:r>
+            <a:r>
+              <a:rPr lang="it-IT" sz="1400" dirty="0">
+                <a:latin typeface="Cambria" panose="02040503050406030204" pitchFamily="18" charset="0"/>
+                <a:ea typeface="Cambria" panose="02040503050406030204" pitchFamily="18" charset="0"/>
+              </a:rPr>
+              <a:t> 09 </a:t>
+            </a:r>
+            <a:r>
+              <a:rPr lang="it-IT" sz="1400" dirty="0" err="1">
+                <a:latin typeface="Cambria" panose="02040503050406030204" pitchFamily="18" charset="0"/>
+                <a:ea typeface="Cambria" panose="02040503050406030204" pitchFamily="18" charset="0"/>
+              </a:rPr>
+              <a:t>December</a:t>
+            </a:r>
+            <a:r>
+              <a:rPr lang="it-IT" sz="1400" dirty="0">
+                <a:latin typeface="Cambria" panose="02040503050406030204" pitchFamily="18" charset="0"/>
+                <a:ea typeface="Cambria" panose="02040503050406030204" pitchFamily="18" charset="0"/>
+              </a:rPr>
+              <a:t> 2019</a:t>
+            </a:r>
+            <a:endParaRPr lang="en-GB" sz="1400" dirty="0">
+              <a:latin typeface="Cambria" panose="02040503050406030204" pitchFamily="18" charset="0"/>
+              <a:ea typeface="Cambria" panose="02040503050406030204" pitchFamily="18" charset="0"/>
+            </a:endParaRPr>
+          </a:p>
+        </p:txBody>
+      </p:sp>
+      <p:sp>
+        <p:nvSpPr>
+          <p:cNvPr id="6" name="TextBox 5">
+            <a:extLst>
+              <a:ext uri="{FF2B5EF4-FFF2-40B4-BE49-F238E27FC236}">
+                <a16:creationId xmlns:a16="http://schemas.microsoft.com/office/drawing/2014/main" id="{B700C35C-9112-496D-A366-E3A2DA02F843}"/>
+              </a:ext>
+            </a:extLst>
+          </p:cNvPr>
+          <p:cNvSpPr txBox="1"/>
+          <p:nvPr/>
+        </p:nvSpPr>
+        <p:spPr>
+          <a:xfrm>
+            <a:off x="10935856" y="264791"/>
+            <a:ext cx="886690" cy="369332"/>
+          </a:xfrm>
+          <a:prstGeom prst="rect">
+            <a:avLst/>
+          </a:prstGeom>
+          <a:noFill/>
+        </p:spPr>
+        <p:txBody>
+          <a:bodyPr wrap="square" rtlCol="0">
+            <a:spAutoFit/>
+          </a:bodyPr>
+          <a:lstStyle/>
+          <a:p>
+            <a:pPr algn="r"/>
+            <a:r>
+              <a:rPr lang="it-IT" dirty="0">
+                <a:latin typeface="Cambria" panose="02040503050406030204" pitchFamily="18" charset="0"/>
+                <a:ea typeface="Cambria" panose="02040503050406030204" pitchFamily="18" charset="0"/>
+              </a:rPr>
+              <a:t>01/15</a:t>
+            </a:r>
+            <a:endParaRPr lang="en-GB" dirty="0">
+              <a:latin typeface="Cambria" panose="02040503050406030204" pitchFamily="18" charset="0"/>
+              <a:ea typeface="Cambria" panose="02040503050406030204" pitchFamily="18" charset="0"/>
+            </a:endParaRPr>
+          </a:p>
+        </p:txBody>
+      </p:sp>
     </p:spTree>
     <p:extLst>
       <p:ext uri="{BB962C8B-B14F-4D97-AF65-F5344CB8AC3E}">
@@ -5618,6 +7181,120 @@
           </a:p>
         </p:txBody>
       </p:sp>
+      <p:sp>
+        <p:nvSpPr>
+          <p:cNvPr id="8" name="TextBox 7">
+            <a:extLst>
+              <a:ext uri="{FF2B5EF4-FFF2-40B4-BE49-F238E27FC236}">
+                <a16:creationId xmlns:a16="http://schemas.microsoft.com/office/drawing/2014/main" id="{5CEACC97-C8D9-4FF0-9098-EAD33312FA15}"/>
+              </a:ext>
+            </a:extLst>
+          </p:cNvPr>
+          <p:cNvSpPr txBox="1"/>
+          <p:nvPr/>
+        </p:nvSpPr>
+        <p:spPr>
+          <a:xfrm>
+            <a:off x="8996218" y="6308436"/>
+            <a:ext cx="2826327" cy="310784"/>
+          </a:xfrm>
+          <a:prstGeom prst="rect">
+            <a:avLst/>
+          </a:prstGeom>
+          <a:noFill/>
+        </p:spPr>
+        <p:txBody>
+          <a:bodyPr wrap="square" rtlCol="0">
+            <a:spAutoFit/>
+          </a:bodyPr>
+          <a:lstStyle/>
+          <a:p>
+            <a:pPr algn="r"/>
+            <a:r>
+              <a:rPr lang="it-IT" sz="1400" dirty="0">
+                <a:latin typeface="Cambria" panose="02040503050406030204" pitchFamily="18" charset="0"/>
+                <a:ea typeface="Cambria" panose="02040503050406030204" pitchFamily="18" charset="0"/>
+              </a:rPr>
+              <a:t>Losi, </a:t>
+            </a:r>
+            <a:r>
+              <a:rPr lang="it-IT" sz="1400" dirty="0" err="1">
+                <a:latin typeface="Cambria" panose="02040503050406030204" pitchFamily="18" charset="0"/>
+                <a:ea typeface="Cambria" panose="02040503050406030204" pitchFamily="18" charset="0"/>
+              </a:rPr>
+              <a:t>Saljoughi</a:t>
+            </a:r>
+            <a:r>
+              <a:rPr lang="it-IT" sz="1400" dirty="0">
+                <a:latin typeface="Cambria" panose="02040503050406030204" pitchFamily="18" charset="0"/>
+                <a:ea typeface="Cambria" panose="02040503050406030204" pitchFamily="18" charset="0"/>
+              </a:rPr>
+              <a:t> 09 </a:t>
+            </a:r>
+            <a:r>
+              <a:rPr lang="it-IT" sz="1400" dirty="0" err="1">
+                <a:latin typeface="Cambria" panose="02040503050406030204" pitchFamily="18" charset="0"/>
+                <a:ea typeface="Cambria" panose="02040503050406030204" pitchFamily="18" charset="0"/>
+              </a:rPr>
+              <a:t>December</a:t>
+            </a:r>
+            <a:r>
+              <a:rPr lang="it-IT" sz="1400" dirty="0">
+                <a:latin typeface="Cambria" panose="02040503050406030204" pitchFamily="18" charset="0"/>
+                <a:ea typeface="Cambria" panose="02040503050406030204" pitchFamily="18" charset="0"/>
+              </a:rPr>
+              <a:t> 2019</a:t>
+            </a:r>
+            <a:endParaRPr lang="en-GB" sz="1400" dirty="0">
+              <a:latin typeface="Cambria" panose="02040503050406030204" pitchFamily="18" charset="0"/>
+              <a:ea typeface="Cambria" panose="02040503050406030204" pitchFamily="18" charset="0"/>
+            </a:endParaRPr>
+          </a:p>
+        </p:txBody>
+      </p:sp>
+      <p:sp>
+        <p:nvSpPr>
+          <p:cNvPr id="9" name="TextBox 8">
+            <a:extLst>
+              <a:ext uri="{FF2B5EF4-FFF2-40B4-BE49-F238E27FC236}">
+                <a16:creationId xmlns:a16="http://schemas.microsoft.com/office/drawing/2014/main" id="{40C5BAE7-E0BB-4EB8-840E-B461BD6556AF}"/>
+              </a:ext>
+            </a:extLst>
+          </p:cNvPr>
+          <p:cNvSpPr txBox="1"/>
+          <p:nvPr/>
+        </p:nvSpPr>
+        <p:spPr>
+          <a:xfrm>
+            <a:off x="10954328" y="264791"/>
+            <a:ext cx="868218" cy="369332"/>
+          </a:xfrm>
+          <a:prstGeom prst="rect">
+            <a:avLst/>
+          </a:prstGeom>
+          <a:noFill/>
+        </p:spPr>
+        <p:txBody>
+          <a:bodyPr wrap="square" rtlCol="0">
+            <a:spAutoFit/>
+          </a:bodyPr>
+          <a:lstStyle/>
+          <a:p>
+            <a:pPr algn="r"/>
+            <a:r>
+              <a:rPr lang="it-IT" dirty="0">
+                <a:latin typeface="Cambria" panose="02040503050406030204" pitchFamily="18" charset="0"/>
+                <a:ea typeface="Cambria" panose="02040503050406030204" pitchFamily="18" charset="0"/>
+              </a:rPr>
+              <a:t>02/15</a:t>
+            </a:r>
+            <a:endParaRPr lang="en-GB" dirty="0">
+              <a:latin typeface="Cambria" panose="02040503050406030204" pitchFamily="18" charset="0"/>
+              <a:ea typeface="Cambria" panose="02040503050406030204" pitchFamily="18" charset="0"/>
+            </a:endParaRPr>
+          </a:p>
+        </p:txBody>
+      </p:sp>
     </p:spTree>
     <p:extLst>
       <p:ext uri="{BB962C8B-B14F-4D97-AF65-F5344CB8AC3E}">
@@ -5855,6 +7532,120 @@
           </a:p>
         </p:txBody>
       </p:sp>
+      <p:sp>
+        <p:nvSpPr>
+          <p:cNvPr id="8" name="TextBox 7">
+            <a:extLst>
+              <a:ext uri="{FF2B5EF4-FFF2-40B4-BE49-F238E27FC236}">
+                <a16:creationId xmlns:a16="http://schemas.microsoft.com/office/drawing/2014/main" id="{8FA2DFCE-353F-4118-AF9C-EE9D60C39EA7}"/>
+              </a:ext>
+            </a:extLst>
+          </p:cNvPr>
+          <p:cNvSpPr txBox="1"/>
+          <p:nvPr/>
+        </p:nvSpPr>
+        <p:spPr>
+          <a:xfrm>
+            <a:off x="8996218" y="6308436"/>
+            <a:ext cx="2826327" cy="310784"/>
+          </a:xfrm>
+          <a:prstGeom prst="rect">
+            <a:avLst/>
+          </a:prstGeom>
+          <a:noFill/>
+        </p:spPr>
+        <p:txBody>
+          <a:bodyPr wrap="square" rtlCol="0">
+            <a:spAutoFit/>
+          </a:bodyPr>
+          <a:lstStyle/>
+          <a:p>
+            <a:pPr algn="r"/>
+            <a:r>
+              <a:rPr lang="it-IT" sz="1400" dirty="0">
+                <a:latin typeface="Cambria" panose="02040503050406030204" pitchFamily="18" charset="0"/>
+                <a:ea typeface="Cambria" panose="02040503050406030204" pitchFamily="18" charset="0"/>
+              </a:rPr>
+              <a:t>Losi, </a:t>
+            </a:r>
+            <a:r>
+              <a:rPr lang="it-IT" sz="1400" dirty="0" err="1">
+                <a:latin typeface="Cambria" panose="02040503050406030204" pitchFamily="18" charset="0"/>
+                <a:ea typeface="Cambria" panose="02040503050406030204" pitchFamily="18" charset="0"/>
+              </a:rPr>
+              <a:t>Saljoughi</a:t>
+            </a:r>
+            <a:r>
+              <a:rPr lang="it-IT" sz="1400" dirty="0">
+                <a:latin typeface="Cambria" panose="02040503050406030204" pitchFamily="18" charset="0"/>
+                <a:ea typeface="Cambria" panose="02040503050406030204" pitchFamily="18" charset="0"/>
+              </a:rPr>
+              <a:t> 09 </a:t>
+            </a:r>
+            <a:r>
+              <a:rPr lang="it-IT" sz="1400" dirty="0" err="1">
+                <a:latin typeface="Cambria" panose="02040503050406030204" pitchFamily="18" charset="0"/>
+                <a:ea typeface="Cambria" panose="02040503050406030204" pitchFamily="18" charset="0"/>
+              </a:rPr>
+              <a:t>December</a:t>
+            </a:r>
+            <a:r>
+              <a:rPr lang="it-IT" sz="1400" dirty="0">
+                <a:latin typeface="Cambria" panose="02040503050406030204" pitchFamily="18" charset="0"/>
+                <a:ea typeface="Cambria" panose="02040503050406030204" pitchFamily="18" charset="0"/>
+              </a:rPr>
+              <a:t> 2019</a:t>
+            </a:r>
+            <a:endParaRPr lang="en-GB" sz="1400" dirty="0">
+              <a:latin typeface="Cambria" panose="02040503050406030204" pitchFamily="18" charset="0"/>
+              <a:ea typeface="Cambria" panose="02040503050406030204" pitchFamily="18" charset="0"/>
+            </a:endParaRPr>
+          </a:p>
+        </p:txBody>
+      </p:sp>
+      <p:sp>
+        <p:nvSpPr>
+          <p:cNvPr id="9" name="TextBox 8">
+            <a:extLst>
+              <a:ext uri="{FF2B5EF4-FFF2-40B4-BE49-F238E27FC236}">
+                <a16:creationId xmlns:a16="http://schemas.microsoft.com/office/drawing/2014/main" id="{B75C7F56-6381-498D-BB97-78D0DAC138E4}"/>
+              </a:ext>
+            </a:extLst>
+          </p:cNvPr>
+          <p:cNvSpPr txBox="1"/>
+          <p:nvPr/>
+        </p:nvSpPr>
+        <p:spPr>
+          <a:xfrm>
+            <a:off x="10917382" y="238781"/>
+            <a:ext cx="905163" cy="369332"/>
+          </a:xfrm>
+          <a:prstGeom prst="rect">
+            <a:avLst/>
+          </a:prstGeom>
+          <a:noFill/>
+        </p:spPr>
+        <p:txBody>
+          <a:bodyPr wrap="square" rtlCol="0">
+            <a:spAutoFit/>
+          </a:bodyPr>
+          <a:lstStyle/>
+          <a:p>
+            <a:pPr algn="r"/>
+            <a:r>
+              <a:rPr lang="it-IT" dirty="0">
+                <a:latin typeface="Cambria" panose="02040503050406030204" pitchFamily="18" charset="0"/>
+                <a:ea typeface="Cambria" panose="02040503050406030204" pitchFamily="18" charset="0"/>
+              </a:rPr>
+              <a:t>03/15</a:t>
+            </a:r>
+            <a:endParaRPr lang="en-GB" dirty="0">
+              <a:latin typeface="Cambria" panose="02040503050406030204" pitchFamily="18" charset="0"/>
+              <a:ea typeface="Cambria" panose="02040503050406030204" pitchFamily="18" charset="0"/>
+            </a:endParaRPr>
+          </a:p>
+        </p:txBody>
+      </p:sp>
     </p:spTree>
     <p:extLst>
       <p:ext uri="{BB962C8B-B14F-4D97-AF65-F5344CB8AC3E}">
@@ -6032,6 +7823,120 @@
           </a:prstGeom>
         </p:spPr>
       </p:pic>
+      <p:sp>
+        <p:nvSpPr>
+          <p:cNvPr id="8" name="TextBox 7">
+            <a:extLst>
+              <a:ext uri="{FF2B5EF4-FFF2-40B4-BE49-F238E27FC236}">
+                <a16:creationId xmlns:a16="http://schemas.microsoft.com/office/drawing/2014/main" id="{0DFD61B1-D908-495C-9AAD-4A7675FEDD57}"/>
+              </a:ext>
+            </a:extLst>
+          </p:cNvPr>
+          <p:cNvSpPr txBox="1"/>
+          <p:nvPr/>
+        </p:nvSpPr>
+        <p:spPr>
+          <a:xfrm>
+            <a:off x="8996218" y="6308436"/>
+            <a:ext cx="2826327" cy="310784"/>
+          </a:xfrm>
+          <a:prstGeom prst="rect">
+            <a:avLst/>
+          </a:prstGeom>
+          <a:noFill/>
+        </p:spPr>
+        <p:txBody>
+          <a:bodyPr wrap="square" rtlCol="0">
+            <a:spAutoFit/>
+          </a:bodyPr>
+          <a:lstStyle/>
+          <a:p>
+            <a:pPr algn="r"/>
+            <a:r>
+              <a:rPr lang="it-IT" sz="1400" dirty="0">
+                <a:latin typeface="Cambria" panose="02040503050406030204" pitchFamily="18" charset="0"/>
+                <a:ea typeface="Cambria" panose="02040503050406030204" pitchFamily="18" charset="0"/>
+              </a:rPr>
+              <a:t>Losi, </a:t>
+            </a:r>
+            <a:r>
+              <a:rPr lang="it-IT" sz="1400" dirty="0" err="1">
+                <a:latin typeface="Cambria" panose="02040503050406030204" pitchFamily="18" charset="0"/>
+                <a:ea typeface="Cambria" panose="02040503050406030204" pitchFamily="18" charset="0"/>
+              </a:rPr>
+              <a:t>Saljoughi</a:t>
+            </a:r>
+            <a:r>
+              <a:rPr lang="it-IT" sz="1400" dirty="0">
+                <a:latin typeface="Cambria" panose="02040503050406030204" pitchFamily="18" charset="0"/>
+                <a:ea typeface="Cambria" panose="02040503050406030204" pitchFamily="18" charset="0"/>
+              </a:rPr>
+              <a:t> 09 </a:t>
+            </a:r>
+            <a:r>
+              <a:rPr lang="it-IT" sz="1400" dirty="0" err="1">
+                <a:latin typeface="Cambria" panose="02040503050406030204" pitchFamily="18" charset="0"/>
+                <a:ea typeface="Cambria" panose="02040503050406030204" pitchFamily="18" charset="0"/>
+              </a:rPr>
+              <a:t>December</a:t>
+            </a:r>
+            <a:r>
+              <a:rPr lang="it-IT" sz="1400" dirty="0">
+                <a:latin typeface="Cambria" panose="02040503050406030204" pitchFamily="18" charset="0"/>
+                <a:ea typeface="Cambria" panose="02040503050406030204" pitchFamily="18" charset="0"/>
+              </a:rPr>
+              <a:t> 2019</a:t>
+            </a:r>
+            <a:endParaRPr lang="en-GB" sz="1400" dirty="0">
+              <a:latin typeface="Cambria" panose="02040503050406030204" pitchFamily="18" charset="0"/>
+              <a:ea typeface="Cambria" panose="02040503050406030204" pitchFamily="18" charset="0"/>
+            </a:endParaRPr>
+          </a:p>
+        </p:txBody>
+      </p:sp>
+      <p:sp>
+        <p:nvSpPr>
+          <p:cNvPr id="10" name="TextBox 9">
+            <a:extLst>
+              <a:ext uri="{FF2B5EF4-FFF2-40B4-BE49-F238E27FC236}">
+                <a16:creationId xmlns:a16="http://schemas.microsoft.com/office/drawing/2014/main" id="{51256B37-BDEE-478E-B13B-5D5DB74840F0}"/>
+              </a:ext>
+            </a:extLst>
+          </p:cNvPr>
+          <p:cNvSpPr txBox="1"/>
+          <p:nvPr/>
+        </p:nvSpPr>
+        <p:spPr>
+          <a:xfrm>
+            <a:off x="10917382" y="238781"/>
+            <a:ext cx="905163" cy="369332"/>
+          </a:xfrm>
+          <a:prstGeom prst="rect">
+            <a:avLst/>
+          </a:prstGeom>
+          <a:noFill/>
+        </p:spPr>
+        <p:txBody>
+          <a:bodyPr wrap="square" rtlCol="0">
+            <a:spAutoFit/>
+          </a:bodyPr>
+          <a:lstStyle/>
+          <a:p>
+            <a:pPr algn="r"/>
+            <a:r>
+              <a:rPr lang="it-IT" dirty="0">
+                <a:latin typeface="Cambria" panose="02040503050406030204" pitchFamily="18" charset="0"/>
+                <a:ea typeface="Cambria" panose="02040503050406030204" pitchFamily="18" charset="0"/>
+              </a:rPr>
+              <a:t>04/15</a:t>
+            </a:r>
+            <a:endParaRPr lang="en-GB" dirty="0">
+              <a:latin typeface="Cambria" panose="02040503050406030204" pitchFamily="18" charset="0"/>
+              <a:ea typeface="Cambria" panose="02040503050406030204" pitchFamily="18" charset="0"/>
+            </a:endParaRPr>
+          </a:p>
+        </p:txBody>
+      </p:sp>
     </p:spTree>
     <p:extLst>
       <p:ext uri="{BB962C8B-B14F-4D97-AF65-F5344CB8AC3E}">
@@ -6173,6 +8078,120 @@
           </a:prstGeom>
         </p:spPr>
       </p:pic>
+      <p:sp>
+        <p:nvSpPr>
+          <p:cNvPr id="8" name="TextBox 7">
+            <a:extLst>
+              <a:ext uri="{FF2B5EF4-FFF2-40B4-BE49-F238E27FC236}">
+                <a16:creationId xmlns:a16="http://schemas.microsoft.com/office/drawing/2014/main" id="{A42D0672-09FC-4E85-90DE-B4CEF7F65510}"/>
+              </a:ext>
+            </a:extLst>
+          </p:cNvPr>
+          <p:cNvSpPr txBox="1"/>
+          <p:nvPr/>
+        </p:nvSpPr>
+        <p:spPr>
+          <a:xfrm>
+            <a:off x="8996218" y="6308436"/>
+            <a:ext cx="2826327" cy="310784"/>
+          </a:xfrm>
+          <a:prstGeom prst="rect">
+            <a:avLst/>
+          </a:prstGeom>
+          <a:noFill/>
+        </p:spPr>
+        <p:txBody>
+          <a:bodyPr wrap="square" rtlCol="0">
+            <a:spAutoFit/>
+          </a:bodyPr>
+          <a:lstStyle/>
+          <a:p>
+            <a:pPr algn="r"/>
+            <a:r>
+              <a:rPr lang="it-IT" sz="1400" dirty="0">
+                <a:latin typeface="Cambria" panose="02040503050406030204" pitchFamily="18" charset="0"/>
+                <a:ea typeface="Cambria" panose="02040503050406030204" pitchFamily="18" charset="0"/>
+              </a:rPr>
+              <a:t>Losi, </a:t>
+            </a:r>
+            <a:r>
+              <a:rPr lang="it-IT" sz="1400" dirty="0" err="1">
+                <a:latin typeface="Cambria" panose="02040503050406030204" pitchFamily="18" charset="0"/>
+                <a:ea typeface="Cambria" panose="02040503050406030204" pitchFamily="18" charset="0"/>
+              </a:rPr>
+              <a:t>Saljoughi</a:t>
+            </a:r>
+            <a:r>
+              <a:rPr lang="it-IT" sz="1400" dirty="0">
+                <a:latin typeface="Cambria" panose="02040503050406030204" pitchFamily="18" charset="0"/>
+                <a:ea typeface="Cambria" panose="02040503050406030204" pitchFamily="18" charset="0"/>
+              </a:rPr>
+              <a:t> 09 </a:t>
+            </a:r>
+            <a:r>
+              <a:rPr lang="it-IT" sz="1400" dirty="0" err="1">
+                <a:latin typeface="Cambria" panose="02040503050406030204" pitchFamily="18" charset="0"/>
+                <a:ea typeface="Cambria" panose="02040503050406030204" pitchFamily="18" charset="0"/>
+              </a:rPr>
+              <a:t>December</a:t>
+            </a:r>
+            <a:r>
+              <a:rPr lang="it-IT" sz="1400" dirty="0">
+                <a:latin typeface="Cambria" panose="02040503050406030204" pitchFamily="18" charset="0"/>
+                <a:ea typeface="Cambria" panose="02040503050406030204" pitchFamily="18" charset="0"/>
+              </a:rPr>
+              <a:t> 2019</a:t>
+            </a:r>
+            <a:endParaRPr lang="en-GB" sz="1400" dirty="0">
+              <a:latin typeface="Cambria" panose="02040503050406030204" pitchFamily="18" charset="0"/>
+              <a:ea typeface="Cambria" panose="02040503050406030204" pitchFamily="18" charset="0"/>
+            </a:endParaRPr>
+          </a:p>
+        </p:txBody>
+      </p:sp>
+      <p:sp>
+        <p:nvSpPr>
+          <p:cNvPr id="9" name="TextBox 8">
+            <a:extLst>
+              <a:ext uri="{FF2B5EF4-FFF2-40B4-BE49-F238E27FC236}">
+                <a16:creationId xmlns:a16="http://schemas.microsoft.com/office/drawing/2014/main" id="{6F36D432-7837-4583-91AC-18CBA24233C7}"/>
+              </a:ext>
+            </a:extLst>
+          </p:cNvPr>
+          <p:cNvSpPr txBox="1"/>
+          <p:nvPr/>
+        </p:nvSpPr>
+        <p:spPr>
+          <a:xfrm>
+            <a:off x="10954328" y="264791"/>
+            <a:ext cx="868218" cy="369332"/>
+          </a:xfrm>
+          <a:prstGeom prst="rect">
+            <a:avLst/>
+          </a:prstGeom>
+          <a:noFill/>
+        </p:spPr>
+        <p:txBody>
+          <a:bodyPr wrap="square" rtlCol="0">
+            <a:spAutoFit/>
+          </a:bodyPr>
+          <a:lstStyle/>
+          <a:p>
+            <a:pPr algn="r"/>
+            <a:r>
+              <a:rPr lang="it-IT" dirty="0">
+                <a:latin typeface="Cambria" panose="02040503050406030204" pitchFamily="18" charset="0"/>
+                <a:ea typeface="Cambria" panose="02040503050406030204" pitchFamily="18" charset="0"/>
+              </a:rPr>
+              <a:t>05/15</a:t>
+            </a:r>
+            <a:endParaRPr lang="en-GB" dirty="0">
+              <a:latin typeface="Cambria" panose="02040503050406030204" pitchFamily="18" charset="0"/>
+              <a:ea typeface="Cambria" panose="02040503050406030204" pitchFamily="18" charset="0"/>
+            </a:endParaRPr>
+          </a:p>
+        </p:txBody>
+      </p:sp>
     </p:spTree>
     <p:extLst>
       <p:ext uri="{BB962C8B-B14F-4D97-AF65-F5344CB8AC3E}">
@@ -6314,6 +8333,120 @@
           </a:prstGeom>
         </p:spPr>
       </p:pic>
+      <p:sp>
+        <p:nvSpPr>
+          <p:cNvPr id="7" name="TextBox 6">
+            <a:extLst>
+              <a:ext uri="{FF2B5EF4-FFF2-40B4-BE49-F238E27FC236}">
+                <a16:creationId xmlns:a16="http://schemas.microsoft.com/office/drawing/2014/main" id="{BF96A917-CFCE-4594-BF2E-DA36EA166E13}"/>
+              </a:ext>
+            </a:extLst>
+          </p:cNvPr>
+          <p:cNvSpPr txBox="1"/>
+          <p:nvPr/>
+        </p:nvSpPr>
+        <p:spPr>
+          <a:xfrm>
+            <a:off x="8996218" y="6308436"/>
+            <a:ext cx="2826327" cy="310784"/>
+          </a:xfrm>
+          <a:prstGeom prst="rect">
+            <a:avLst/>
+          </a:prstGeom>
+          <a:noFill/>
+        </p:spPr>
+        <p:txBody>
+          <a:bodyPr wrap="square" rtlCol="0">
+            <a:spAutoFit/>
+          </a:bodyPr>
+          <a:lstStyle/>
+          <a:p>
+            <a:pPr algn="r"/>
+            <a:r>
+              <a:rPr lang="it-IT" sz="1400" dirty="0">
+                <a:latin typeface="Cambria" panose="02040503050406030204" pitchFamily="18" charset="0"/>
+                <a:ea typeface="Cambria" panose="02040503050406030204" pitchFamily="18" charset="0"/>
+              </a:rPr>
+              <a:t>Losi, </a:t>
+            </a:r>
+            <a:r>
+              <a:rPr lang="it-IT" sz="1400" dirty="0" err="1">
+                <a:latin typeface="Cambria" panose="02040503050406030204" pitchFamily="18" charset="0"/>
+                <a:ea typeface="Cambria" panose="02040503050406030204" pitchFamily="18" charset="0"/>
+              </a:rPr>
+              <a:t>Saljoughi</a:t>
+            </a:r>
+            <a:r>
+              <a:rPr lang="it-IT" sz="1400" dirty="0">
+                <a:latin typeface="Cambria" panose="02040503050406030204" pitchFamily="18" charset="0"/>
+                <a:ea typeface="Cambria" panose="02040503050406030204" pitchFamily="18" charset="0"/>
+              </a:rPr>
+              <a:t> 09 </a:t>
+            </a:r>
+            <a:r>
+              <a:rPr lang="it-IT" sz="1400" dirty="0" err="1">
+                <a:latin typeface="Cambria" panose="02040503050406030204" pitchFamily="18" charset="0"/>
+                <a:ea typeface="Cambria" panose="02040503050406030204" pitchFamily="18" charset="0"/>
+              </a:rPr>
+              <a:t>December</a:t>
+            </a:r>
+            <a:r>
+              <a:rPr lang="it-IT" sz="1400" dirty="0">
+                <a:latin typeface="Cambria" panose="02040503050406030204" pitchFamily="18" charset="0"/>
+                <a:ea typeface="Cambria" panose="02040503050406030204" pitchFamily="18" charset="0"/>
+              </a:rPr>
+              <a:t> 2019</a:t>
+            </a:r>
+            <a:endParaRPr lang="en-GB" sz="1400" dirty="0">
+              <a:latin typeface="Cambria" panose="02040503050406030204" pitchFamily="18" charset="0"/>
+              <a:ea typeface="Cambria" panose="02040503050406030204" pitchFamily="18" charset="0"/>
+            </a:endParaRPr>
+          </a:p>
+        </p:txBody>
+      </p:sp>
+      <p:sp>
+        <p:nvSpPr>
+          <p:cNvPr id="8" name="TextBox 7">
+            <a:extLst>
+              <a:ext uri="{FF2B5EF4-FFF2-40B4-BE49-F238E27FC236}">
+                <a16:creationId xmlns:a16="http://schemas.microsoft.com/office/drawing/2014/main" id="{CD5E7F38-36E3-4F69-BA77-9AA36749717A}"/>
+              </a:ext>
+            </a:extLst>
+          </p:cNvPr>
+          <p:cNvSpPr txBox="1"/>
+          <p:nvPr/>
+        </p:nvSpPr>
+        <p:spPr>
+          <a:xfrm>
+            <a:off x="10889674" y="264791"/>
+            <a:ext cx="932872" cy="369332"/>
+          </a:xfrm>
+          <a:prstGeom prst="rect">
+            <a:avLst/>
+          </a:prstGeom>
+          <a:noFill/>
+        </p:spPr>
+        <p:txBody>
+          <a:bodyPr wrap="square" rtlCol="0">
+            <a:spAutoFit/>
+          </a:bodyPr>
+          <a:lstStyle/>
+          <a:p>
+            <a:pPr algn="r"/>
+            <a:r>
+              <a:rPr lang="it-IT" dirty="0">
+                <a:latin typeface="Cambria" panose="02040503050406030204" pitchFamily="18" charset="0"/>
+                <a:ea typeface="Cambria" panose="02040503050406030204" pitchFamily="18" charset="0"/>
+              </a:rPr>
+              <a:t>06/15</a:t>
+            </a:r>
+            <a:endParaRPr lang="en-GB" dirty="0">
+              <a:latin typeface="Cambria" panose="02040503050406030204" pitchFamily="18" charset="0"/>
+              <a:ea typeface="Cambria" panose="02040503050406030204" pitchFamily="18" charset="0"/>
+            </a:endParaRPr>
+          </a:p>
+        </p:txBody>
+      </p:sp>
     </p:spTree>
     <p:extLst>
       <p:ext uri="{BB962C8B-B14F-4D97-AF65-F5344CB8AC3E}">
@@ -6455,6 +8588,202 @@
           </a:prstGeom>
         </p:spPr>
       </p:pic>
+      <p:sp>
+        <p:nvSpPr>
+          <p:cNvPr id="7" name="TextBox 6">
+            <a:extLst>
+              <a:ext uri="{FF2B5EF4-FFF2-40B4-BE49-F238E27FC236}">
+                <a16:creationId xmlns:a16="http://schemas.microsoft.com/office/drawing/2014/main" id="{87575AF8-6522-4668-8791-55F1FD7FF8F3}"/>
+              </a:ext>
+            </a:extLst>
+          </p:cNvPr>
+          <p:cNvSpPr txBox="1"/>
+          <p:nvPr/>
+        </p:nvSpPr>
+        <p:spPr>
+          <a:xfrm>
+            <a:off x="8996218" y="6308436"/>
+            <a:ext cx="2826327" cy="310784"/>
+          </a:xfrm>
+          <a:prstGeom prst="rect">
+            <a:avLst/>
+          </a:prstGeom>
+          <a:noFill/>
+        </p:spPr>
+        <p:txBody>
+          <a:bodyPr wrap="square" rtlCol="0">
+            <a:spAutoFit/>
+          </a:bodyPr>
+          <a:lstStyle/>
+          <a:p>
+            <a:pPr algn="r"/>
+            <a:r>
+              <a:rPr lang="it-IT" sz="1400" dirty="0">
+                <a:latin typeface="Cambria" panose="02040503050406030204" pitchFamily="18" charset="0"/>
+                <a:ea typeface="Cambria" panose="02040503050406030204" pitchFamily="18" charset="0"/>
+              </a:rPr>
+              <a:t>Losi, </a:t>
+            </a:r>
+            <a:r>
+              <a:rPr lang="it-IT" sz="1400" dirty="0" err="1">
+                <a:latin typeface="Cambria" panose="02040503050406030204" pitchFamily="18" charset="0"/>
+                <a:ea typeface="Cambria" panose="02040503050406030204" pitchFamily="18" charset="0"/>
+              </a:rPr>
+              <a:t>Saljoughi</a:t>
+            </a:r>
+            <a:r>
+              <a:rPr lang="it-IT" sz="1400" dirty="0">
+                <a:latin typeface="Cambria" panose="02040503050406030204" pitchFamily="18" charset="0"/>
+                <a:ea typeface="Cambria" panose="02040503050406030204" pitchFamily="18" charset="0"/>
+              </a:rPr>
+              <a:t> 09 </a:t>
+            </a:r>
+            <a:r>
+              <a:rPr lang="it-IT" sz="1400" dirty="0" err="1">
+                <a:latin typeface="Cambria" panose="02040503050406030204" pitchFamily="18" charset="0"/>
+                <a:ea typeface="Cambria" panose="02040503050406030204" pitchFamily="18" charset="0"/>
+              </a:rPr>
+              <a:t>December</a:t>
+            </a:r>
+            <a:r>
+              <a:rPr lang="it-IT" sz="1400" dirty="0">
+                <a:latin typeface="Cambria" panose="02040503050406030204" pitchFamily="18" charset="0"/>
+                <a:ea typeface="Cambria" panose="02040503050406030204" pitchFamily="18" charset="0"/>
+              </a:rPr>
+              <a:t> 2019</a:t>
+            </a:r>
+            <a:endParaRPr lang="en-GB" sz="1400" dirty="0">
+              <a:latin typeface="Cambria" panose="02040503050406030204" pitchFamily="18" charset="0"/>
+              <a:ea typeface="Cambria" panose="02040503050406030204" pitchFamily="18" charset="0"/>
+            </a:endParaRPr>
+          </a:p>
+        </p:txBody>
+      </p:sp>
+      <p:sp>
+        <p:nvSpPr>
+          <p:cNvPr id="8" name="TextBox 7">
+            <a:extLst>
+              <a:ext uri="{FF2B5EF4-FFF2-40B4-BE49-F238E27FC236}">
+                <a16:creationId xmlns:a16="http://schemas.microsoft.com/office/drawing/2014/main" id="{0B877EFB-A968-48CC-8519-B305D6BC8955}"/>
+              </a:ext>
+            </a:extLst>
+          </p:cNvPr>
+          <p:cNvSpPr txBox="1"/>
+          <p:nvPr/>
+        </p:nvSpPr>
+        <p:spPr>
+          <a:xfrm>
+            <a:off x="10926618" y="264791"/>
+            <a:ext cx="895927" cy="369332"/>
+          </a:xfrm>
+          <a:prstGeom prst="rect">
+            <a:avLst/>
+          </a:prstGeom>
+          <a:noFill/>
+        </p:spPr>
+        <p:txBody>
+          <a:bodyPr wrap="square" rtlCol="0">
+            <a:spAutoFit/>
+          </a:bodyPr>
+          <a:lstStyle/>
+          <a:p>
+            <a:pPr algn="r"/>
+            <a:r>
+              <a:rPr lang="it-IT" dirty="0">
+                <a:latin typeface="Cambria" panose="02040503050406030204" pitchFamily="18" charset="0"/>
+                <a:ea typeface="Cambria" panose="02040503050406030204" pitchFamily="18" charset="0"/>
+              </a:rPr>
+              <a:t>07/15</a:t>
+            </a:r>
+            <a:endParaRPr lang="en-GB" dirty="0">
+              <a:latin typeface="Cambria" panose="02040503050406030204" pitchFamily="18" charset="0"/>
+              <a:ea typeface="Cambria" panose="02040503050406030204" pitchFamily="18" charset="0"/>
+            </a:endParaRPr>
+          </a:p>
+        </p:txBody>
+      </p:sp>
+      <p:sp>
+        <p:nvSpPr>
+          <p:cNvPr id="2" name="TextBox 1">
+            <a:extLst>
+              <a:ext uri="{FF2B5EF4-FFF2-40B4-BE49-F238E27FC236}">
+                <a16:creationId xmlns:a16="http://schemas.microsoft.com/office/drawing/2014/main" id="{E9CDC25C-DBDA-409B-9062-4E0F802B0A94}"/>
+              </a:ext>
+            </a:extLst>
+          </p:cNvPr>
+          <p:cNvSpPr txBox="1"/>
+          <p:nvPr/>
+        </p:nvSpPr>
+        <p:spPr>
+          <a:xfrm>
+            <a:off x="7897091" y="2336800"/>
+            <a:ext cx="3482109" cy="3477875"/>
+          </a:xfrm>
+          <a:prstGeom prst="rect">
+            <a:avLst/>
+          </a:prstGeom>
+          <a:noFill/>
+        </p:spPr>
+        <p:txBody>
+          <a:bodyPr wrap="square" rtlCol="0">
+            <a:spAutoFit/>
+          </a:bodyPr>
+          <a:lstStyle/>
+          <a:p>
+            <a:r>
+              <a:rPr lang="it-IT" sz="2000" dirty="0">
+                <a:latin typeface="Cambria" panose="02040503050406030204" pitchFamily="18" charset="0"/>
+                <a:ea typeface="Cambria" panose="02040503050406030204" pitchFamily="18" charset="0"/>
+              </a:rPr>
+              <a:t>R</a:t>
+            </a:r>
+            <a:r>
+              <a:rPr lang="en-GB" sz="2000" dirty="0" err="1">
+                <a:latin typeface="Cambria" panose="02040503050406030204" pitchFamily="18" charset="0"/>
+                <a:ea typeface="Cambria" panose="02040503050406030204" pitchFamily="18" charset="0"/>
+              </a:rPr>
+              <a:t>esults</a:t>
+            </a:r>
+            <a:r>
+              <a:rPr lang="en-GB" sz="2000" dirty="0">
+                <a:latin typeface="Cambria" panose="02040503050406030204" pitchFamily="18" charset="0"/>
+                <a:ea typeface="Cambria" panose="02040503050406030204" pitchFamily="18" charset="0"/>
+              </a:rPr>
+              <a:t> of the Stan fitting for the Full model. </a:t>
+            </a:r>
+          </a:p>
+          <a:p>
+            <a:endParaRPr lang="en-GB" sz="2000" dirty="0">
+              <a:latin typeface="Cambria" panose="02040503050406030204" pitchFamily="18" charset="0"/>
+              <a:ea typeface="Cambria" panose="02040503050406030204" pitchFamily="18" charset="0"/>
+            </a:endParaRPr>
+          </a:p>
+          <a:p>
+            <a:r>
+              <a:rPr lang="en-GB" sz="2000" dirty="0">
+                <a:latin typeface="Cambria" panose="02040503050406030204" pitchFamily="18" charset="0"/>
+                <a:ea typeface="Cambria" panose="02040503050406030204" pitchFamily="18" charset="0"/>
+              </a:rPr>
+              <a:t>It is possible to notice that the convergence is obtained for all the coefficients of the regression model in all the chains</a:t>
+            </a:r>
+          </a:p>
+          <a:p>
+            <a:endParaRPr lang="en-GB" sz="2000" dirty="0">
+              <a:latin typeface="Cambria" panose="02040503050406030204" pitchFamily="18" charset="0"/>
+              <a:ea typeface="Cambria" panose="02040503050406030204" pitchFamily="18" charset="0"/>
+            </a:endParaRPr>
+          </a:p>
+          <a:p>
+            <a:r>
+              <a:rPr lang="en-GB" sz="2000" dirty="0">
+                <a:latin typeface="Cambria" panose="02040503050406030204" pitchFamily="18" charset="0"/>
+                <a:ea typeface="Cambria" panose="02040503050406030204" pitchFamily="18" charset="0"/>
+              </a:rPr>
+              <a:t>The grey area  highlights the warm-up length</a:t>
+            </a:r>
+          </a:p>
+        </p:txBody>
+      </p:sp>
     </p:spTree>
     <p:extLst>
       <p:ext uri="{BB962C8B-B14F-4D97-AF65-F5344CB8AC3E}">
@@ -6588,7 +8917,7 @@
         </p:blipFill>
         <p:spPr>
           <a:xfrm>
-            <a:off x="454477" y="2177017"/>
+            <a:off x="299125" y="3241771"/>
             <a:ext cx="5796874" cy="2068074"/>
           </a:xfrm>
           <a:prstGeom prst="rect">
@@ -6596,42 +8925,235 @@
           </a:prstGeom>
         </p:spPr>
       </p:pic>
-      <p:pic>
-        <p:nvPicPr>
-          <p:cNvPr id="9" name="Picture 8" descr="A screenshot of a social media post&#10;&#10;Description automatically generated">
-            <a:extLst>
-              <a:ext uri="{FF2B5EF4-FFF2-40B4-BE49-F238E27FC236}">
-                <a16:creationId xmlns:a16="http://schemas.microsoft.com/office/drawing/2014/main" id="{928F3CFE-D3CD-4F0B-9FCD-9E11492904FF}"/>
-              </a:ext>
-            </a:extLst>
-          </p:cNvPr>
-          <p:cNvPicPr>
-            <a:picLocks noChangeAspect="1"/>
-          </p:cNvPicPr>
-          <p:nvPr/>
-        </p:nvPicPr>
-        <p:blipFill>
-          <a:blip r:embed="rId4">
-            <a:extLst>
-              <a:ext uri="{28A0092B-C50C-407E-A947-70E740481C1C}">
-                <a14:useLocalDpi xmlns:a14="http://schemas.microsoft.com/office/drawing/2010/main" val="0"/>
-              </a:ext>
-            </a:extLst>
-          </a:blip>
-          <a:stretch>
-            <a:fillRect/>
-          </a:stretch>
-        </p:blipFill>
-        <p:spPr>
-          <a:xfrm>
-            <a:off x="454477" y="4254327"/>
-            <a:ext cx="4033440" cy="2270860"/>
-          </a:xfrm>
-          <a:prstGeom prst="rect">
-            <a:avLst/>
-          </a:prstGeom>
-        </p:spPr>
-      </p:pic>
+      <p:sp>
+        <p:nvSpPr>
+          <p:cNvPr id="8" name="TextBox 7">
+            <a:extLst>
+              <a:ext uri="{FF2B5EF4-FFF2-40B4-BE49-F238E27FC236}">
+                <a16:creationId xmlns:a16="http://schemas.microsoft.com/office/drawing/2014/main" id="{10A3AC13-4BE6-47A9-8105-9BE6C314B412}"/>
+              </a:ext>
+            </a:extLst>
+          </p:cNvPr>
+          <p:cNvSpPr txBox="1"/>
+          <p:nvPr/>
+        </p:nvSpPr>
+        <p:spPr>
+          <a:xfrm>
+            <a:off x="8996218" y="6308436"/>
+            <a:ext cx="2826327" cy="310784"/>
+          </a:xfrm>
+          <a:prstGeom prst="rect">
+            <a:avLst/>
+          </a:prstGeom>
+          <a:noFill/>
+        </p:spPr>
+        <p:txBody>
+          <a:bodyPr wrap="square" rtlCol="0">
+            <a:spAutoFit/>
+          </a:bodyPr>
+          <a:lstStyle/>
+          <a:p>
+            <a:pPr algn="r"/>
+            <a:r>
+              <a:rPr lang="it-IT" sz="1400" dirty="0">
+                <a:latin typeface="Cambria" panose="02040503050406030204" pitchFamily="18" charset="0"/>
+                <a:ea typeface="Cambria" panose="02040503050406030204" pitchFamily="18" charset="0"/>
+              </a:rPr>
+              <a:t>Losi, </a:t>
+            </a:r>
+            <a:r>
+              <a:rPr lang="it-IT" sz="1400" dirty="0" err="1">
+                <a:latin typeface="Cambria" panose="02040503050406030204" pitchFamily="18" charset="0"/>
+                <a:ea typeface="Cambria" panose="02040503050406030204" pitchFamily="18" charset="0"/>
+              </a:rPr>
+              <a:t>Saljoughi</a:t>
+            </a:r>
+            <a:r>
+              <a:rPr lang="it-IT" sz="1400" dirty="0">
+                <a:latin typeface="Cambria" panose="02040503050406030204" pitchFamily="18" charset="0"/>
+                <a:ea typeface="Cambria" panose="02040503050406030204" pitchFamily="18" charset="0"/>
+              </a:rPr>
+              <a:t> 09 </a:t>
+            </a:r>
+            <a:r>
+              <a:rPr lang="it-IT" sz="1400" dirty="0" err="1">
+                <a:latin typeface="Cambria" panose="02040503050406030204" pitchFamily="18" charset="0"/>
+                <a:ea typeface="Cambria" panose="02040503050406030204" pitchFamily="18" charset="0"/>
+              </a:rPr>
+              <a:t>December</a:t>
+            </a:r>
+            <a:r>
+              <a:rPr lang="it-IT" sz="1400" dirty="0">
+                <a:latin typeface="Cambria" panose="02040503050406030204" pitchFamily="18" charset="0"/>
+                <a:ea typeface="Cambria" panose="02040503050406030204" pitchFamily="18" charset="0"/>
+              </a:rPr>
+              <a:t> 2019</a:t>
+            </a:r>
+            <a:endParaRPr lang="en-GB" sz="1400" dirty="0">
+              <a:latin typeface="Cambria" panose="02040503050406030204" pitchFamily="18" charset="0"/>
+              <a:ea typeface="Cambria" panose="02040503050406030204" pitchFamily="18" charset="0"/>
+            </a:endParaRPr>
+          </a:p>
+        </p:txBody>
+      </p:sp>
+      <p:sp>
+        <p:nvSpPr>
+          <p:cNvPr id="10" name="TextBox 9">
+            <a:extLst>
+              <a:ext uri="{FF2B5EF4-FFF2-40B4-BE49-F238E27FC236}">
+                <a16:creationId xmlns:a16="http://schemas.microsoft.com/office/drawing/2014/main" id="{7C3200A1-8BFF-41B8-B0B7-9A4B394BE039}"/>
+              </a:ext>
+            </a:extLst>
+          </p:cNvPr>
+          <p:cNvSpPr txBox="1"/>
+          <p:nvPr/>
+        </p:nvSpPr>
+        <p:spPr>
+          <a:xfrm>
+            <a:off x="10954328" y="238781"/>
+            <a:ext cx="868218" cy="369332"/>
+          </a:xfrm>
+          <a:prstGeom prst="rect">
+            <a:avLst/>
+          </a:prstGeom>
+          <a:noFill/>
+        </p:spPr>
+        <p:txBody>
+          <a:bodyPr wrap="square" rtlCol="0">
+            <a:spAutoFit/>
+          </a:bodyPr>
+          <a:lstStyle/>
+          <a:p>
+            <a:pPr algn="r"/>
+            <a:r>
+              <a:rPr lang="it-IT" dirty="0">
+                <a:latin typeface="Cambria" panose="02040503050406030204" pitchFamily="18" charset="0"/>
+                <a:ea typeface="Cambria" panose="02040503050406030204" pitchFamily="18" charset="0"/>
+              </a:rPr>
+              <a:t>08/15</a:t>
+            </a:r>
+            <a:endParaRPr lang="en-GB" dirty="0">
+              <a:latin typeface="Cambria" panose="02040503050406030204" pitchFamily="18" charset="0"/>
+              <a:ea typeface="Cambria" panose="02040503050406030204" pitchFamily="18" charset="0"/>
+            </a:endParaRPr>
+          </a:p>
+        </p:txBody>
+      </p:sp>
+      <p:sp>
+        <p:nvSpPr>
+          <p:cNvPr id="2" name="TextBox 1">
+            <a:extLst>
+              <a:ext uri="{FF2B5EF4-FFF2-40B4-BE49-F238E27FC236}">
+                <a16:creationId xmlns:a16="http://schemas.microsoft.com/office/drawing/2014/main" id="{580AE854-2D16-4AC4-B853-862BCD271763}"/>
+              </a:ext>
+            </a:extLst>
+          </p:cNvPr>
+          <p:cNvSpPr txBox="1"/>
+          <p:nvPr/>
+        </p:nvSpPr>
+        <p:spPr>
+          <a:xfrm>
+            <a:off x="6548582" y="2382982"/>
+            <a:ext cx="4821382" cy="3785652"/>
+          </a:xfrm>
+          <a:prstGeom prst="rect">
+            <a:avLst/>
+          </a:prstGeom>
+          <a:noFill/>
+        </p:spPr>
+        <p:txBody>
+          <a:bodyPr wrap="square" rtlCol="0">
+            <a:spAutoFit/>
+          </a:bodyPr>
+          <a:lstStyle/>
+          <a:p>
+            <a:r>
+              <a:rPr lang="en-GB" sz="2000" dirty="0">
+                <a:latin typeface="Cambria" panose="02040503050406030204" pitchFamily="18" charset="0"/>
+                <a:ea typeface="Cambria" panose="02040503050406030204" pitchFamily="18" charset="0"/>
+              </a:rPr>
+              <a:t>HMC Diagnostic</a:t>
+            </a:r>
+          </a:p>
+          <a:p>
+            <a:endParaRPr lang="it-IT" sz="2000" dirty="0">
+              <a:latin typeface="Cambria" panose="02040503050406030204" pitchFamily="18" charset="0"/>
+              <a:ea typeface="Cambria" panose="02040503050406030204" pitchFamily="18" charset="0"/>
+            </a:endParaRPr>
+          </a:p>
+          <a:p>
+            <a:pPr marL="342900" indent="-342900">
+              <a:buFontTx/>
+              <a:buChar char="-"/>
+            </a:pPr>
+            <a:r>
+              <a:rPr lang="en-GB" sz="2000" dirty="0">
+                <a:latin typeface="Cambria" panose="02040503050406030204" pitchFamily="18" charset="0"/>
+                <a:ea typeface="Cambria" panose="02040503050406030204" pitchFamily="18" charset="0"/>
+              </a:rPr>
+              <a:t>0 of 6000 iterations ended with a divergence</a:t>
+            </a:r>
+          </a:p>
+          <a:p>
+            <a:pPr marL="342900" indent="-342900">
+              <a:buFontTx/>
+              <a:buChar char="-"/>
+            </a:pPr>
+            <a:endParaRPr lang="en-GB" sz="2000" dirty="0">
+              <a:latin typeface="Cambria" panose="02040503050406030204" pitchFamily="18" charset="0"/>
+              <a:ea typeface="Cambria" panose="02040503050406030204" pitchFamily="18" charset="0"/>
+            </a:endParaRPr>
+          </a:p>
+          <a:p>
+            <a:pPr marL="342900" indent="-342900">
+              <a:buFontTx/>
+              <a:buChar char="-"/>
+            </a:pPr>
+            <a:r>
+              <a:rPr lang="en-GB" sz="2000" dirty="0">
+                <a:latin typeface="Cambria" panose="02040503050406030204" pitchFamily="18" charset="0"/>
+                <a:ea typeface="Cambria" panose="02040503050406030204" pitchFamily="18" charset="0"/>
+              </a:rPr>
+              <a:t>0 of 6000 iterations saturated the maximum tree depth of 10</a:t>
+            </a:r>
+          </a:p>
+          <a:p>
+            <a:pPr marL="342900" indent="-342900">
+              <a:buFontTx/>
+              <a:buChar char="-"/>
+            </a:pPr>
+            <a:endParaRPr lang="en-GB" sz="2000" dirty="0">
+              <a:latin typeface="Cambria" panose="02040503050406030204" pitchFamily="18" charset="0"/>
+              <a:ea typeface="Cambria" panose="02040503050406030204" pitchFamily="18" charset="0"/>
+            </a:endParaRPr>
+          </a:p>
+          <a:p>
+            <a:pPr marL="342900" indent="-342900">
+              <a:buFontTx/>
+              <a:buChar char="-"/>
+            </a:pPr>
+            <a:r>
+              <a:rPr lang="en-GB" sz="2000" dirty="0">
+                <a:latin typeface="Cambria" panose="02040503050406030204" pitchFamily="18" charset="0"/>
+                <a:ea typeface="Cambria" panose="02040503050406030204" pitchFamily="18" charset="0"/>
+              </a:rPr>
+              <a:t>E-BFMI indicated no pathological behaviour</a:t>
+            </a:r>
+          </a:p>
+          <a:p>
+            <a:endParaRPr lang="it-IT" sz="2000" dirty="0">
+              <a:latin typeface="Cambria" panose="02040503050406030204" pitchFamily="18" charset="0"/>
+              <a:ea typeface="Cambria" panose="02040503050406030204" pitchFamily="18" charset="0"/>
+            </a:endParaRPr>
+          </a:p>
+          <a:p>
+            <a:endParaRPr lang="en-GB" sz="2000" dirty="0">
+              <a:latin typeface="Cambria" panose="02040503050406030204" pitchFamily="18" charset="0"/>
+              <a:ea typeface="Cambria" panose="02040503050406030204" pitchFamily="18" charset="0"/>
+            </a:endParaRPr>
+          </a:p>
+        </p:txBody>
+      </p:sp>
     </p:spTree>
     <p:extLst>
       <p:ext uri="{BB962C8B-B14F-4D97-AF65-F5344CB8AC3E}">

--- a/last_presentation.pptx
+++ b/last_presentation.pptx
@@ -131,7 +131,7 @@
 <file path=ppt/revisionInfo.xml><?xml version="1.0" encoding="utf-8"?>
 <p1510:revInfo xmlns:a="http://schemas.openxmlformats.org/drawingml/2006/main" xmlns:r="http://schemas.openxmlformats.org/officeDocument/2006/relationships" xmlns:p1510="http://schemas.microsoft.com/office/powerpoint/2015/10/main">
   <p1510:revLst>
-    <p1510:client id="{15F3DA1A-5491-411D-9E87-5BEC2B26EC3A}" v="95" dt="2019-12-09T09:17:52.619"/>
+    <p1510:client id="{15F3DA1A-5491-411D-9E87-5BEC2B26EC3A}" v="112" dt="2019-12-09T09:50:59.076"/>
   </p1510:revLst>
 </p1510:revInfo>
 </file>
@@ -141,7 +141,7 @@
   <pc:docChgLst>
     <pc:chgData name="jacopo losi" userId="6975c7b5cccccadf" providerId="LiveId" clId="{15F3DA1A-5491-411D-9E87-5BEC2B26EC3A}"/>
     <pc:docChg chg="undo custSel addSld modSld sldOrd">
-      <pc:chgData name="jacopo losi" userId="6975c7b5cccccadf" providerId="LiveId" clId="{15F3DA1A-5491-411D-9E87-5BEC2B26EC3A}" dt="2019-12-09T09:20:01.177" v="1338" actId="790"/>
+      <pc:chgData name="jacopo losi" userId="6975c7b5cccccadf" providerId="LiveId" clId="{15F3DA1A-5491-411D-9E87-5BEC2B26EC3A}" dt="2019-12-09T09:51:13.002" v="2712" actId="5793"/>
       <pc:docMkLst>
         <pc:docMk/>
       </pc:docMkLst>
@@ -435,11 +435,27 @@
         </pc:picChg>
       </pc:sldChg>
       <pc:sldChg chg="addSp delSp modSp ord">
-        <pc:chgData name="jacopo losi" userId="6975c7b5cccccadf" providerId="LiveId" clId="{15F3DA1A-5491-411D-9E87-5BEC2B26EC3A}" dt="2019-12-09T08:48:49.003" v="533" actId="20577"/>
+        <pc:chgData name="jacopo losi" userId="6975c7b5cccccadf" providerId="LiveId" clId="{15F3DA1A-5491-411D-9E87-5BEC2B26EC3A}" dt="2019-12-09T09:31:34.649" v="1667" actId="20577"/>
         <pc:sldMkLst>
           <pc:docMk/>
           <pc:sldMk cId="2124831787" sldId="265"/>
         </pc:sldMkLst>
+        <pc:spChg chg="add mod">
+          <ac:chgData name="jacopo losi" userId="6975c7b5cccccadf" providerId="LiveId" clId="{15F3DA1A-5491-411D-9E87-5BEC2B26EC3A}" dt="2019-12-09T09:31:34.649" v="1667" actId="20577"/>
+          <ac:spMkLst>
+            <pc:docMk/>
+            <pc:sldMk cId="2124831787" sldId="265"/>
+            <ac:spMk id="2" creationId="{7D68288E-E225-45AC-8C64-F703A9115657}"/>
+          </ac:spMkLst>
+        </pc:spChg>
+        <pc:spChg chg="add mod">
+          <ac:chgData name="jacopo losi" userId="6975c7b5cccccadf" providerId="LiveId" clId="{15F3DA1A-5491-411D-9E87-5BEC2B26EC3A}" dt="2019-12-09T09:30:37.900" v="1663" actId="1076"/>
+          <ac:spMkLst>
+            <pc:docMk/>
+            <pc:sldMk cId="2124831787" sldId="265"/>
+            <ac:spMk id="6" creationId="{BA5CAE11-8A2A-4BB3-B3EB-AE699108DAE9}"/>
+          </ac:spMkLst>
+        </pc:spChg>
         <pc:spChg chg="add del">
           <ac:chgData name="jacopo losi" userId="6975c7b5cccccadf" providerId="LiveId" clId="{15F3DA1A-5491-411D-9E87-5BEC2B26EC3A}" dt="2019-12-09T08:42:52.044" v="361"/>
           <ac:spMkLst>
@@ -470,6 +486,14 @@
             <pc:docMk/>
             <pc:sldMk cId="2124831787" sldId="265"/>
             <ac:picMk id="4" creationId="{FF7B1480-B764-49D9-BDBC-45D1D90404F6}"/>
+          </ac:picMkLst>
+        </pc:picChg>
+        <pc:picChg chg="add mod">
+          <ac:chgData name="jacopo losi" userId="6975c7b5cccccadf" providerId="LiveId" clId="{15F3DA1A-5491-411D-9E87-5BEC2B26EC3A}" dt="2019-12-09T09:27:38.386" v="1430" actId="1076"/>
+          <ac:picMkLst>
+            <pc:docMk/>
+            <pc:sldMk cId="2124831787" sldId="265"/>
+            <ac:picMk id="9" creationId="{EF0FB98A-CDEE-4BDF-9E0F-5D74FC246F4A}"/>
           </ac:picMkLst>
         </pc:picChg>
       </pc:sldChg>
@@ -545,17 +569,33 @@
         </pc:picChg>
       </pc:sldChg>
       <pc:sldChg chg="addSp delSp modSp">
-        <pc:chgData name="jacopo losi" userId="6975c7b5cccccadf" providerId="LiveId" clId="{15F3DA1A-5491-411D-9E87-5BEC2B26EC3A}" dt="2019-12-09T08:48:54.201" v="535" actId="20577"/>
+        <pc:chgData name="jacopo losi" userId="6975c7b5cccccadf" providerId="LiveId" clId="{15F3DA1A-5491-411D-9E87-5BEC2B26EC3A}" dt="2019-12-09T09:38:04.210" v="2049" actId="1076"/>
         <pc:sldMkLst>
           <pc:docMk/>
           <pc:sldMk cId="1443627318" sldId="267"/>
         </pc:sldMkLst>
+        <pc:spChg chg="add mod">
+          <ac:chgData name="jacopo losi" userId="6975c7b5cccccadf" providerId="LiveId" clId="{15F3DA1A-5491-411D-9E87-5BEC2B26EC3A}" dt="2019-12-09T09:33:06.455" v="1774" actId="790"/>
+          <ac:spMkLst>
+            <pc:docMk/>
+            <pc:sldMk cId="1443627318" sldId="267"/>
+            <ac:spMk id="2" creationId="{E402209B-33EC-4C47-B208-8E6D2589DD28}"/>
+          </ac:spMkLst>
+        </pc:spChg>
         <pc:spChg chg="add del mod">
           <ac:chgData name="jacopo losi" userId="6975c7b5cccccadf" providerId="LiveId" clId="{15F3DA1A-5491-411D-9E87-5BEC2B26EC3A}" dt="2019-12-09T08:42:51.793" v="360"/>
           <ac:spMkLst>
             <pc:docMk/>
             <pc:sldMk cId="1443627318" sldId="267"/>
             <ac:spMk id="6" creationId="{5BAADACD-BABA-4BFA-B50C-F3414D836B82}"/>
+          </ac:spMkLst>
+        </pc:spChg>
+        <pc:spChg chg="add mod">
+          <ac:chgData name="jacopo losi" userId="6975c7b5cccccadf" providerId="LiveId" clId="{15F3DA1A-5491-411D-9E87-5BEC2B26EC3A}" dt="2019-12-09T09:38:04.210" v="2049" actId="1076"/>
+          <ac:spMkLst>
+            <pc:docMk/>
+            <pc:sldMk cId="1443627318" sldId="267"/>
+            <ac:spMk id="6" creationId="{9B73541D-B231-4B42-89C3-507873088EDA}"/>
           </ac:spMkLst>
         </pc:spChg>
         <pc:spChg chg="add">
@@ -580,6 +620,14 @@
             <pc:docMk/>
             <pc:sldMk cId="1443627318" sldId="267"/>
             <ac:picMk id="4" creationId="{089B4EAF-C36F-41BE-84DE-836996508B89}"/>
+          </ac:picMkLst>
+        </pc:picChg>
+        <pc:picChg chg="add mod">
+          <ac:chgData name="jacopo losi" userId="6975c7b5cccccadf" providerId="LiveId" clId="{15F3DA1A-5491-411D-9E87-5BEC2B26EC3A}" dt="2019-12-09T09:33:16.064" v="1776" actId="1076"/>
+          <ac:picMkLst>
+            <pc:docMk/>
+            <pc:sldMk cId="1443627318" sldId="267"/>
+            <ac:picMk id="9" creationId="{CC2C4EE9-7BCA-4A91-B32A-7DB5031271AF}"/>
           </ac:picMkLst>
         </pc:picChg>
       </pc:sldChg>
@@ -875,12 +923,20 @@
           </ac:picMkLst>
         </pc:picChg>
       </pc:sldChg>
-      <pc:sldChg chg="delSp modSp add">
-        <pc:chgData name="jacopo losi" userId="6975c7b5cccccadf" providerId="LiveId" clId="{15F3DA1A-5491-411D-9E87-5BEC2B26EC3A}" dt="2019-12-09T08:49:44.733" v="590" actId="20577"/>
+      <pc:sldChg chg="addSp delSp modSp add">
+        <pc:chgData name="jacopo losi" userId="6975c7b5cccccadf" providerId="LiveId" clId="{15F3DA1A-5491-411D-9E87-5BEC2B26EC3A}" dt="2019-12-09T09:51:13.002" v="2712" actId="5793"/>
         <pc:sldMkLst>
           <pc:docMk/>
           <pc:sldMk cId="2100722661" sldId="272"/>
         </pc:sldMkLst>
+        <pc:spChg chg="add mod">
+          <ac:chgData name="jacopo losi" userId="6975c7b5cccccadf" providerId="LiveId" clId="{15F3DA1A-5491-411D-9E87-5BEC2B26EC3A}" dt="2019-12-09T09:42:52.443" v="2122" actId="1076"/>
+          <ac:spMkLst>
+            <pc:docMk/>
+            <pc:sldMk cId="2100722661" sldId="272"/>
+            <ac:spMk id="2" creationId="{D98226A8-FFF4-4FBA-84BB-EE1261704E16}"/>
+          </ac:spMkLst>
+        </pc:spChg>
         <pc:spChg chg="mod">
           <ac:chgData name="jacopo losi" userId="6975c7b5cccccadf" providerId="LiveId" clId="{15F3DA1A-5491-411D-9E87-5BEC2B26EC3A}" dt="2019-12-09T08:49:44.733" v="590" actId="20577"/>
           <ac:spMkLst>
@@ -889,12 +945,60 @@
             <ac:spMk id="3" creationId="{3B1DDAF8-ACFC-4239-B5AD-1406F146ECA8}"/>
           </ac:spMkLst>
         </pc:spChg>
+        <pc:spChg chg="add del mod">
+          <ac:chgData name="jacopo losi" userId="6975c7b5cccccadf" providerId="LiveId" clId="{15F3DA1A-5491-411D-9E87-5BEC2B26EC3A}" dt="2019-12-09T09:42:49.699" v="2121" actId="767"/>
+          <ac:spMkLst>
+            <pc:docMk/>
+            <pc:sldMk cId="2100722661" sldId="272"/>
+            <ac:spMk id="4" creationId="{24EFC29D-F693-4295-82CD-8FEB78CB1F8D}"/>
+          </ac:spMkLst>
+        </pc:spChg>
+        <pc:spChg chg="add mod">
+          <ac:chgData name="jacopo losi" userId="6975c7b5cccccadf" providerId="LiveId" clId="{15F3DA1A-5491-411D-9E87-5BEC2B26EC3A}" dt="2019-12-09T09:46:27.907" v="2392" actId="1076"/>
+          <ac:spMkLst>
+            <pc:docMk/>
+            <pc:sldMk cId="2100722661" sldId="272"/>
+            <ac:spMk id="6" creationId="{888CCACA-13A1-48F5-ACBD-36E5D3A7EDAB}"/>
+          </ac:spMkLst>
+        </pc:spChg>
         <pc:spChg chg="mod">
           <ac:chgData name="jacopo losi" userId="6975c7b5cccccadf" providerId="LiveId" clId="{15F3DA1A-5491-411D-9E87-5BEC2B26EC3A}" dt="2019-12-09T08:49:24.446" v="572" actId="20577"/>
           <ac:spMkLst>
             <pc:docMk/>
             <pc:sldMk cId="2100722661" sldId="272"/>
             <ac:spMk id="8" creationId="{99A78D44-F3CD-4081-BEEA-7473E210B568}"/>
+          </ac:spMkLst>
+        </pc:spChg>
+        <pc:spChg chg="add mod">
+          <ac:chgData name="jacopo losi" userId="6975c7b5cccccadf" providerId="LiveId" clId="{15F3DA1A-5491-411D-9E87-5BEC2B26EC3A}" dt="2019-12-09T09:42:15.891" v="2115" actId="1076"/>
+          <ac:spMkLst>
+            <pc:docMk/>
+            <pc:sldMk cId="2100722661" sldId="272"/>
+            <ac:spMk id="9" creationId="{442EE4A5-48FD-4D33-82C0-31B2929F45DB}"/>
+          </ac:spMkLst>
+        </pc:spChg>
+        <pc:spChg chg="add del mod">
+          <ac:chgData name="jacopo losi" userId="6975c7b5cccccadf" providerId="LiveId" clId="{15F3DA1A-5491-411D-9E87-5BEC2B26EC3A}" dt="2019-12-09T09:46:36.981" v="2394" actId="767"/>
+          <ac:spMkLst>
+            <pc:docMk/>
+            <pc:sldMk cId="2100722661" sldId="272"/>
+            <ac:spMk id="10" creationId="{BE68CFCB-1318-4BD9-95FC-E807AD577CE5}"/>
+          </ac:spMkLst>
+        </pc:spChg>
+        <pc:spChg chg="add del">
+          <ac:chgData name="jacopo losi" userId="6975c7b5cccccadf" providerId="LiveId" clId="{15F3DA1A-5491-411D-9E87-5BEC2B26EC3A}" dt="2019-12-09T09:46:40.988" v="2396"/>
+          <ac:spMkLst>
+            <pc:docMk/>
+            <pc:sldMk cId="2100722661" sldId="272"/>
+            <ac:spMk id="11" creationId="{116D94CC-5504-4439-9509-ACD19B4D3037}"/>
+          </ac:spMkLst>
+        </pc:spChg>
+        <pc:spChg chg="add mod">
+          <ac:chgData name="jacopo losi" userId="6975c7b5cccccadf" providerId="LiveId" clId="{15F3DA1A-5491-411D-9E87-5BEC2B26EC3A}" dt="2019-12-09T09:51:13.002" v="2712" actId="5793"/>
+          <ac:spMkLst>
+            <pc:docMk/>
+            <pc:sldMk cId="2100722661" sldId="272"/>
+            <ac:spMk id="12" creationId="{99A9AC2C-73F2-4441-976A-6E12C879129F}"/>
           </ac:spMkLst>
         </pc:spChg>
         <pc:picChg chg="del">
@@ -4339,19 +4443,8 @@
                 <a:latin typeface="Cambria" panose="02040503050406030204" pitchFamily="18" charset="0"/>
                 <a:ea typeface="Cambria" panose="02040503050406030204" pitchFamily="18" charset="0"/>
               </a:rPr>
-              <a:t>Jacopo </a:t>
-            </a:r>
-            <a:r>
-              <a:rPr lang="en-US" sz="2400" dirty="0" err="1">
-                <a:latin typeface="Cambria" panose="02040503050406030204" pitchFamily="18" charset="0"/>
-                <a:ea typeface="Cambria" panose="02040503050406030204" pitchFamily="18" charset="0"/>
-              </a:rPr>
-              <a:t>Losi</a:t>
-            </a:r>
-            <a:endParaRPr lang="en-US" sz="2400" dirty="0">
-              <a:latin typeface="Cambria" panose="02040503050406030204" pitchFamily="18" charset="0"/>
-              <a:ea typeface="Cambria" panose="02040503050406030204" pitchFamily="18" charset="0"/>
-            </a:endParaRPr>
+              <a:t>Jacopo Losi</a:t>
+            </a:r>
           </a:p>
         </p:txBody>
       </p:sp>
@@ -5894,6 +5987,140 @@
           </a:p>
         </p:txBody>
       </p:sp>
+      <p:sp>
+        <p:nvSpPr>
+          <p:cNvPr id="2" name="TextBox 1">
+            <a:extLst>
+              <a:ext uri="{FF2B5EF4-FFF2-40B4-BE49-F238E27FC236}">
+                <a16:creationId xmlns:a16="http://schemas.microsoft.com/office/drawing/2014/main" id="{7D68288E-E225-45AC-8C64-F703A9115657}"/>
+              </a:ext>
+            </a:extLst>
+          </p:cNvPr>
+          <p:cNvSpPr txBox="1"/>
+          <p:nvPr/>
+        </p:nvSpPr>
+        <p:spPr>
+          <a:xfrm>
+            <a:off x="7358914" y="1930745"/>
+            <a:ext cx="3648362" cy="707885"/>
+          </a:xfrm>
+          <a:prstGeom prst="rect">
+            <a:avLst/>
+          </a:prstGeom>
+          <a:noFill/>
+        </p:spPr>
+        <p:txBody>
+          <a:bodyPr wrap="square" rtlCol="0">
+            <a:spAutoFit/>
+          </a:bodyPr>
+          <a:lstStyle/>
+          <a:p>
+            <a:pPr algn="ctr"/>
+            <a:r>
+              <a:rPr lang="en-GB" sz="2000" dirty="0">
+                <a:latin typeface="Cambria" panose="02040503050406030204" pitchFamily="18" charset="0"/>
+                <a:ea typeface="Cambria" panose="02040503050406030204" pitchFamily="18" charset="0"/>
+              </a:rPr>
+              <a:t>Posterior predictive checking on the probability of SSA</a:t>
+            </a:r>
+          </a:p>
+        </p:txBody>
+      </p:sp>
+      <p:pic>
+        <p:nvPicPr>
+          <p:cNvPr id="9" name="Graphic 8">
+            <a:extLst>
+              <a:ext uri="{FF2B5EF4-FFF2-40B4-BE49-F238E27FC236}">
+                <a16:creationId xmlns:a16="http://schemas.microsoft.com/office/drawing/2014/main" id="{EF0FB98A-CDEE-4BDF-9E0F-5D74FC246F4A}"/>
+              </a:ext>
+            </a:extLst>
+          </p:cNvPr>
+          <p:cNvPicPr>
+            <a:picLocks noChangeAspect="1"/>
+          </p:cNvPicPr>
+          <p:nvPr/>
+        </p:nvPicPr>
+        <p:blipFill>
+          <a:blip r:embed="rId4">
+            <a:extLst>
+              <a:ext uri="{28A0092B-C50C-407E-A947-70E740481C1C}">
+                <a14:useLocalDpi xmlns:a14="http://schemas.microsoft.com/office/drawing/2010/main" val="0"/>
+              </a:ext>
+              <a:ext uri="{96DAC541-7B7A-43D3-8B79-37D633B846F1}">
+                <asvg:svgBlip xmlns:asvg="http://schemas.microsoft.com/office/drawing/2016/SVG/main" r:embed="rId5"/>
+              </a:ext>
+            </a:extLst>
+          </a:blip>
+          <a:stretch>
+            <a:fillRect/>
+          </a:stretch>
+        </p:blipFill>
+        <p:spPr>
+          <a:xfrm>
+            <a:off x="8639271" y="2760910"/>
+            <a:ext cx="1087649" cy="1087649"/>
+          </a:xfrm>
+          <a:prstGeom prst="rect">
+            <a:avLst/>
+          </a:prstGeom>
+        </p:spPr>
+      </p:pic>
+      <p:sp>
+        <p:nvSpPr>
+          <p:cNvPr id="6" name="TextBox 5">
+            <a:extLst>
+              <a:ext uri="{FF2B5EF4-FFF2-40B4-BE49-F238E27FC236}">
+                <a16:creationId xmlns:a16="http://schemas.microsoft.com/office/drawing/2014/main" id="{BA5CAE11-8A2A-4BB3-B3EB-AE699108DAE9}"/>
+              </a:ext>
+            </a:extLst>
+          </p:cNvPr>
+          <p:cNvSpPr txBox="1"/>
+          <p:nvPr/>
+        </p:nvSpPr>
+        <p:spPr>
+          <a:xfrm>
+            <a:off x="7358914" y="3935253"/>
+            <a:ext cx="3648362" cy="1938992"/>
+          </a:xfrm>
+          <a:prstGeom prst="rect">
+            <a:avLst/>
+          </a:prstGeom>
+          <a:noFill/>
+        </p:spPr>
+        <p:txBody>
+          <a:bodyPr wrap="square" rtlCol="0">
+            <a:spAutoFit/>
+          </a:bodyPr>
+          <a:lstStyle/>
+          <a:p>
+            <a:pPr algn="ctr"/>
+            <a:r>
+              <a:rPr lang="en-GB" sz="2000" dirty="0">
+                <a:latin typeface="Cambria" panose="02040503050406030204" pitchFamily="18" charset="0"/>
+                <a:ea typeface="Cambria" panose="02040503050406030204" pitchFamily="18" charset="0"/>
+              </a:rPr>
+              <a:t>The prediction on the model reflects the posterior distribution</a:t>
+            </a:r>
+          </a:p>
+          <a:p>
+            <a:pPr algn="ctr"/>
+            <a:endParaRPr lang="en-GB" sz="2000" dirty="0">
+              <a:latin typeface="Cambria" panose="02040503050406030204" pitchFamily="18" charset="0"/>
+              <a:ea typeface="Cambria" panose="02040503050406030204" pitchFamily="18" charset="0"/>
+            </a:endParaRPr>
+          </a:p>
+          <a:p>
+            <a:pPr algn="ctr"/>
+            <a:r>
+              <a:rPr lang="en-GB" sz="2000" dirty="0">
+                <a:latin typeface="Cambria" panose="02040503050406030204" pitchFamily="18" charset="0"/>
+                <a:ea typeface="Cambria" panose="02040503050406030204" pitchFamily="18" charset="0"/>
+              </a:rPr>
+              <a:t>Interesting to notice that the density is higher close to 1</a:t>
+            </a:r>
+          </a:p>
+        </p:txBody>
+      </p:sp>
     </p:spTree>
     <p:extLst>
       <p:ext uri="{BB962C8B-B14F-4D97-AF65-F5344CB8AC3E}">
@@ -6149,6 +6376,147 @@
           </a:p>
         </p:txBody>
       </p:sp>
+      <p:sp>
+        <p:nvSpPr>
+          <p:cNvPr id="2" name="TextBox 1">
+            <a:extLst>
+              <a:ext uri="{FF2B5EF4-FFF2-40B4-BE49-F238E27FC236}">
+                <a16:creationId xmlns:a16="http://schemas.microsoft.com/office/drawing/2014/main" id="{E402209B-33EC-4C47-B208-8E6D2589DD28}"/>
+              </a:ext>
+            </a:extLst>
+          </p:cNvPr>
+          <p:cNvSpPr txBox="1"/>
+          <p:nvPr/>
+        </p:nvSpPr>
+        <p:spPr>
+          <a:xfrm>
+            <a:off x="7610764" y="2207491"/>
+            <a:ext cx="4137891" cy="707886"/>
+          </a:xfrm>
+          <a:prstGeom prst="rect">
+            <a:avLst/>
+          </a:prstGeom>
+          <a:noFill/>
+        </p:spPr>
+        <p:txBody>
+          <a:bodyPr wrap="square" rtlCol="0">
+            <a:spAutoFit/>
+          </a:bodyPr>
+          <a:lstStyle/>
+          <a:p>
+            <a:pPr algn="ctr"/>
+            <a:r>
+              <a:rPr lang="en-GB" sz="2000" dirty="0">
+                <a:latin typeface="Cambria" panose="02040503050406030204" pitchFamily="18" charset="0"/>
+                <a:ea typeface="Cambria" panose="02040503050406030204" pitchFamily="18" charset="0"/>
+              </a:rPr>
+              <a:t>Further analysis for one of the more influent parameters</a:t>
+            </a:r>
+          </a:p>
+        </p:txBody>
+      </p:sp>
+      <p:pic>
+        <p:nvPicPr>
+          <p:cNvPr id="9" name="Graphic 8">
+            <a:extLst>
+              <a:ext uri="{FF2B5EF4-FFF2-40B4-BE49-F238E27FC236}">
+                <a16:creationId xmlns:a16="http://schemas.microsoft.com/office/drawing/2014/main" id="{CC2C4EE9-7BCA-4A91-B32A-7DB5031271AF}"/>
+              </a:ext>
+            </a:extLst>
+          </p:cNvPr>
+          <p:cNvPicPr>
+            <a:picLocks noChangeAspect="1"/>
+          </p:cNvPicPr>
+          <p:nvPr/>
+        </p:nvPicPr>
+        <p:blipFill>
+          <a:blip r:embed="rId4">
+            <a:extLst>
+              <a:ext uri="{28A0092B-C50C-407E-A947-70E740481C1C}">
+                <a14:useLocalDpi xmlns:a14="http://schemas.microsoft.com/office/drawing/2010/main" val="0"/>
+              </a:ext>
+              <a:ext uri="{96DAC541-7B7A-43D3-8B79-37D633B846F1}">
+                <asvg:svgBlip xmlns:asvg="http://schemas.microsoft.com/office/drawing/2016/SVG/main" r:embed="rId5"/>
+              </a:ext>
+            </a:extLst>
+          </a:blip>
+          <a:stretch>
+            <a:fillRect/>
+          </a:stretch>
+        </p:blipFill>
+        <p:spPr>
+          <a:xfrm>
+            <a:off x="9135884" y="2915377"/>
+            <a:ext cx="1087649" cy="1087649"/>
+          </a:xfrm>
+          <a:prstGeom prst="rect">
+            <a:avLst/>
+          </a:prstGeom>
+        </p:spPr>
+      </p:pic>
+      <p:sp>
+        <p:nvSpPr>
+          <p:cNvPr id="6" name="TextBox 5">
+            <a:extLst>
+              <a:ext uri="{FF2B5EF4-FFF2-40B4-BE49-F238E27FC236}">
+                <a16:creationId xmlns:a16="http://schemas.microsoft.com/office/drawing/2014/main" id="{9B73541D-B231-4B42-89C3-507873088EDA}"/>
+              </a:ext>
+            </a:extLst>
+          </p:cNvPr>
+          <p:cNvSpPr txBox="1"/>
+          <p:nvPr/>
+        </p:nvSpPr>
+        <p:spPr>
+          <a:xfrm>
+            <a:off x="7703126" y="3880173"/>
+            <a:ext cx="3953163" cy="1938992"/>
+          </a:xfrm>
+          <a:prstGeom prst="rect">
+            <a:avLst/>
+          </a:prstGeom>
+          <a:noFill/>
+        </p:spPr>
+        <p:txBody>
+          <a:bodyPr wrap="square" rtlCol="0">
+            <a:spAutoFit/>
+          </a:bodyPr>
+          <a:lstStyle/>
+          <a:p>
+            <a:pPr algn="ctr"/>
+            <a:r>
+              <a:rPr lang="it-IT" sz="2000" dirty="0">
+                <a:latin typeface="Cambria" panose="02040503050406030204" pitchFamily="18" charset="0"/>
+                <a:ea typeface="Cambria" panose="02040503050406030204" pitchFamily="18" charset="0"/>
+              </a:rPr>
+              <a:t>T</a:t>
+            </a:r>
+            <a:r>
+              <a:rPr lang="en-GB" sz="2000" dirty="0">
+                <a:latin typeface="Cambria" panose="02040503050406030204" pitchFamily="18" charset="0"/>
+                <a:ea typeface="Cambria" panose="02040503050406030204" pitchFamily="18" charset="0"/>
+              </a:rPr>
+              <a:t>he mean value for the prediction is close to the mean of the posterior</a:t>
+            </a:r>
+          </a:p>
+          <a:p>
+            <a:pPr algn="ctr"/>
+            <a:endParaRPr lang="en-GB" sz="2000" dirty="0">
+              <a:latin typeface="Cambria" panose="02040503050406030204" pitchFamily="18" charset="0"/>
+              <a:ea typeface="Cambria" panose="02040503050406030204" pitchFamily="18" charset="0"/>
+            </a:endParaRPr>
+          </a:p>
+          <a:p>
+            <a:pPr algn="ctr"/>
+            <a:r>
+              <a:rPr lang="en-GB" sz="2000" dirty="0">
+                <a:latin typeface="Cambria" panose="02040503050406030204" pitchFamily="18" charset="0"/>
+                <a:ea typeface="Cambria" panose="02040503050406030204" pitchFamily="18" charset="0"/>
+              </a:rPr>
+              <a:t>Our results reflects the one obtained in the paper</a:t>
+            </a:r>
+          </a:p>
+        </p:txBody>
+      </p:sp>
     </p:spTree>
     <p:extLst>
       <p:ext uri="{BB962C8B-B14F-4D97-AF65-F5344CB8AC3E}">
@@ -6362,6 +6730,262 @@
               <a:t>15/15</a:t>
             </a:r>
             <a:endParaRPr lang="en-GB" dirty="0">
+              <a:latin typeface="Cambria" panose="02040503050406030204" pitchFamily="18" charset="0"/>
+              <a:ea typeface="Cambria" panose="02040503050406030204" pitchFamily="18" charset="0"/>
+            </a:endParaRPr>
+          </a:p>
+        </p:txBody>
+      </p:sp>
+      <p:sp>
+        <p:nvSpPr>
+          <p:cNvPr id="2" name="TextBox 1">
+            <a:extLst>
+              <a:ext uri="{FF2B5EF4-FFF2-40B4-BE49-F238E27FC236}">
+                <a16:creationId xmlns:a16="http://schemas.microsoft.com/office/drawing/2014/main" id="{D98226A8-FFF4-4FBA-84BB-EE1261704E16}"/>
+              </a:ext>
+            </a:extLst>
+          </p:cNvPr>
+          <p:cNvSpPr txBox="1"/>
+          <p:nvPr/>
+        </p:nvSpPr>
+        <p:spPr>
+          <a:xfrm>
+            <a:off x="528050" y="2364817"/>
+            <a:ext cx="4528075" cy="461665"/>
+          </a:xfrm>
+          <a:prstGeom prst="rect">
+            <a:avLst/>
+          </a:prstGeom>
+          <a:noFill/>
+        </p:spPr>
+        <p:txBody>
+          <a:bodyPr wrap="square" rtlCol="0">
+            <a:spAutoFit/>
+          </a:bodyPr>
+          <a:lstStyle/>
+          <a:p>
+            <a:pPr algn="ctr"/>
+            <a:r>
+              <a:rPr lang="it-IT" sz="2400" dirty="0">
+                <a:latin typeface="Cambria" panose="02040503050406030204" pitchFamily="18" charset="0"/>
+                <a:ea typeface="Cambria" panose="02040503050406030204" pitchFamily="18" charset="0"/>
+              </a:rPr>
+              <a:t>C</a:t>
+            </a:r>
+            <a:r>
+              <a:rPr lang="en-GB" sz="2400" dirty="0" err="1">
+                <a:latin typeface="Cambria" panose="02040503050406030204" pitchFamily="18" charset="0"/>
+                <a:ea typeface="Cambria" panose="02040503050406030204" pitchFamily="18" charset="0"/>
+              </a:rPr>
+              <a:t>onclusion</a:t>
+            </a:r>
+            <a:endParaRPr lang="en-GB" sz="2400" dirty="0">
+              <a:latin typeface="Cambria" panose="02040503050406030204" pitchFamily="18" charset="0"/>
+              <a:ea typeface="Cambria" panose="02040503050406030204" pitchFamily="18" charset="0"/>
+            </a:endParaRPr>
+          </a:p>
+        </p:txBody>
+      </p:sp>
+      <p:sp>
+        <p:nvSpPr>
+          <p:cNvPr id="9" name="TextBox 8">
+            <a:extLst>
+              <a:ext uri="{FF2B5EF4-FFF2-40B4-BE49-F238E27FC236}">
+                <a16:creationId xmlns:a16="http://schemas.microsoft.com/office/drawing/2014/main" id="{442EE4A5-48FD-4D33-82C0-31B2929F45DB}"/>
+              </a:ext>
+            </a:extLst>
+          </p:cNvPr>
+          <p:cNvSpPr txBox="1"/>
+          <p:nvPr/>
+        </p:nvSpPr>
+        <p:spPr>
+          <a:xfrm>
+            <a:off x="6732180" y="2364663"/>
+            <a:ext cx="4528075" cy="461665"/>
+          </a:xfrm>
+          <a:prstGeom prst="rect">
+            <a:avLst/>
+          </a:prstGeom>
+          <a:noFill/>
+        </p:spPr>
+        <p:txBody>
+          <a:bodyPr wrap="square" rtlCol="0">
+            <a:spAutoFit/>
+          </a:bodyPr>
+          <a:lstStyle/>
+          <a:p>
+            <a:pPr algn="ctr"/>
+            <a:r>
+              <a:rPr lang="en-GB" sz="2400" dirty="0">
+                <a:latin typeface="Cambria" panose="02040503050406030204" pitchFamily="18" charset="0"/>
+                <a:ea typeface="Cambria" panose="02040503050406030204" pitchFamily="18" charset="0"/>
+              </a:rPr>
+              <a:t>Improvements</a:t>
+            </a:r>
+          </a:p>
+        </p:txBody>
+      </p:sp>
+      <p:sp>
+        <p:nvSpPr>
+          <p:cNvPr id="6" name="TextBox 5">
+            <a:extLst>
+              <a:ext uri="{FF2B5EF4-FFF2-40B4-BE49-F238E27FC236}">
+                <a16:creationId xmlns:a16="http://schemas.microsoft.com/office/drawing/2014/main" id="{888CCACA-13A1-48F5-ACBD-36E5D3A7EDAB}"/>
+              </a:ext>
+            </a:extLst>
+          </p:cNvPr>
+          <p:cNvSpPr txBox="1"/>
+          <p:nvPr/>
+        </p:nvSpPr>
+        <p:spPr>
+          <a:xfrm>
+            <a:off x="840508" y="3068781"/>
+            <a:ext cx="4193309" cy="3170099"/>
+          </a:xfrm>
+          <a:prstGeom prst="rect">
+            <a:avLst/>
+          </a:prstGeom>
+          <a:noFill/>
+        </p:spPr>
+        <p:txBody>
+          <a:bodyPr wrap="square" rtlCol="0">
+            <a:spAutoFit/>
+          </a:bodyPr>
+          <a:lstStyle/>
+          <a:p>
+            <a:pPr marL="342900" indent="-342900" algn="ctr">
+              <a:buFontTx/>
+              <a:buChar char="-"/>
+            </a:pPr>
+            <a:r>
+              <a:rPr lang="en-GB" sz="2000" dirty="0">
+                <a:latin typeface="Cambria" panose="02040503050406030204" pitchFamily="18" charset="0"/>
+                <a:ea typeface="Cambria" panose="02040503050406030204" pitchFamily="18" charset="0"/>
+              </a:rPr>
+              <a:t>Some of the parameters of the dataset are more relevant.</a:t>
+            </a:r>
+          </a:p>
+          <a:p>
+            <a:pPr marL="342900" indent="-342900" algn="ctr">
+              <a:buFontTx/>
+              <a:buChar char="-"/>
+            </a:pPr>
+            <a:endParaRPr lang="en-GB" sz="2000" dirty="0">
+              <a:latin typeface="Cambria" panose="02040503050406030204" pitchFamily="18" charset="0"/>
+              <a:ea typeface="Cambria" panose="02040503050406030204" pitchFamily="18" charset="0"/>
+            </a:endParaRPr>
+          </a:p>
+          <a:p>
+            <a:pPr marL="342900" indent="-342900" algn="ctr">
+              <a:buFontTx/>
+              <a:buChar char="-"/>
+            </a:pPr>
+            <a:r>
+              <a:rPr lang="en-GB" sz="2000" dirty="0">
+                <a:latin typeface="Cambria" panose="02040503050406030204" pitchFamily="18" charset="0"/>
+                <a:ea typeface="Cambria" panose="02040503050406030204" pitchFamily="18" charset="0"/>
+              </a:rPr>
+              <a:t>However the model works better using all parameters and a binomial distribution</a:t>
+            </a:r>
+          </a:p>
+          <a:p>
+            <a:pPr marL="342900" indent="-342900" algn="ctr">
+              <a:buFontTx/>
+              <a:buChar char="-"/>
+            </a:pPr>
+            <a:endParaRPr lang="en-GB" sz="2000" dirty="0">
+              <a:latin typeface="Cambria" panose="02040503050406030204" pitchFamily="18" charset="0"/>
+              <a:ea typeface="Cambria" panose="02040503050406030204" pitchFamily="18" charset="0"/>
+            </a:endParaRPr>
+          </a:p>
+          <a:p>
+            <a:pPr marL="342900" indent="-342900" algn="ctr">
+              <a:buFontTx/>
+              <a:buChar char="-"/>
+            </a:pPr>
+            <a:r>
+              <a:rPr lang="en-GB" sz="2000" dirty="0">
+                <a:latin typeface="Cambria" panose="02040503050406030204" pitchFamily="18" charset="0"/>
+                <a:ea typeface="Cambria" panose="02040503050406030204" pitchFamily="18" charset="0"/>
+              </a:rPr>
+              <a:t>The average value for the age of the SSAs is 65 years old </a:t>
+            </a:r>
+          </a:p>
+          <a:p>
+            <a:pPr marL="342900" indent="-342900" algn="ctr">
+              <a:buFontTx/>
+              <a:buChar char="-"/>
+            </a:pPr>
+            <a:endParaRPr lang="en-GB" sz="2000" dirty="0">
+              <a:latin typeface="Cambria" panose="02040503050406030204" pitchFamily="18" charset="0"/>
+              <a:ea typeface="Cambria" panose="02040503050406030204" pitchFamily="18" charset="0"/>
+            </a:endParaRPr>
+          </a:p>
+        </p:txBody>
+      </p:sp>
+      <p:sp>
+        <p:nvSpPr>
+          <p:cNvPr id="12" name="TextBox 11">
+            <a:extLst>
+              <a:ext uri="{FF2B5EF4-FFF2-40B4-BE49-F238E27FC236}">
+                <a16:creationId xmlns:a16="http://schemas.microsoft.com/office/drawing/2014/main" id="{99A9AC2C-73F2-4441-976A-6E12C879129F}"/>
+              </a:ext>
+            </a:extLst>
+          </p:cNvPr>
+          <p:cNvSpPr txBox="1"/>
+          <p:nvPr/>
+        </p:nvSpPr>
+        <p:spPr>
+          <a:xfrm>
+            <a:off x="6899562" y="3049809"/>
+            <a:ext cx="4193309" cy="2862322"/>
+          </a:xfrm>
+          <a:prstGeom prst="rect">
+            <a:avLst/>
+          </a:prstGeom>
+          <a:noFill/>
+        </p:spPr>
+        <p:txBody>
+          <a:bodyPr wrap="square" rtlCol="0">
+            <a:spAutoFit/>
+          </a:bodyPr>
+          <a:lstStyle/>
+          <a:p>
+            <a:pPr marL="342900" indent="-342900" algn="ctr">
+              <a:buFontTx/>
+              <a:buChar char="-"/>
+            </a:pPr>
+            <a:r>
+              <a:rPr lang="en-GB" sz="2000" dirty="0">
+                <a:latin typeface="Cambria" panose="02040503050406030204" pitchFamily="18" charset="0"/>
+                <a:ea typeface="Cambria" panose="02040503050406030204" pitchFamily="18" charset="0"/>
+              </a:rPr>
+              <a:t>Lot of initial work was required to understand the most suitable model for a meaningful analysis</a:t>
+            </a:r>
+          </a:p>
+          <a:p>
+            <a:pPr algn="ctr"/>
+            <a:endParaRPr lang="en-GB" sz="2000" dirty="0">
+              <a:latin typeface="Cambria" panose="02040503050406030204" pitchFamily="18" charset="0"/>
+              <a:ea typeface="Cambria" panose="02040503050406030204" pitchFamily="18" charset="0"/>
+            </a:endParaRPr>
+          </a:p>
+          <a:p>
+            <a:pPr marL="342900" indent="-342900" algn="ctr">
+              <a:buFontTx/>
+              <a:buChar char="-"/>
+            </a:pPr>
+            <a:r>
+              <a:rPr lang="en-GB" sz="2000" dirty="0">
+                <a:latin typeface="Cambria" panose="02040503050406030204" pitchFamily="18" charset="0"/>
+                <a:ea typeface="Cambria" panose="02040503050406030204" pitchFamily="18" charset="0"/>
+              </a:rPr>
+              <a:t>More complex models could be designed in order to study more in deep the parameters correlation</a:t>
+            </a:r>
+          </a:p>
+          <a:p>
+            <a:pPr algn="ctr"/>
+            <a:endParaRPr lang="it-IT" sz="2000" dirty="0">
               <a:latin typeface="Cambria" panose="02040503050406030204" pitchFamily="18" charset="0"/>
               <a:ea typeface="Cambria" panose="02040503050406030204" pitchFamily="18" charset="0"/>
             </a:endParaRPr>

--- a/last_presentation.pptx
+++ b/last_presentation.pptx
@@ -1218,7 +1218,7 @@
           <a:p>
             <a:fld id="{31F6E9D3-5DDA-4CDC-B81D-876B6712FEA6}" type="slidenum">
               <a:rPr lang="en-US" smtClean="0"/>
-              <a:t>‹#›</a:t>
+              <a:t>‹N›</a:t>
             </a:fld>
             <a:endParaRPr lang="en-US"/>
           </a:p>
@@ -1418,7 +1418,7 @@
           <a:p>
             <a:fld id="{31F6E9D3-5DDA-4CDC-B81D-876B6712FEA6}" type="slidenum">
               <a:rPr lang="en-US" smtClean="0"/>
-              <a:t>‹#›</a:t>
+              <a:t>‹N›</a:t>
             </a:fld>
             <a:endParaRPr lang="en-US"/>
           </a:p>
@@ -1628,7 +1628,7 @@
           <a:p>
             <a:fld id="{31F6E9D3-5DDA-4CDC-B81D-876B6712FEA6}" type="slidenum">
               <a:rPr lang="en-US" smtClean="0"/>
-              <a:t>‹#›</a:t>
+              <a:t>‹N›</a:t>
             </a:fld>
             <a:endParaRPr lang="en-US"/>
           </a:p>
@@ -1828,7 +1828,7 @@
           <a:p>
             <a:fld id="{31F6E9D3-5DDA-4CDC-B81D-876B6712FEA6}" type="slidenum">
               <a:rPr lang="en-US" smtClean="0"/>
-              <a:t>‹#›</a:t>
+              <a:t>‹N›</a:t>
             </a:fld>
             <a:endParaRPr lang="en-US"/>
           </a:p>
@@ -2104,7 +2104,7 @@
           <a:p>
             <a:fld id="{31F6E9D3-5DDA-4CDC-B81D-876B6712FEA6}" type="slidenum">
               <a:rPr lang="en-US" smtClean="0"/>
-              <a:t>‹#›</a:t>
+              <a:t>‹N›</a:t>
             </a:fld>
             <a:endParaRPr lang="en-US"/>
           </a:p>
@@ -2372,7 +2372,7 @@
           <a:p>
             <a:fld id="{31F6E9D3-5DDA-4CDC-B81D-876B6712FEA6}" type="slidenum">
               <a:rPr lang="en-US" smtClean="0"/>
-              <a:t>‹#›</a:t>
+              <a:t>‹N›</a:t>
             </a:fld>
             <a:endParaRPr lang="en-US"/>
           </a:p>
@@ -2787,7 +2787,7 @@
           <a:p>
             <a:fld id="{31F6E9D3-5DDA-4CDC-B81D-876B6712FEA6}" type="slidenum">
               <a:rPr lang="en-US" smtClean="0"/>
-              <a:t>‹#›</a:t>
+              <a:t>‹N›</a:t>
             </a:fld>
             <a:endParaRPr lang="en-US"/>
           </a:p>
@@ -2929,7 +2929,7 @@
           <a:p>
             <a:fld id="{31F6E9D3-5DDA-4CDC-B81D-876B6712FEA6}" type="slidenum">
               <a:rPr lang="en-US" smtClean="0"/>
-              <a:t>‹#›</a:t>
+              <a:t>‹N›</a:t>
             </a:fld>
             <a:endParaRPr lang="en-US"/>
           </a:p>
@@ -3042,7 +3042,7 @@
           <a:p>
             <a:fld id="{31F6E9D3-5DDA-4CDC-B81D-876B6712FEA6}" type="slidenum">
               <a:rPr lang="en-US" smtClean="0"/>
-              <a:t>‹#›</a:t>
+              <a:t>‹N›</a:t>
             </a:fld>
             <a:endParaRPr lang="en-US"/>
           </a:p>
@@ -3355,7 +3355,7 @@
           <a:p>
             <a:fld id="{31F6E9D3-5DDA-4CDC-B81D-876B6712FEA6}" type="slidenum">
               <a:rPr lang="en-US" smtClean="0"/>
-              <a:t>‹#›</a:t>
+              <a:t>‹N›</a:t>
             </a:fld>
             <a:endParaRPr lang="en-US"/>
           </a:p>
@@ -3644,7 +3644,7 @@
           <a:p>
             <a:fld id="{31F6E9D3-5DDA-4CDC-B81D-876B6712FEA6}" type="slidenum">
               <a:rPr lang="en-US" smtClean="0"/>
-              <a:t>‹#›</a:t>
+              <a:t>‹N›</a:t>
             </a:fld>
             <a:endParaRPr lang="en-US"/>
           </a:p>
@@ -3923,7 +3923,7 @@
           <a:p>
             <a:fld id="{31F6E9D3-5DDA-4CDC-B81D-876B6712FEA6}" type="slidenum">
               <a:rPr lang="en-US" smtClean="0"/>
-              <a:t>‹#›</a:t>
+              <a:t>‹N›</a:t>
             </a:fld>
             <a:endParaRPr lang="en-US"/>
           </a:p>
@@ -6617,7 +6617,7 @@
                 <a:latin typeface="Cambria" panose="02040503050406030204" pitchFamily="18" charset="0"/>
                 <a:ea typeface="Cambria" panose="02040503050406030204" pitchFamily="18" charset="0"/>
               </a:rPr>
-              <a:t>CONCLUSION AND IMPROVEMENTS</a:t>
+              <a:t>CONCLUSIONS AND IMPROVEMENTS</a:t>
             </a:r>
           </a:p>
         </p:txBody>
@@ -6777,7 +6777,7 @@
                 <a:latin typeface="Cambria" panose="02040503050406030204" pitchFamily="18" charset="0"/>
                 <a:ea typeface="Cambria" panose="02040503050406030204" pitchFamily="18" charset="0"/>
               </a:rPr>
-              <a:t>onclusion</a:t>
+              <a:t>onclusions</a:t>
             </a:r>
             <a:endParaRPr lang="en-GB" sz="2400" dirty="0">
               <a:latin typeface="Cambria" panose="02040503050406030204" pitchFamily="18" charset="0"/>
@@ -6938,7 +6938,7 @@
         <p:spPr>
           <a:xfrm>
             <a:off x="6899562" y="3049809"/>
-            <a:ext cx="4193309" cy="2862322"/>
+            <a:ext cx="4193309" cy="2554545"/>
           </a:xfrm>
           <a:prstGeom prst="rect">
             <a:avLst/>
@@ -6980,7 +6980,7 @@
                 <a:latin typeface="Cambria" panose="02040503050406030204" pitchFamily="18" charset="0"/>
                 <a:ea typeface="Cambria" panose="02040503050406030204" pitchFamily="18" charset="0"/>
               </a:rPr>
-              <a:t>More complex models could be designed in order to study more in deep the parameters correlation</a:t>
+              <a:t>More complex models could be designed in order to study more in deep the parameters influence</a:t>
             </a:r>
           </a:p>
           <a:p>

--- a/last_presentation.pptx
+++ b/last_presentation.pptx
@@ -131,7 +131,7 @@
 <file path=ppt/revisionInfo.xml><?xml version="1.0" encoding="utf-8"?>
 <p1510:revInfo xmlns:a="http://schemas.openxmlformats.org/drawingml/2006/main" xmlns:r="http://schemas.openxmlformats.org/officeDocument/2006/relationships" xmlns:p1510="http://schemas.microsoft.com/office/powerpoint/2015/10/main">
   <p1510:revLst>
-    <p1510:client id="{15F3DA1A-5491-411D-9E87-5BEC2B26EC3A}" v="112" dt="2019-12-09T09:50:59.076"/>
+    <p1510:client id="{15F3DA1A-5491-411D-9E87-5BEC2B26EC3A}" v="113" dt="2019-12-09T10:05:23.217"/>
   </p1510:revLst>
 </p1510:revInfo>
 </file>
@@ -141,7 +141,7 @@
   <pc:docChgLst>
     <pc:chgData name="jacopo losi" userId="6975c7b5cccccadf" providerId="LiveId" clId="{15F3DA1A-5491-411D-9E87-5BEC2B26EC3A}"/>
     <pc:docChg chg="undo custSel addSld modSld sldOrd">
-      <pc:chgData name="jacopo losi" userId="6975c7b5cccccadf" providerId="LiveId" clId="{15F3DA1A-5491-411D-9E87-5BEC2B26EC3A}" dt="2019-12-09T09:51:13.002" v="2712" actId="5793"/>
+      <pc:chgData name="jacopo losi" userId="6975c7b5cccccadf" providerId="LiveId" clId="{15F3DA1A-5491-411D-9E87-5BEC2B26EC3A}" dt="2019-12-09T10:05:39.980" v="2720" actId="14100"/>
       <pc:docMkLst>
         <pc:docMk/>
       </pc:docMkLst>
@@ -758,7 +758,7 @@
         </pc:picChg>
       </pc:sldChg>
       <pc:sldChg chg="addSp delSp modSp add ord">
-        <pc:chgData name="jacopo losi" userId="6975c7b5cccccadf" providerId="LiveId" clId="{15F3DA1A-5491-411D-9E87-5BEC2B26EC3A}" dt="2019-12-09T09:11:51.067" v="1110" actId="1076"/>
+        <pc:chgData name="jacopo losi" userId="6975c7b5cccccadf" providerId="LiveId" clId="{15F3DA1A-5491-411D-9E87-5BEC2B26EC3A}" dt="2019-12-09T10:05:39.980" v="2720" actId="14100"/>
         <pc:sldMkLst>
           <pc:docMk/>
           <pc:sldMk cId="2133515375" sldId="270"/>
@@ -812,7 +812,7 @@
           </ac:picMkLst>
         </pc:picChg>
         <pc:picChg chg="add mod">
-          <ac:chgData name="jacopo losi" userId="6975c7b5cccccadf" providerId="LiveId" clId="{15F3DA1A-5491-411D-9E87-5BEC2B26EC3A}" dt="2019-12-09T09:11:51.067" v="1110" actId="1076"/>
+          <ac:chgData name="jacopo losi" userId="6975c7b5cccccadf" providerId="LiveId" clId="{15F3DA1A-5491-411D-9E87-5BEC2B26EC3A}" dt="2019-12-09T10:02:56.472" v="2713" actId="1076"/>
           <ac:picMkLst>
             <pc:docMk/>
             <pc:sldMk cId="2133515375" sldId="270"/>
@@ -825,6 +825,14 @@
             <pc:docMk/>
             <pc:sldMk cId="2133515375" sldId="270"/>
             <ac:picMk id="7" creationId="{2E77A3BB-31F6-494A-9A12-C477975B4371}"/>
+          </ac:picMkLst>
+        </pc:picChg>
+        <pc:picChg chg="add mod">
+          <ac:chgData name="jacopo losi" userId="6975c7b5cccccadf" providerId="LiveId" clId="{15F3DA1A-5491-411D-9E87-5BEC2B26EC3A}" dt="2019-12-09T10:05:39.980" v="2720" actId="14100"/>
+          <ac:picMkLst>
+            <pc:docMk/>
+            <pc:sldMk cId="2133515375" sldId="270"/>
+            <ac:picMk id="7" creationId="{D0796C0B-A74E-46BE-9F3D-6FD73617A3A3}"/>
           </ac:picMkLst>
         </pc:picChg>
         <pc:picChg chg="add del mod">
@@ -9541,7 +9549,7 @@
         </p:blipFill>
         <p:spPr>
           <a:xfrm>
-            <a:off x="299125" y="3241771"/>
+            <a:off x="316469" y="2207734"/>
             <a:ext cx="5796874" cy="2068074"/>
           </a:xfrm>
           <a:prstGeom prst="rect">
@@ -9778,6 +9786,42 @@
           </a:p>
         </p:txBody>
       </p:sp>
+      <p:pic>
+        <p:nvPicPr>
+          <p:cNvPr id="7" name="Picture 6" descr="A close up of a keyboard&#10;&#10;Description automatically generated">
+            <a:extLst>
+              <a:ext uri="{FF2B5EF4-FFF2-40B4-BE49-F238E27FC236}">
+                <a16:creationId xmlns:a16="http://schemas.microsoft.com/office/drawing/2014/main" id="{D0796C0B-A74E-46BE-9F3D-6FD73617A3A3}"/>
+              </a:ext>
+            </a:extLst>
+          </p:cNvPr>
+          <p:cNvPicPr>
+            <a:picLocks noChangeAspect="1"/>
+          </p:cNvPicPr>
+          <p:nvPr/>
+        </p:nvPicPr>
+        <p:blipFill>
+          <a:blip r:embed="rId4">
+            <a:extLst>
+              <a:ext uri="{28A0092B-C50C-407E-A947-70E740481C1C}">
+                <a14:useLocalDpi xmlns:a14="http://schemas.microsoft.com/office/drawing/2010/main" val="0"/>
+              </a:ext>
+            </a:extLst>
+          </a:blip>
+          <a:stretch>
+            <a:fillRect/>
+          </a:stretch>
+        </p:blipFill>
+        <p:spPr>
+          <a:xfrm>
+            <a:off x="316469" y="4631656"/>
+            <a:ext cx="5779531" cy="1113064"/>
+          </a:xfrm>
+          <a:prstGeom prst="rect">
+            <a:avLst/>
+          </a:prstGeom>
+        </p:spPr>
+      </p:pic>
     </p:spTree>
     <p:extLst>
       <p:ext uri="{BB962C8B-B14F-4D97-AF65-F5344CB8AC3E}">

--- a/last_presentation.pptx
+++ b/last_presentation.pptx
@@ -131,7 +131,7 @@
 <file path=ppt/revisionInfo.xml><?xml version="1.0" encoding="utf-8"?>
 <p1510:revInfo xmlns:a="http://schemas.openxmlformats.org/drawingml/2006/main" xmlns:r="http://schemas.openxmlformats.org/officeDocument/2006/relationships" xmlns:p1510="http://schemas.microsoft.com/office/powerpoint/2015/10/main">
   <p1510:revLst>
-    <p1510:client id="{15F3DA1A-5491-411D-9E87-5BEC2B26EC3A}" v="112" dt="2019-12-09T09:50:59.076"/>
+    <p1510:client id="{15F3DA1A-5491-411D-9E87-5BEC2B26EC3A}" v="113" dt="2019-12-09T10:08:04.820"/>
   </p1510:revLst>
 </p1510:revInfo>
 </file>
@@ -141,7 +141,7 @@
   <pc:docChgLst>
     <pc:chgData name="jacopo losi" userId="6975c7b5cccccadf" providerId="LiveId" clId="{15F3DA1A-5491-411D-9E87-5BEC2B26EC3A}"/>
     <pc:docChg chg="undo custSel addSld modSld sldOrd">
-      <pc:chgData name="jacopo losi" userId="6975c7b5cccccadf" providerId="LiveId" clId="{15F3DA1A-5491-411D-9E87-5BEC2B26EC3A}" dt="2019-12-09T09:51:13.002" v="2712" actId="5793"/>
+      <pc:chgData name="jacopo losi" userId="6975c7b5cccccadf" providerId="LiveId" clId="{15F3DA1A-5491-411D-9E87-5BEC2B26EC3A}" dt="2019-12-09T10:08:23.008" v="2721" actId="1076"/>
       <pc:docMkLst>
         <pc:docMk/>
       </pc:docMkLst>
@@ -758,7 +758,7 @@
         </pc:picChg>
       </pc:sldChg>
       <pc:sldChg chg="addSp delSp modSp add ord">
-        <pc:chgData name="jacopo losi" userId="6975c7b5cccccadf" providerId="LiveId" clId="{15F3DA1A-5491-411D-9E87-5BEC2B26EC3A}" dt="2019-12-09T09:11:51.067" v="1110" actId="1076"/>
+        <pc:chgData name="jacopo losi" userId="6975c7b5cccccadf" providerId="LiveId" clId="{15F3DA1A-5491-411D-9E87-5BEC2B26EC3A}" dt="2019-12-09T10:08:23.008" v="2721" actId="1076"/>
         <pc:sldMkLst>
           <pc:docMk/>
           <pc:sldMk cId="2133515375" sldId="270"/>
@@ -812,11 +812,19 @@
           </ac:picMkLst>
         </pc:picChg>
         <pc:picChg chg="add mod">
-          <ac:chgData name="jacopo losi" userId="6975c7b5cccccadf" providerId="LiveId" clId="{15F3DA1A-5491-411D-9E87-5BEC2B26EC3A}" dt="2019-12-09T09:11:51.067" v="1110" actId="1076"/>
+          <ac:chgData name="jacopo losi" userId="6975c7b5cccccadf" providerId="LiveId" clId="{15F3DA1A-5491-411D-9E87-5BEC2B26EC3A}" dt="2019-12-09T10:07:52.326" v="2713" actId="1076"/>
           <ac:picMkLst>
             <pc:docMk/>
             <pc:sldMk cId="2133515375" sldId="270"/>
             <ac:picMk id="6" creationId="{E9D602A4-686E-473A-86A0-6EE3AF02D850}"/>
+          </ac:picMkLst>
+        </pc:picChg>
+        <pc:picChg chg="add mod">
+          <ac:chgData name="jacopo losi" userId="6975c7b5cccccadf" providerId="LiveId" clId="{15F3DA1A-5491-411D-9E87-5BEC2B26EC3A}" dt="2019-12-09T10:08:23.008" v="2721" actId="1076"/>
+          <ac:picMkLst>
+            <pc:docMk/>
+            <pc:sldMk cId="2133515375" sldId="270"/>
+            <ac:picMk id="7" creationId="{1B790C21-B4A6-4014-B430-6DDD1EEEA5C1}"/>
           </ac:picMkLst>
         </pc:picChg>
         <pc:picChg chg="del">
@@ -1218,7 +1226,7 @@
           <a:p>
             <a:fld id="{31F6E9D3-5DDA-4CDC-B81D-876B6712FEA6}" type="slidenum">
               <a:rPr lang="en-US" smtClean="0"/>
-              <a:t>‹N›</a:t>
+              <a:t>‹#›</a:t>
             </a:fld>
             <a:endParaRPr lang="en-US"/>
           </a:p>
@@ -1418,7 +1426,7 @@
           <a:p>
             <a:fld id="{31F6E9D3-5DDA-4CDC-B81D-876B6712FEA6}" type="slidenum">
               <a:rPr lang="en-US" smtClean="0"/>
-              <a:t>‹N›</a:t>
+              <a:t>‹#›</a:t>
             </a:fld>
             <a:endParaRPr lang="en-US"/>
           </a:p>
@@ -1628,7 +1636,7 @@
           <a:p>
             <a:fld id="{31F6E9D3-5DDA-4CDC-B81D-876B6712FEA6}" type="slidenum">
               <a:rPr lang="en-US" smtClean="0"/>
-              <a:t>‹N›</a:t>
+              <a:t>‹#›</a:t>
             </a:fld>
             <a:endParaRPr lang="en-US"/>
           </a:p>
@@ -1828,7 +1836,7 @@
           <a:p>
             <a:fld id="{31F6E9D3-5DDA-4CDC-B81D-876B6712FEA6}" type="slidenum">
               <a:rPr lang="en-US" smtClean="0"/>
-              <a:t>‹N›</a:t>
+              <a:t>‹#›</a:t>
             </a:fld>
             <a:endParaRPr lang="en-US"/>
           </a:p>
@@ -2104,7 +2112,7 @@
           <a:p>
             <a:fld id="{31F6E9D3-5DDA-4CDC-B81D-876B6712FEA6}" type="slidenum">
               <a:rPr lang="en-US" smtClean="0"/>
-              <a:t>‹N›</a:t>
+              <a:t>‹#›</a:t>
             </a:fld>
             <a:endParaRPr lang="en-US"/>
           </a:p>
@@ -2372,7 +2380,7 @@
           <a:p>
             <a:fld id="{31F6E9D3-5DDA-4CDC-B81D-876B6712FEA6}" type="slidenum">
               <a:rPr lang="en-US" smtClean="0"/>
-              <a:t>‹N›</a:t>
+              <a:t>‹#›</a:t>
             </a:fld>
             <a:endParaRPr lang="en-US"/>
           </a:p>
@@ -2787,7 +2795,7 @@
           <a:p>
             <a:fld id="{31F6E9D3-5DDA-4CDC-B81D-876B6712FEA6}" type="slidenum">
               <a:rPr lang="en-US" smtClean="0"/>
-              <a:t>‹N›</a:t>
+              <a:t>‹#›</a:t>
             </a:fld>
             <a:endParaRPr lang="en-US"/>
           </a:p>
@@ -2929,7 +2937,7 @@
           <a:p>
             <a:fld id="{31F6E9D3-5DDA-4CDC-B81D-876B6712FEA6}" type="slidenum">
               <a:rPr lang="en-US" smtClean="0"/>
-              <a:t>‹N›</a:t>
+              <a:t>‹#›</a:t>
             </a:fld>
             <a:endParaRPr lang="en-US"/>
           </a:p>
@@ -3042,7 +3050,7 @@
           <a:p>
             <a:fld id="{31F6E9D3-5DDA-4CDC-B81D-876B6712FEA6}" type="slidenum">
               <a:rPr lang="en-US" smtClean="0"/>
-              <a:t>‹N›</a:t>
+              <a:t>‹#›</a:t>
             </a:fld>
             <a:endParaRPr lang="en-US"/>
           </a:p>
@@ -3355,7 +3363,7 @@
           <a:p>
             <a:fld id="{31F6E9D3-5DDA-4CDC-B81D-876B6712FEA6}" type="slidenum">
               <a:rPr lang="en-US" smtClean="0"/>
-              <a:t>‹N›</a:t>
+              <a:t>‹#›</a:t>
             </a:fld>
             <a:endParaRPr lang="en-US"/>
           </a:p>
@@ -3644,7 +3652,7 @@
           <a:p>
             <a:fld id="{31F6E9D3-5DDA-4CDC-B81D-876B6712FEA6}" type="slidenum">
               <a:rPr lang="en-US" smtClean="0"/>
-              <a:t>‹N›</a:t>
+              <a:t>‹#›</a:t>
             </a:fld>
             <a:endParaRPr lang="en-US"/>
           </a:p>
@@ -3923,7 +3931,7 @@
           <a:p>
             <a:fld id="{31F6E9D3-5DDA-4CDC-B81D-876B6712FEA6}" type="slidenum">
               <a:rPr lang="en-US" smtClean="0"/>
-              <a:t>‹N›</a:t>
+              <a:t>‹#›</a:t>
             </a:fld>
             <a:endParaRPr lang="en-US"/>
           </a:p>
@@ -9541,7 +9549,7 @@
         </p:blipFill>
         <p:spPr>
           <a:xfrm>
-            <a:off x="299125" y="3241771"/>
+            <a:off x="299125" y="2382982"/>
             <a:ext cx="5796874" cy="2068074"/>
           </a:xfrm>
           <a:prstGeom prst="rect">
@@ -9778,6 +9786,42 @@
           </a:p>
         </p:txBody>
       </p:sp>
+      <p:pic>
+        <p:nvPicPr>
+          <p:cNvPr id="7" name="Picture 6" descr="A close up of a keyboard&#10;&#10;Description automatically generated">
+            <a:extLst>
+              <a:ext uri="{FF2B5EF4-FFF2-40B4-BE49-F238E27FC236}">
+                <a16:creationId xmlns:a16="http://schemas.microsoft.com/office/drawing/2014/main" id="{1B790C21-B4A6-4014-B430-6DDD1EEEA5C1}"/>
+              </a:ext>
+            </a:extLst>
+          </p:cNvPr>
+          <p:cNvPicPr>
+            <a:picLocks noChangeAspect="1"/>
+          </p:cNvPicPr>
+          <p:nvPr/>
+        </p:nvPicPr>
+        <p:blipFill>
+          <a:blip r:embed="rId4">
+            <a:extLst>
+              <a:ext uri="{28A0092B-C50C-407E-A947-70E740481C1C}">
+                <a14:useLocalDpi xmlns:a14="http://schemas.microsoft.com/office/drawing/2010/main" val="0"/>
+              </a:ext>
+            </a:extLst>
+          </a:blip>
+          <a:stretch>
+            <a:fillRect/>
+          </a:stretch>
+        </p:blipFill>
+        <p:spPr>
+          <a:xfrm>
+            <a:off x="299125" y="4898930"/>
+            <a:ext cx="5796874" cy="1116404"/>
+          </a:xfrm>
+          <a:prstGeom prst="rect">
+            <a:avLst/>
+          </a:prstGeom>
+        </p:spPr>
+      </p:pic>
     </p:spTree>
     <p:extLst>
       <p:ext uri="{BB962C8B-B14F-4D97-AF65-F5344CB8AC3E}">

--- a/last_presentation.pptx
+++ b/last_presentation.pptx
@@ -141,7 +141,7 @@
   <pc:docChgLst>
     <pc:chgData name="jacopo losi" userId="6975c7b5cccccadf" providerId="LiveId" clId="{15F3DA1A-5491-411D-9E87-5BEC2B26EC3A}"/>
     <pc:docChg chg="undo custSel addSld modSld sldOrd">
-      <pc:chgData name="jacopo losi" userId="6975c7b5cccccadf" providerId="LiveId" clId="{15F3DA1A-5491-411D-9E87-5BEC2B26EC3A}" dt="2019-12-09T10:08:23.008" v="2721" actId="1076"/>
+      <pc:chgData name="jacopo losi" userId="6975c7b5cccccadf" providerId="LiveId" clId="{15F3DA1A-5491-411D-9E87-5BEC2B26EC3A}" dt="2019-12-09T10:10:41.012" v="2728" actId="1076"/>
       <pc:docMkLst>
         <pc:docMk/>
       </pc:docMkLst>
@@ -435,13 +435,13 @@
         </pc:picChg>
       </pc:sldChg>
       <pc:sldChg chg="addSp delSp modSp ord">
-        <pc:chgData name="jacopo losi" userId="6975c7b5cccccadf" providerId="LiveId" clId="{15F3DA1A-5491-411D-9E87-5BEC2B26EC3A}" dt="2019-12-09T09:31:34.649" v="1667" actId="20577"/>
+        <pc:chgData name="jacopo losi" userId="6975c7b5cccccadf" providerId="LiveId" clId="{15F3DA1A-5491-411D-9E87-5BEC2B26EC3A}" dt="2019-12-09T10:10:41.012" v="2728" actId="1076"/>
         <pc:sldMkLst>
           <pc:docMk/>
           <pc:sldMk cId="2124831787" sldId="265"/>
         </pc:sldMkLst>
         <pc:spChg chg="add mod">
-          <ac:chgData name="jacopo losi" userId="6975c7b5cccccadf" providerId="LiveId" clId="{15F3DA1A-5491-411D-9E87-5BEC2B26EC3A}" dt="2019-12-09T09:31:34.649" v="1667" actId="20577"/>
+          <ac:chgData name="jacopo losi" userId="6975c7b5cccccadf" providerId="LiveId" clId="{15F3DA1A-5491-411D-9E87-5BEC2B26EC3A}" dt="2019-12-09T10:09:42.781" v="2724" actId="14100"/>
           <ac:spMkLst>
             <pc:docMk/>
             <pc:sldMk cId="2124831787" sldId="265"/>
@@ -449,7 +449,7 @@
           </ac:spMkLst>
         </pc:spChg>
         <pc:spChg chg="add mod">
-          <ac:chgData name="jacopo losi" userId="6975c7b5cccccadf" providerId="LiveId" clId="{15F3DA1A-5491-411D-9E87-5BEC2B26EC3A}" dt="2019-12-09T09:30:37.900" v="1663" actId="1076"/>
+          <ac:chgData name="jacopo losi" userId="6975c7b5cccccadf" providerId="LiveId" clId="{15F3DA1A-5491-411D-9E87-5BEC2B26EC3A}" dt="2019-12-09T10:10:41.012" v="2728" actId="1076"/>
           <ac:spMkLst>
             <pc:docMk/>
             <pc:sldMk cId="2124831787" sldId="265"/>
@@ -489,7 +489,7 @@
           </ac:picMkLst>
         </pc:picChg>
         <pc:picChg chg="add mod">
-          <ac:chgData name="jacopo losi" userId="6975c7b5cccccadf" providerId="LiveId" clId="{15F3DA1A-5491-411D-9E87-5BEC2B26EC3A}" dt="2019-12-09T09:27:38.386" v="1430" actId="1076"/>
+          <ac:chgData name="jacopo losi" userId="6975c7b5cccccadf" providerId="LiveId" clId="{15F3DA1A-5491-411D-9E87-5BEC2B26EC3A}" dt="2019-12-09T10:09:54.947" v="2725" actId="1076"/>
           <ac:picMkLst>
             <pc:docMk/>
             <pc:sldMk cId="2124831787" sldId="265"/>
@@ -569,13 +569,13 @@
         </pc:picChg>
       </pc:sldChg>
       <pc:sldChg chg="addSp delSp modSp">
-        <pc:chgData name="jacopo losi" userId="6975c7b5cccccadf" providerId="LiveId" clId="{15F3DA1A-5491-411D-9E87-5BEC2B26EC3A}" dt="2019-12-09T09:38:04.210" v="2049" actId="1076"/>
+        <pc:chgData name="jacopo losi" userId="6975c7b5cccccadf" providerId="LiveId" clId="{15F3DA1A-5491-411D-9E87-5BEC2B26EC3A}" dt="2019-12-09T10:09:29.338" v="2722" actId="14100"/>
         <pc:sldMkLst>
           <pc:docMk/>
           <pc:sldMk cId="1443627318" sldId="267"/>
         </pc:sldMkLst>
         <pc:spChg chg="add mod">
-          <ac:chgData name="jacopo losi" userId="6975c7b5cccccadf" providerId="LiveId" clId="{15F3DA1A-5491-411D-9E87-5BEC2B26EC3A}" dt="2019-12-09T09:33:06.455" v="1774" actId="790"/>
+          <ac:chgData name="jacopo losi" userId="6975c7b5cccccadf" providerId="LiveId" clId="{15F3DA1A-5491-411D-9E87-5BEC2B26EC3A}" dt="2019-12-09T10:09:29.338" v="2722" actId="14100"/>
           <ac:spMkLst>
             <pc:docMk/>
             <pc:sldMk cId="1443627318" sldId="267"/>
@@ -6009,8 +6009,8 @@
         </p:nvSpPr>
         <p:spPr>
           <a:xfrm>
-            <a:off x="7358914" y="1930745"/>
-            <a:ext cx="3648362" cy="707885"/>
+            <a:off x="7536872" y="2023929"/>
+            <a:ext cx="4004914" cy="707886"/>
           </a:xfrm>
           <a:prstGeom prst="rect">
             <a:avLst/>
@@ -6065,7 +6065,7 @@
         </p:blipFill>
         <p:spPr>
           <a:xfrm>
-            <a:off x="8639271" y="2760910"/>
+            <a:off x="9183095" y="2789709"/>
             <a:ext cx="1087649" cy="1087649"/>
           </a:xfrm>
           <a:prstGeom prst="rect">
@@ -6087,8 +6087,8 @@
         </p:nvSpPr>
         <p:spPr>
           <a:xfrm>
-            <a:off x="7358914" y="3935253"/>
-            <a:ext cx="3648362" cy="1938992"/>
+            <a:off x="7823200" y="4121621"/>
+            <a:ext cx="3820186" cy="1631216"/>
           </a:xfrm>
           <a:prstGeom prst="rect">
             <a:avLst/>
@@ -6398,8 +6398,8 @@
         </p:nvSpPr>
         <p:spPr>
           <a:xfrm>
-            <a:off x="7610764" y="2207491"/>
-            <a:ext cx="4137891" cy="707886"/>
+            <a:off x="7638473" y="2207491"/>
+            <a:ext cx="4110182" cy="707886"/>
           </a:xfrm>
           <a:prstGeom prst="rect">
             <a:avLst/>
